--- a/Doc/EasyBid.pptx
+++ b/Doc/EasyBid.pptx
@@ -1,14 +1,14 @@
 
 <file path=ppt/presentation.xml><?xml version="1.0" encoding="utf-8"?>
-<p:presentation xmlns:a="http://schemas.openxmlformats.org/drawingml/2006/main" xmlns:r="http://schemas.openxmlformats.org/officeDocument/2006/relationships" xmlns:mc="http://schemas.openxmlformats.org/markup-compatibility/2006" xmlns:mv="urn:schemas-microsoft-com:mac:vml" xmlns:p="http://schemas.openxmlformats.org/presentationml/2006/main" mc:Ignorable="mv" mc:PreserveAttributes="mv:*" saveSubsetFonts="1" autoCompressPictures="0">
+<p:presentation xmlns:a="http://schemas.openxmlformats.org/drawingml/2006/main" xmlns:r="http://schemas.openxmlformats.org/officeDocument/2006/relationships" xmlns:p="http://schemas.openxmlformats.org/presentationml/2006/main" saveSubsetFonts="1" autoCompressPictures="0">
   <p:sldMasterIdLst>
-    <p:sldMasterId r:id="rId1"/>
+    <p:sldMasterId id="2147483648" r:id="rId1"/>
   </p:sldMasterIdLst>
   <p:notesMasterIdLst>
-    <p:notesMasterId r:id="rId17"/>
+    <p:notesMasterId r:id="rId24"/>
   </p:notesMasterIdLst>
   <p:handoutMasterIdLst>
-    <p:handoutMasterId r:id="rId18"/>
+    <p:handoutMasterId r:id="rId25"/>
   </p:handoutMasterIdLst>
   <p:sldIdLst>
     <p:sldId id="256" r:id="rId2"/>
@@ -26,6 +26,13 @@
     <p:sldId id="270" r:id="rId14"/>
     <p:sldId id="273" r:id="rId15"/>
     <p:sldId id="275" r:id="rId16"/>
+    <p:sldId id="279" r:id="rId17"/>
+    <p:sldId id="277" r:id="rId18"/>
+    <p:sldId id="280" r:id="rId19"/>
+    <p:sldId id="281" r:id="rId20"/>
+    <p:sldId id="284" r:id="rId21"/>
+    <p:sldId id="283" r:id="rId22"/>
+    <p:sldId id="285" r:id="rId23"/>
   </p:sldIdLst>
   <p:sldSz cx="9144000" cy="6858000" type="screen4x3"/>
   <p:notesSz cx="6858000" cy="9144000"/>
@@ -128,7 +135,7 @@
 </file>
 
 <file path=ppt/handoutMasters/handoutMaster1.xml><?xml version="1.0" encoding="utf-8"?>
-<p:handoutMaster xmlns:a="http://schemas.openxmlformats.org/drawingml/2006/main" xmlns:r="http://schemas.openxmlformats.org/officeDocument/2006/relationships" xmlns:mc="http://schemas.openxmlformats.org/markup-compatibility/2006" xmlns:mv="urn:schemas-microsoft-com:mac:vml" xmlns:p="http://schemas.openxmlformats.org/presentationml/2006/main" mc:Ignorable="mv" mc:PreserveAttributes="mv:*">
+<p:handoutMaster xmlns:a="http://schemas.openxmlformats.org/drawingml/2006/main" xmlns:r="http://schemas.openxmlformats.org/officeDocument/2006/relationships" xmlns:p="http://schemas.openxmlformats.org/presentationml/2006/main">
   <p:cSld>
     <p:bg>
       <p:bgRef idx="1001">
@@ -209,7 +216,7 @@
           <a:p>
             <a:fld id="{87319696-5C65-C44B-BCA1-77C3BE3DC777}" type="datetimeFigureOut">
               <a:rPr lang="fr-FR" smtClean="0"/>
-              <a:t>26/03/14</a:t>
+              <a:t>27/03/2014</a:t>
             </a:fld>
             <a:endParaRPr lang="fr-FR"/>
           </a:p>
@@ -275,13 +282,18 @@
           <a:p>
             <a:fld id="{ADDD2DFA-280D-9743-B3BE-EF2BED43BF0A}" type="slidenum">
               <a:rPr lang="fr-FR" smtClean="0"/>
-              <a:t>‹#›</a:t>
+              <a:t>‹N°›</a:t>
             </a:fld>
             <a:endParaRPr lang="fr-FR"/>
           </a:p>
         </p:txBody>
       </p:sp>
     </p:spTree>
+    <p:extLst>
+      <p:ext uri="{BB962C8B-B14F-4D97-AF65-F5344CB8AC3E}">
+        <p14:creationId xmlns:p14="http://schemas.microsoft.com/office/powerpoint/2010/main" val="1003860765"/>
+      </p:ext>
+    </p:extLst>
   </p:cSld>
   <p:clrMap bg1="lt1" tx1="dk1" bg2="lt2" tx2="dk2" accent1="accent1" accent2="accent2" accent3="accent3" accent4="accent4" accent5="accent5" accent6="accent6" hlink="hlink" folHlink="folHlink"/>
   <p:hf hdr="0" ftr="0" dt="0"/>
@@ -289,7 +301,7 @@
 </file>
 
 <file path=ppt/notesMasters/notesMaster1.xml><?xml version="1.0" encoding="utf-8"?>
-<p:notesMaster xmlns:a="http://schemas.openxmlformats.org/drawingml/2006/main" xmlns:r="http://schemas.openxmlformats.org/officeDocument/2006/relationships" xmlns:mc="http://schemas.openxmlformats.org/markup-compatibility/2006" xmlns:mv="urn:schemas-microsoft-com:mac:vml" xmlns:p="http://schemas.openxmlformats.org/presentationml/2006/main" mc:Ignorable="mv" mc:PreserveAttributes="mv:*">
+<p:notesMaster xmlns:a="http://schemas.openxmlformats.org/drawingml/2006/main" xmlns:r="http://schemas.openxmlformats.org/officeDocument/2006/relationships" xmlns:p="http://schemas.openxmlformats.org/presentationml/2006/main">
   <p:cSld>
     <p:bg>
       <p:bgRef idx="1001">
@@ -370,7 +382,7 @@
           <a:p>
             <a:fld id="{09F3A02B-C213-6843-B141-13D6DC22085B}" type="datetimeFigureOut">
               <a:rPr lang="fr-FR" smtClean="0"/>
-              <a:t>26/03/14</a:t>
+              <a:t>27/03/2014</a:t>
             </a:fld>
             <a:endParaRPr lang="fr-FR"/>
           </a:p>
@@ -531,13 +543,18 @@
           <a:p>
             <a:fld id="{5CD27A69-6F67-AE44-B1F9-8A2AED1F0F46}" type="slidenum">
               <a:rPr lang="fr-FR" smtClean="0"/>
-              <a:t>‹#›</a:t>
+              <a:t>‹N°›</a:t>
             </a:fld>
             <a:endParaRPr lang="fr-FR"/>
           </a:p>
         </p:txBody>
       </p:sp>
     </p:spTree>
+    <p:extLst>
+      <p:ext uri="{BB962C8B-B14F-4D97-AF65-F5344CB8AC3E}">
+        <p14:creationId xmlns:p14="http://schemas.microsoft.com/office/powerpoint/2010/main" val="2795020095"/>
+      </p:ext>
+    </p:extLst>
   </p:cSld>
   <p:clrMap bg1="lt1" tx1="dk1" bg2="lt2" tx2="dk2" accent1="accent1" accent2="accent2" accent3="accent3" accent4="accent4" accent5="accent5" accent6="accent6" hlink="hlink" folHlink="folHlink"/>
   <p:hf hdr="0" ftr="0" dt="0"/>
@@ -637,7 +654,7 @@
 </file>
 
 <file path=ppt/notesSlides/notesSlide1.xml><?xml version="1.0" encoding="utf-8"?>
-<p:notes xmlns:a="http://schemas.openxmlformats.org/drawingml/2006/main" xmlns:r="http://schemas.openxmlformats.org/officeDocument/2006/relationships" xmlns:mc="http://schemas.openxmlformats.org/markup-compatibility/2006" xmlns:mv="urn:schemas-microsoft-com:mac:vml" xmlns:p="http://schemas.openxmlformats.org/presentationml/2006/main" mc:Ignorable="mv" mc:PreserveAttributes="mv:*">
+<p:notes xmlns:a="http://schemas.openxmlformats.org/drawingml/2006/main" xmlns:r="http://schemas.openxmlformats.org/officeDocument/2006/relationships" xmlns:p="http://schemas.openxmlformats.org/presentationml/2006/main">
   <p:cSld>
     <p:spTree>
       <p:nvGrpSpPr>
@@ -718,7 +735,7 @@
 </file>
 
 <file path=ppt/slideLayouts/slideLayout1.xml><?xml version="1.0" encoding="utf-8"?>
-<p:sldLayout xmlns:a="http://schemas.openxmlformats.org/drawingml/2006/main" xmlns:r="http://schemas.openxmlformats.org/officeDocument/2006/relationships" xmlns:mc="http://schemas.openxmlformats.org/markup-compatibility/2006" xmlns:mv="urn:schemas-microsoft-com:mac:vml" xmlns:p="http://schemas.openxmlformats.org/presentationml/2006/main" mc:Ignorable="mv" mc:PreserveAttributes="mv:*" type="title" preserve="1">
+<p:sldLayout xmlns:a="http://schemas.openxmlformats.org/drawingml/2006/main" xmlns:r="http://schemas.openxmlformats.org/officeDocument/2006/relationships" xmlns:p="http://schemas.openxmlformats.org/presentationml/2006/main" type="title" preserve="1">
   <p:cSld name="Diapositive de titre">
     <p:spTree>
       <p:nvGrpSpPr>
@@ -1047,7 +1064,7 @@
             <a:fld id="{6F42FDE4-A7DD-41A7-A0A6-9B649FB43336}" type="slidenum">
               <a:rPr kumimoji="0" lang="en-US" smtClean="0"/>
               <a:pPr/>
-              <a:t>‹#›</a:t>
+              <a:t>‹N°›</a:t>
             </a:fld>
             <a:endParaRPr kumimoji="0" lang="en-US" sz="1400" dirty="0">
               <a:solidFill>
@@ -1066,7 +1083,7 @@
 </file>
 
 <file path=ppt/slideLayouts/slideLayout10.xml><?xml version="1.0" encoding="utf-8"?>
-<p:sldLayout xmlns:a="http://schemas.openxmlformats.org/drawingml/2006/main" xmlns:r="http://schemas.openxmlformats.org/officeDocument/2006/relationships" xmlns:mc="http://schemas.openxmlformats.org/markup-compatibility/2006" xmlns:mv="urn:schemas-microsoft-com:mac:vml" xmlns:p="http://schemas.openxmlformats.org/presentationml/2006/main" mc:Ignorable="mv" mc:PreserveAttributes="mv:*" preserve="1">
+<p:sldLayout xmlns:a="http://schemas.openxmlformats.org/drawingml/2006/main" xmlns:r="http://schemas.openxmlformats.org/officeDocument/2006/relationships" xmlns:p="http://schemas.openxmlformats.org/presentationml/2006/main" preserve="1">
   <p:cSld name="Image avec légende">
     <p:spTree>
       <p:nvGrpSpPr>
@@ -1244,7 +1261,7 @@
           <a:p>
             <a:fld id="{6A5E4927-E38B-CA4F-8043-983A6C4FF18B}" type="slidenum">
               <a:rPr lang="fr-FR" smtClean="0"/>
-              <a:t>‹#›</a:t>
+              <a:t>‹N°›</a:t>
             </a:fld>
             <a:endParaRPr lang="fr-FR"/>
           </a:p>
@@ -1359,7 +1376,7 @@
 </file>
 
 <file path=ppt/slideLayouts/slideLayout11.xml><?xml version="1.0" encoding="utf-8"?>
-<p:sldLayout xmlns:a="http://schemas.openxmlformats.org/drawingml/2006/main" xmlns:r="http://schemas.openxmlformats.org/officeDocument/2006/relationships" xmlns:mc="http://schemas.openxmlformats.org/markup-compatibility/2006" xmlns:mv="urn:schemas-microsoft-com:mac:vml" xmlns:p="http://schemas.openxmlformats.org/presentationml/2006/main" mc:Ignorable="mv" mc:PreserveAttributes="mv:*" type="vertTx" preserve="1">
+<p:sldLayout xmlns:a="http://schemas.openxmlformats.org/drawingml/2006/main" xmlns:r="http://schemas.openxmlformats.org/officeDocument/2006/relationships" xmlns:p="http://schemas.openxmlformats.org/presentationml/2006/main" type="vertTx" preserve="1">
   <p:cSld name="Titre et texte vertical">
     <p:spTree>
       <p:nvGrpSpPr>
@@ -1513,7 +1530,7 @@
           <a:p>
             <a:fld id="{6A5E4927-E38B-CA4F-8043-983A6C4FF18B}" type="slidenum">
               <a:rPr lang="fr-FR" smtClean="0"/>
-              <a:t>‹#›</a:t>
+              <a:t>‹N°›</a:t>
             </a:fld>
             <a:endParaRPr lang="fr-FR"/>
           </a:p>
@@ -1528,7 +1545,7 @@
 </file>
 
 <file path=ppt/slideLayouts/slideLayout12.xml><?xml version="1.0" encoding="utf-8"?>
-<p:sldLayout xmlns:a="http://schemas.openxmlformats.org/drawingml/2006/main" xmlns:r="http://schemas.openxmlformats.org/officeDocument/2006/relationships" xmlns:mc="http://schemas.openxmlformats.org/markup-compatibility/2006" xmlns:mv="urn:schemas-microsoft-com:mac:vml" xmlns:p="http://schemas.openxmlformats.org/presentationml/2006/main" mc:Ignorable="mv" mc:PreserveAttributes="mv:*" type="vertTitleAndTx" preserve="1">
+<p:sldLayout xmlns:a="http://schemas.openxmlformats.org/drawingml/2006/main" xmlns:r="http://schemas.openxmlformats.org/officeDocument/2006/relationships" xmlns:p="http://schemas.openxmlformats.org/presentationml/2006/main" type="vertTitleAndTx" preserve="1">
   <p:cSld name="Titre vertical et texte">
     <p:spTree>
       <p:nvGrpSpPr>
@@ -1692,7 +1709,7 @@
           <a:p>
             <a:fld id="{6A5E4927-E38B-CA4F-8043-983A6C4FF18B}" type="slidenum">
               <a:rPr lang="fr-FR" smtClean="0"/>
-              <a:t>‹#›</a:t>
+              <a:t>‹N°›</a:t>
             </a:fld>
             <a:endParaRPr lang="fr-FR"/>
           </a:p>
@@ -1707,7 +1724,7 @@
 </file>
 
 <file path=ppt/slideLayouts/slideLayout2.xml><?xml version="1.0" encoding="utf-8"?>
-<p:sldLayout xmlns:a="http://schemas.openxmlformats.org/drawingml/2006/main" xmlns:r="http://schemas.openxmlformats.org/officeDocument/2006/relationships" xmlns:mc="http://schemas.openxmlformats.org/markup-compatibility/2006" xmlns:mv="urn:schemas-microsoft-com:mac:vml" xmlns:p="http://schemas.openxmlformats.org/presentationml/2006/main" mc:Ignorable="mv" mc:PreserveAttributes="mv:*" type="obj" preserve="1">
+<p:sldLayout xmlns:a="http://schemas.openxmlformats.org/drawingml/2006/main" xmlns:r="http://schemas.openxmlformats.org/officeDocument/2006/relationships" xmlns:p="http://schemas.openxmlformats.org/presentationml/2006/main" type="obj" preserve="1">
   <p:cSld name="Titre et contenu">
     <p:spTree>
       <p:nvGrpSpPr>
@@ -1861,7 +1878,7 @@
           <a:p>
             <a:fld id="{6A5E4927-E38B-CA4F-8043-983A6C4FF18B}" type="slidenum">
               <a:rPr lang="fr-FR" smtClean="0"/>
-              <a:t>‹#›</a:t>
+              <a:t>‹N°›</a:t>
             </a:fld>
             <a:endParaRPr lang="fr-FR"/>
           </a:p>
@@ -1876,7 +1893,7 @@
 </file>
 
 <file path=ppt/slideLayouts/slideLayout3.xml><?xml version="1.0" encoding="utf-8"?>
-<p:sldLayout xmlns:a="http://schemas.openxmlformats.org/drawingml/2006/main" xmlns:r="http://schemas.openxmlformats.org/officeDocument/2006/relationships" xmlns:mc="http://schemas.openxmlformats.org/markup-compatibility/2006" xmlns:mv="urn:schemas-microsoft-com:mac:vml" xmlns:p="http://schemas.openxmlformats.org/presentationml/2006/main" mc:Ignorable="mv" mc:PreserveAttributes="mv:*" preserve="1">
+<p:sldLayout xmlns:a="http://schemas.openxmlformats.org/drawingml/2006/main" xmlns:r="http://schemas.openxmlformats.org/officeDocument/2006/relationships" xmlns:p="http://schemas.openxmlformats.org/presentationml/2006/main" preserve="1">
   <p:cSld name="Diapositive de titre avec image">
     <p:spTree>
       <p:nvGrpSpPr>
@@ -2104,7 +2121,7 @@
           <a:p>
             <a:fld id="{6A5E4927-E38B-CA4F-8043-983A6C4FF18B}" type="slidenum">
               <a:rPr lang="fr-FR" smtClean="0"/>
-              <a:t>‹#›</a:t>
+              <a:t>‹N°›</a:t>
             </a:fld>
             <a:endParaRPr lang="fr-FR"/>
           </a:p>
@@ -2196,7 +2213,7 @@
 </file>
 
 <file path=ppt/slideLayouts/slideLayout4.xml><?xml version="1.0" encoding="utf-8"?>
-<p:sldLayout xmlns:a="http://schemas.openxmlformats.org/drawingml/2006/main" xmlns:r="http://schemas.openxmlformats.org/officeDocument/2006/relationships" xmlns:mc="http://schemas.openxmlformats.org/markup-compatibility/2006" xmlns:mv="urn:schemas-microsoft-com:mac:vml" xmlns:p="http://schemas.openxmlformats.org/presentationml/2006/main" mc:Ignorable="mv" mc:PreserveAttributes="mv:*" type="secHead" preserve="1">
+<p:sldLayout xmlns:a="http://schemas.openxmlformats.org/drawingml/2006/main" xmlns:r="http://schemas.openxmlformats.org/officeDocument/2006/relationships" xmlns:p="http://schemas.openxmlformats.org/presentationml/2006/main" type="secHead" preserve="1">
   <p:cSld name="En-tête de section">
     <p:spTree>
       <p:nvGrpSpPr>
@@ -2429,7 +2446,7 @@
             <a:fld id="{2C6B1FF6-39B9-40F5-8B67-33C6354A3D4F}" type="slidenum">
               <a:rPr kumimoji="0" lang="en-US" smtClean="0"/>
               <a:pPr/>
-              <a:t>‹#›</a:t>
+              <a:t>‹N°›</a:t>
             </a:fld>
             <a:endParaRPr kumimoji="0" lang="en-US" dirty="0">
               <a:solidFill>
@@ -2450,7 +2467,7 @@
 </file>
 
 <file path=ppt/slideLayouts/slideLayout5.xml><?xml version="1.0" encoding="utf-8"?>
-<p:sldLayout xmlns:a="http://schemas.openxmlformats.org/drawingml/2006/main" xmlns:r="http://schemas.openxmlformats.org/officeDocument/2006/relationships" xmlns:mc="http://schemas.openxmlformats.org/markup-compatibility/2006" xmlns:mv="urn:schemas-microsoft-com:mac:vml" xmlns:p="http://schemas.openxmlformats.org/presentationml/2006/main" mc:Ignorable="mv" mc:PreserveAttributes="mv:*" type="twoObj" preserve="1">
+<p:sldLayout xmlns:a="http://schemas.openxmlformats.org/drawingml/2006/main" xmlns:r="http://schemas.openxmlformats.org/officeDocument/2006/relationships" xmlns:p="http://schemas.openxmlformats.org/presentationml/2006/main" type="twoObj" preserve="1">
   <p:cSld name="Deux contenus">
     <p:spTree>
       <p:nvGrpSpPr>
@@ -2737,7 +2754,7 @@
           <a:p>
             <a:fld id="{6A5E4927-E38B-CA4F-8043-983A6C4FF18B}" type="slidenum">
               <a:rPr lang="fr-FR" smtClean="0"/>
-              <a:t>‹#›</a:t>
+              <a:t>‹N°›</a:t>
             </a:fld>
             <a:endParaRPr lang="fr-FR"/>
           </a:p>
@@ -2752,7 +2769,7 @@
 </file>
 
 <file path=ppt/slideLayouts/slideLayout6.xml><?xml version="1.0" encoding="utf-8"?>
-<p:sldLayout xmlns:a="http://schemas.openxmlformats.org/drawingml/2006/main" xmlns:r="http://schemas.openxmlformats.org/officeDocument/2006/relationships" xmlns:mc="http://schemas.openxmlformats.org/markup-compatibility/2006" xmlns:mv="urn:schemas-microsoft-com:mac:vml" xmlns:p="http://schemas.openxmlformats.org/presentationml/2006/main" mc:Ignorable="mv" mc:PreserveAttributes="mv:*" type="twoTxTwoObj" preserve="1">
+<p:sldLayout xmlns:a="http://schemas.openxmlformats.org/drawingml/2006/main" xmlns:r="http://schemas.openxmlformats.org/officeDocument/2006/relationships" xmlns:p="http://schemas.openxmlformats.org/presentationml/2006/main" type="twoTxTwoObj" preserve="1">
   <p:cSld name="Comparaison">
     <p:spTree>
       <p:nvGrpSpPr>
@@ -3191,7 +3208,7 @@
           <a:p>
             <a:fld id="{6A5E4927-E38B-CA4F-8043-983A6C4FF18B}" type="slidenum">
               <a:rPr lang="fr-FR" smtClean="0"/>
-              <a:t>‹#›</a:t>
+              <a:t>‹N°›</a:t>
             </a:fld>
             <a:endParaRPr lang="fr-FR"/>
           </a:p>
@@ -3206,7 +3223,7 @@
 </file>
 
 <file path=ppt/slideLayouts/slideLayout7.xml><?xml version="1.0" encoding="utf-8"?>
-<p:sldLayout xmlns:a="http://schemas.openxmlformats.org/drawingml/2006/main" xmlns:r="http://schemas.openxmlformats.org/officeDocument/2006/relationships" xmlns:mc="http://schemas.openxmlformats.org/markup-compatibility/2006" xmlns:mv="urn:schemas-microsoft-com:mac:vml" xmlns:p="http://schemas.openxmlformats.org/presentationml/2006/main" mc:Ignorable="mv" mc:PreserveAttributes="mv:*" type="titleOnly" preserve="1">
+<p:sldLayout xmlns:a="http://schemas.openxmlformats.org/drawingml/2006/main" xmlns:r="http://schemas.openxmlformats.org/officeDocument/2006/relationships" xmlns:p="http://schemas.openxmlformats.org/presentationml/2006/main" type="titleOnly" preserve="1">
   <p:cSld name="Titre seul">
     <p:spTree>
       <p:nvGrpSpPr>
@@ -3308,7 +3325,7 @@
           <a:p>
             <a:fld id="{6A5E4927-E38B-CA4F-8043-983A6C4FF18B}" type="slidenum">
               <a:rPr lang="fr-FR" smtClean="0"/>
-              <a:t>‹#›</a:t>
+              <a:t>‹N°›</a:t>
             </a:fld>
             <a:endParaRPr lang="fr-FR"/>
           </a:p>
@@ -3323,7 +3340,7 @@
 </file>
 
 <file path=ppt/slideLayouts/slideLayout8.xml><?xml version="1.0" encoding="utf-8"?>
-<p:sldLayout xmlns:a="http://schemas.openxmlformats.org/drawingml/2006/main" xmlns:r="http://schemas.openxmlformats.org/officeDocument/2006/relationships" xmlns:mc="http://schemas.openxmlformats.org/markup-compatibility/2006" xmlns:mv="urn:schemas-microsoft-com:mac:vml" xmlns:p="http://schemas.openxmlformats.org/presentationml/2006/main" mc:Ignorable="mv" mc:PreserveAttributes="mv:*" type="blank" preserve="1">
+<p:sldLayout xmlns:a="http://schemas.openxmlformats.org/drawingml/2006/main" xmlns:r="http://schemas.openxmlformats.org/officeDocument/2006/relationships" xmlns:p="http://schemas.openxmlformats.org/presentationml/2006/main" type="blank" preserve="1">
   <p:cSld name="Vide">
     <p:spTree>
       <p:nvGrpSpPr>
@@ -3402,7 +3419,7 @@
           <a:p>
             <a:fld id="{6A5E4927-E38B-CA4F-8043-983A6C4FF18B}" type="slidenum">
               <a:rPr lang="fr-FR" smtClean="0"/>
-              <a:t>‹#›</a:t>
+              <a:t>‹N°›</a:t>
             </a:fld>
             <a:endParaRPr lang="fr-FR"/>
           </a:p>
@@ -3417,7 +3434,7 @@
 </file>
 
 <file path=ppt/slideLayouts/slideLayout9.xml><?xml version="1.0" encoding="utf-8"?>
-<p:sldLayout xmlns:a="http://schemas.openxmlformats.org/drawingml/2006/main" xmlns:r="http://schemas.openxmlformats.org/officeDocument/2006/relationships" xmlns:mc="http://schemas.openxmlformats.org/markup-compatibility/2006" xmlns:mv="urn:schemas-microsoft-com:mac:vml" xmlns:p="http://schemas.openxmlformats.org/presentationml/2006/main" mc:Ignorable="mv" mc:PreserveAttributes="mv:*" type="objTx" preserve="1">
+<p:sldLayout xmlns:a="http://schemas.openxmlformats.org/drawingml/2006/main" xmlns:r="http://schemas.openxmlformats.org/officeDocument/2006/relationships" xmlns:p="http://schemas.openxmlformats.org/presentationml/2006/main" type="objTx" preserve="1">
   <p:cSld name="Contenu avec légende">
     <p:spTree>
       <p:nvGrpSpPr>
@@ -3686,7 +3703,7 @@
             <a:fld id="{B1AA4845-A08A-4DF4-8D99-E2E7B6D41C67}" type="slidenum">
               <a:rPr smtClean="0"/>
               <a:pPr/>
-              <a:t>‹#›</a:t>
+              <a:t>‹N°›</a:t>
             </a:fld>
             <a:endParaRPr/>
           </a:p>
@@ -3701,7 +3718,7 @@
 </file>
 
 <file path=ppt/slideMasters/slideMaster1.xml><?xml version="1.0" encoding="utf-8"?>
-<p:sldMaster xmlns:a="http://schemas.openxmlformats.org/drawingml/2006/main" xmlns:r="http://schemas.openxmlformats.org/officeDocument/2006/relationships" xmlns:mc="http://schemas.openxmlformats.org/markup-compatibility/2006" xmlns:mv="urn:schemas-microsoft-com:mac:vml" xmlns:p="http://schemas.openxmlformats.org/presentationml/2006/main" mc:Ignorable="mv" mc:PreserveAttributes="mv:*">
+<p:sldMaster xmlns:a="http://schemas.openxmlformats.org/drawingml/2006/main" xmlns:r="http://schemas.openxmlformats.org/officeDocument/2006/relationships" xmlns:p="http://schemas.openxmlformats.org/presentationml/2006/main">
   <p:cSld>
     <p:bg>
       <p:bgRef idx="1003">
@@ -3928,7 +3945,7 @@
           <a:p>
             <a:fld id="{6A5E4927-E38B-CA4F-8043-983A6C4FF18B}" type="slidenum">
               <a:rPr lang="fr-FR" smtClean="0"/>
-              <a:t>‹#›</a:t>
+              <a:t>‹N°›</a:t>
             </a:fld>
             <a:endParaRPr lang="fr-FR"/>
           </a:p>
@@ -3938,18 +3955,18 @@
   </p:cSld>
   <p:clrMap bg1="lt1" tx1="dk1" bg2="lt2" tx2="dk2" accent1="accent1" accent2="accent2" accent3="accent3" accent4="accent4" accent5="accent5" accent6="accent6" hlink="hlink" folHlink="folHlink"/>
   <p:sldLayoutIdLst>
-    <p:sldLayoutId r:id="rId1"/>
-    <p:sldLayoutId r:id="rId2"/>
-    <p:sldLayoutId r:id="rId3"/>
-    <p:sldLayoutId r:id="rId4"/>
-    <p:sldLayoutId r:id="rId5"/>
-    <p:sldLayoutId r:id="rId6"/>
-    <p:sldLayoutId r:id="rId7"/>
-    <p:sldLayoutId r:id="rId8"/>
-    <p:sldLayoutId r:id="rId9"/>
-    <p:sldLayoutId r:id="rId10"/>
-    <p:sldLayoutId r:id="rId11"/>
-    <p:sldLayoutId r:id="rId12"/>
+    <p:sldLayoutId id="2147483649" r:id="rId1"/>
+    <p:sldLayoutId id="2147483650" r:id="rId2"/>
+    <p:sldLayoutId id="2147483651" r:id="rId3"/>
+    <p:sldLayoutId id="2147483652" r:id="rId4"/>
+    <p:sldLayoutId id="2147483653" r:id="rId5"/>
+    <p:sldLayoutId id="2147483654" r:id="rId6"/>
+    <p:sldLayoutId id="2147483655" r:id="rId7"/>
+    <p:sldLayoutId id="2147483656" r:id="rId8"/>
+    <p:sldLayoutId id="2147483657" r:id="rId9"/>
+    <p:sldLayoutId id="2147483658" r:id="rId10"/>
+    <p:sldLayoutId id="2147483659" r:id="rId11"/>
+    <p:sldLayoutId id="2147483660" r:id="rId12"/>
   </p:sldLayoutIdLst>
   <p:hf hdr="0" dt="0"/>
   <p:txStyles>
@@ -4254,7 +4271,7 @@
 </file>
 
 <file path=ppt/slides/slide1.xml><?xml version="1.0" encoding="utf-8"?>
-<p:sld xmlns:a="http://schemas.openxmlformats.org/drawingml/2006/main" xmlns:r="http://schemas.openxmlformats.org/officeDocument/2006/relationships" xmlns:mc="http://schemas.openxmlformats.org/markup-compatibility/2006" xmlns:mv="urn:schemas-microsoft-com:mac:vml" xmlns:p="http://schemas.openxmlformats.org/presentationml/2006/main" mc:Ignorable="mv" mc:PreserveAttributes="mv:*">
+<p:sld xmlns:a="http://schemas.openxmlformats.org/drawingml/2006/main" xmlns:r="http://schemas.openxmlformats.org/officeDocument/2006/relationships" xmlns:p="http://schemas.openxmlformats.org/presentationml/2006/main">
   <p:cSld>
     <p:spTree>
       <p:nvGrpSpPr>
@@ -4404,7 +4421,7 @@
 </file>
 
 <file path=ppt/slides/slide10.xml><?xml version="1.0" encoding="utf-8"?>
-<p:sld xmlns:a="http://schemas.openxmlformats.org/drawingml/2006/main" xmlns:r="http://schemas.openxmlformats.org/officeDocument/2006/relationships" xmlns:mc="http://schemas.openxmlformats.org/markup-compatibility/2006" xmlns:mv="urn:schemas-microsoft-com:mac:vml" xmlns:p="http://schemas.openxmlformats.org/presentationml/2006/main" mc:Ignorable="mv" mc:PreserveAttributes="mv:*">
+<p:sld xmlns:a="http://schemas.openxmlformats.org/drawingml/2006/main" xmlns:r="http://schemas.openxmlformats.org/officeDocument/2006/relationships" xmlns:p="http://schemas.openxmlformats.org/presentationml/2006/main">
   <p:cSld>
     <p:spTree>
       <p:nvGrpSpPr>
@@ -4437,11 +4454,7 @@
           <a:p>
             <a:r>
               <a:rPr lang="fr-FR" dirty="0" smtClean="0"/>
-              <a:t>Classe</a:t>
-            </a:r>
-            <a:r>
-              <a:rPr lang="fr-FR" dirty="0" smtClean="0"/>
-              <a:t> Product</a:t>
+              <a:t>Classe Product</a:t>
             </a:r>
             <a:endParaRPr lang="fr-FR" dirty="0"/>
           </a:p>
@@ -4507,15 +4520,7 @@
                   <a:srgbClr val="000000"/>
                 </a:solidFill>
               </a:rPr>
-              <a:t>	</a:t>
-            </a:r>
-            <a:r>
-              <a:rPr lang="fr-FR" dirty="0" smtClean="0">
-                <a:solidFill>
-                  <a:srgbClr val="000000"/>
-                </a:solidFill>
-              </a:rPr>
-              <a:t>- vérification pour publication ou privatisation d’un produit</a:t>
+              <a:t>	- vérification pour publication ou privatisation d’un produit</a:t>
             </a:r>
             <a:r>
               <a:rPr lang="fr-FR" dirty="0" smtClean="0"/>
@@ -4526,11 +4531,7 @@
             </a:br>
             <a:r>
               <a:rPr lang="fr-FR" dirty="0" smtClean="0"/>
-              <a:t>-</a:t>
-            </a:r>
-            <a:r>
-              <a:rPr lang="fr-FR" dirty="0" smtClean="0"/>
-              <a:t> réception d’une offre émise</a:t>
+              <a:t>- réception d’une offre émise</a:t>
             </a:r>
             <a:br>
               <a:rPr lang="fr-FR" dirty="0" smtClean="0"/>
@@ -4621,11 +4622,18 @@
   <p:clrMapOvr>
     <a:masterClrMapping/>
   </p:clrMapOvr>
+  <p:timing>
+    <p:tnLst>
+      <p:par>
+        <p:cTn id="1" dur="indefinite" restart="never" nodeType="tmRoot"/>
+      </p:par>
+    </p:tnLst>
+  </p:timing>
 </p:sld>
 </file>
 
 <file path=ppt/slides/slide11.xml><?xml version="1.0" encoding="utf-8"?>
-<p:sld xmlns:a="http://schemas.openxmlformats.org/drawingml/2006/main" xmlns:r="http://schemas.openxmlformats.org/officeDocument/2006/relationships" xmlns:mc="http://schemas.openxmlformats.org/markup-compatibility/2006" xmlns:mv="urn:schemas-microsoft-com:mac:vml" xmlns:p="http://schemas.openxmlformats.org/presentationml/2006/main" mc:Ignorable="mv" mc:PreserveAttributes="mv:*">
+<p:sld xmlns:a="http://schemas.openxmlformats.org/drawingml/2006/main" xmlns:r="http://schemas.openxmlformats.org/officeDocument/2006/relationships" xmlns:p="http://schemas.openxmlformats.org/presentationml/2006/main">
   <p:cSld>
     <p:spTree>
       <p:nvGrpSpPr>
@@ -4658,11 +4666,7 @@
           <a:p>
             <a:r>
               <a:rPr lang="fr-FR" dirty="0" smtClean="0"/>
-              <a:t>Classe </a:t>
-            </a:r>
-            <a:r>
-              <a:rPr lang="fr-FR" dirty="0" smtClean="0"/>
-              <a:t>Product (2)</a:t>
+              <a:t>Classe Product (2)</a:t>
             </a:r>
             <a:endParaRPr lang="fr-FR" dirty="0"/>
           </a:p>
@@ -4767,11 +4771,18 @@
   <p:clrMapOvr>
     <a:masterClrMapping/>
   </p:clrMapOvr>
+  <p:timing>
+    <p:tnLst>
+      <p:par>
+        <p:cTn id="1" dur="indefinite" restart="never" nodeType="tmRoot"/>
+      </p:par>
+    </p:tnLst>
+  </p:timing>
 </p:sld>
 </file>
 
 <file path=ppt/slides/slide12.xml><?xml version="1.0" encoding="utf-8"?>
-<p:sld xmlns:a="http://schemas.openxmlformats.org/drawingml/2006/main" xmlns:r="http://schemas.openxmlformats.org/officeDocument/2006/relationships" xmlns:mc="http://schemas.openxmlformats.org/markup-compatibility/2006" xmlns:mv="urn:schemas-microsoft-com:mac:vml" xmlns:p="http://schemas.openxmlformats.org/presentationml/2006/main" mc:Ignorable="mv" mc:PreserveAttributes="mv:*">
+<p:sld xmlns:a="http://schemas.openxmlformats.org/drawingml/2006/main" xmlns:r="http://schemas.openxmlformats.org/officeDocument/2006/relationships" xmlns:p="http://schemas.openxmlformats.org/presentationml/2006/main">
   <p:cSld>
     <p:spTree>
       <p:nvGrpSpPr>
@@ -4804,11 +4815,7 @@
           <a:p>
             <a:r>
               <a:rPr lang="fr-FR" dirty="0" smtClean="0"/>
-              <a:t>Package</a:t>
-            </a:r>
-            <a:r>
-              <a:rPr lang="fr-FR" dirty="0" smtClean="0"/>
-              <a:t> main</a:t>
+              <a:t>Package main</a:t>
             </a:r>
             <a:endParaRPr lang="fr-FR" dirty="0"/>
           </a:p>
@@ -4854,7 +4861,6 @@
               <a:rPr lang="fr-FR" dirty="0" smtClean="0"/>
               <a:t>Main</a:t>
             </a:r>
-            <a:endParaRPr lang="fr-FR" dirty="0" smtClean="0"/>
           </a:p>
           <a:p>
             <a:pPr lvl="2"/>
@@ -4913,11 +4919,18 @@
   <p:clrMapOvr>
     <a:masterClrMapping/>
   </p:clrMapOvr>
+  <p:timing>
+    <p:tnLst>
+      <p:par>
+        <p:cTn id="1" dur="indefinite" restart="never" nodeType="tmRoot"/>
+      </p:par>
+    </p:tnLst>
+  </p:timing>
 </p:sld>
 </file>
 
 <file path=ppt/slides/slide13.xml><?xml version="1.0" encoding="utf-8"?>
-<p:sld xmlns:a="http://schemas.openxmlformats.org/drawingml/2006/main" xmlns:r="http://schemas.openxmlformats.org/officeDocument/2006/relationships" xmlns:mc="http://schemas.openxmlformats.org/markup-compatibility/2006" xmlns:mv="urn:schemas-microsoft-com:mac:vml" xmlns:p="http://schemas.openxmlformats.org/presentationml/2006/main" mc:Ignorable="mv" mc:PreserveAttributes="mv:*">
+<p:sld xmlns:a="http://schemas.openxmlformats.org/drawingml/2006/main" xmlns:r="http://schemas.openxmlformats.org/officeDocument/2006/relationships" xmlns:p="http://schemas.openxmlformats.org/presentationml/2006/main">
   <p:cSld>
     <p:spTree>
       <p:nvGrpSpPr>
@@ -4973,11 +4986,7 @@
           <a:p>
             <a:r>
               <a:rPr lang="fr-FR" dirty="0" smtClean="0"/>
-              <a:t>Package pour les différents utilisateurs du système. Il n’y a ici qu’une seule classe d’user, mais plusieurs r</a:t>
-            </a:r>
-            <a:r>
-              <a:rPr lang="fr-FR" dirty="0" smtClean="0"/>
-              <a:t>ôles pourraient être assignés à travers </a:t>
+              <a:t>Package pour les différents utilisateurs du système. Il n’y a ici qu’une seule classe d’user, mais plusieurs rôles pourraient être assignés à travers </a:t>
             </a:r>
             <a:r>
               <a:rPr lang="fr-FR" dirty="0" err="1" smtClean="0"/>
@@ -4991,11 +5000,7 @@
           <a:p>
             <a:r>
               <a:rPr lang="fr-FR" dirty="0" smtClean="0"/>
-              <a:t>u</a:t>
-            </a:r>
-            <a:r>
-              <a:rPr lang="fr-FR" dirty="0" smtClean="0"/>
-              <a:t>ser</a:t>
+              <a:t>user</a:t>
             </a:r>
           </a:p>
           <a:p>
@@ -5059,11 +5064,18 @@
   <p:clrMapOvr>
     <a:masterClrMapping/>
   </p:clrMapOvr>
+  <p:timing>
+    <p:tnLst>
+      <p:par>
+        <p:cTn id="1" dur="indefinite" restart="never" nodeType="tmRoot"/>
+      </p:par>
+    </p:tnLst>
+  </p:timing>
 </p:sld>
 </file>
 
 <file path=ppt/slides/slide14.xml><?xml version="1.0" encoding="utf-8"?>
-<p:sld xmlns:a="http://schemas.openxmlformats.org/drawingml/2006/main" xmlns:r="http://schemas.openxmlformats.org/officeDocument/2006/relationships" xmlns:mc="http://schemas.openxmlformats.org/markup-compatibility/2006" xmlns:mv="urn:schemas-microsoft-com:mac:vml" xmlns:p="http://schemas.openxmlformats.org/presentationml/2006/main" mc:Ignorable="mv" mc:PreserveAttributes="mv:*">
+<p:sld xmlns:a="http://schemas.openxmlformats.org/drawingml/2006/main" xmlns:r="http://schemas.openxmlformats.org/officeDocument/2006/relationships" xmlns:p="http://schemas.openxmlformats.org/presentationml/2006/main">
   <p:cSld>
     <p:spTree>
       <p:nvGrpSpPr>
@@ -5096,11 +5108,7 @@
           <a:p>
             <a:r>
               <a:rPr lang="fr-FR" dirty="0" smtClean="0"/>
-              <a:t>Classe</a:t>
-            </a:r>
-            <a:r>
-              <a:rPr lang="fr-FR" dirty="0" smtClean="0"/>
-              <a:t> User</a:t>
+              <a:t>Classe User</a:t>
             </a:r>
             <a:endParaRPr lang="fr-FR" dirty="0"/>
           </a:p>
@@ -5119,7 +5127,7 @@
         <p:spPr/>
         <p:txBody>
           <a:bodyPr>
-            <a:normAutofit fontScale="77500" lnSpcReduction="20000"/>
+            <a:normAutofit/>
           </a:bodyPr>
           <a:lstStyle/>
           <a:p>
@@ -5128,7 +5136,11 @@
             </a:pPr>
             <a:r>
               <a:rPr lang="fr-FR" dirty="0" smtClean="0"/>
-              <a:t>La classe User représente les utilisateurs du système. Ceux-ci sont à la fois acheteurs et vendeurs.</a:t>
+              <a:t>La classe User représente les utilisateurs du système. Ceux-ci sont à la fois acheteurs et vendeurs</a:t>
+            </a:r>
+            <a:r>
+              <a:rPr lang="fr-FR" dirty="0" smtClean="0"/>
+              <a:t>.</a:t>
             </a:r>
           </a:p>
           <a:p>
@@ -5136,77 +5148,84 @@
               <a:buNone/>
             </a:pPr>
             <a:r>
-              <a:rPr lang="fr-FR" dirty="0" smtClean="0"/>
-              <a:t>	</a:t>
-            </a:r>
+              <a:rPr lang="fr-FR" dirty="0" err="1" smtClean="0"/>
+              <a:t>Methodes</a:t>
+            </a:r>
+            <a:endParaRPr lang="fr-FR" dirty="0" smtClean="0"/>
+          </a:p>
+          <a:p>
+            <a:pPr>
+              <a:buNone/>
+            </a:pPr>
+            <a:r>
+              <a:rPr lang="fr-FR" dirty="0" smtClean="0"/>
+              <a:t>	- </a:t>
+            </a:r>
+            <a:r>
+              <a:rPr lang="fr-FR" dirty="0" smtClean="0"/>
+              <a:t>Ajout et Suppression de produits </a:t>
+            </a:r>
+            <a:r>
+              <a:rPr lang="fr-FR" dirty="0" smtClean="0"/>
+              <a:t>de la liste d’enchère personnelle d’un utilisateur</a:t>
+            </a:r>
+            <a:br>
+              <a:rPr lang="fr-FR" dirty="0" smtClean="0"/>
+            </a:br>
             <a:r>
               <a:rPr lang="fr-FR" dirty="0" smtClean="0"/>
               <a:t>- </a:t>
             </a:r>
             <a:r>
               <a:rPr lang="fr-FR" dirty="0" smtClean="0"/>
-              <a:t>Ajoute un produit à la liste d’enchère personnelle d’un utilisateur </a:t>
+              <a:t>Ajout </a:t>
+            </a:r>
+            <a:r>
+              <a:rPr lang="fr-FR" dirty="0"/>
+              <a:t>et Suppression </a:t>
+            </a:r>
+            <a:r>
+              <a:rPr lang="fr-FR" dirty="0" smtClean="0"/>
+              <a:t>de produits de la liste de produits surenchéris par l’utilisateur</a:t>
+            </a:r>
+            <a:r>
+              <a:rPr lang="fr-FR" dirty="0" smtClean="0"/>
+              <a:t/>
             </a:r>
             <a:br>
               <a:rPr lang="fr-FR" dirty="0" smtClean="0"/>
             </a:br>
             <a:r>
               <a:rPr lang="fr-FR" dirty="0" smtClean="0"/>
-              <a:t>- Supprime un produit de la liste d’enchère personnelle d’un utilisateur</a:t>
+              <a:t>- Permet d’ajouter un prix au solde d’un utilisateur</a:t>
             </a:r>
             <a:br>
               <a:rPr lang="fr-FR" dirty="0" smtClean="0"/>
             </a:br>
             <a:r>
               <a:rPr lang="fr-FR" dirty="0" smtClean="0"/>
-              <a:t>- Ajoute un produit à la liste personnelle de produit d’un utilisateur</a:t>
+              <a:t>- </a:t>
+            </a:r>
+            <a:r>
+              <a:rPr lang="fr-FR" dirty="0" smtClean="0"/>
+              <a:t>Permet aussi de payer un prix</a:t>
+            </a:r>
+            <a:r>
+              <a:rPr lang="fr-FR" dirty="0"/>
+              <a:t/>
             </a:r>
             <a:br>
-              <a:rPr lang="fr-FR" dirty="0" smtClean="0"/>
+              <a:rPr lang="fr-FR" dirty="0"/>
             </a:br>
             <a:r>
               <a:rPr lang="fr-FR" dirty="0" smtClean="0"/>
-              <a:t>- Supprime un produit de la liste d’enchère personnelle d’un </a:t>
-            </a:r>
-            <a:r>
-              <a:rPr lang="fr-FR" dirty="0" smtClean="0"/>
-              <a:t>utilisateur</a:t>
-            </a:r>
-          </a:p>
-          <a:p>
-            <a:pPr>
-              <a:buNone/>
-            </a:pPr>
-            <a:r>
-              <a:rPr lang="fr-FR" dirty="0" smtClean="0"/>
-              <a:t>	- Ajoute </a:t>
-            </a:r>
-            <a:r>
-              <a:rPr lang="fr-FR" dirty="0" smtClean="0"/>
-              <a:t>un produit dans la liste d’enchère commune à tous les utilisateurs</a:t>
-            </a:r>
-            <a:br>
-              <a:rPr lang="fr-FR" dirty="0" smtClean="0"/>
-            </a:br>
-            <a:r>
-              <a:rPr lang="fr-FR" dirty="0" smtClean="0"/>
-              <a:t>- Supprime un produit de la liste d’enchère commune à tous les utilisateurs</a:t>
-            </a:r>
-            <a:br>
-              <a:rPr lang="fr-FR" dirty="0" smtClean="0"/>
-            </a:br>
-            <a:r>
-              <a:rPr lang="fr-FR" dirty="0" smtClean="0"/>
-              <a:t>- Permet d’ajouter un prix au solde d’un utilisateur</a:t>
-            </a:r>
-            <a:br>
-              <a:rPr lang="fr-FR" dirty="0" smtClean="0"/>
-            </a:br>
-            <a:r>
-              <a:rPr lang="fr-FR" dirty="0" smtClean="0"/>
               <a:t>- </a:t>
             </a:r>
-            <a:endParaRPr lang="fr-FR" dirty="0"/>
+            <a:r>
+              <a:rPr lang="fr-FR" dirty="0" err="1" smtClean="0"/>
+              <a:t>equals</a:t>
+            </a:r>
+            <a:endParaRPr lang="fr-FR" dirty="0" smtClean="0"/>
           </a:p>
         </p:txBody>
       </p:sp>
@@ -5261,11 +5280,18 @@
   <p:clrMapOvr>
     <a:masterClrMapping/>
   </p:clrMapOvr>
+  <p:timing>
+    <p:tnLst>
+      <p:par>
+        <p:cTn id="1" dur="indefinite" restart="never" nodeType="tmRoot"/>
+      </p:par>
+    </p:tnLst>
+  </p:timing>
 </p:sld>
 </file>
 
 <file path=ppt/slides/slide15.xml><?xml version="1.0" encoding="utf-8"?>
-<p:sld xmlns:a="http://schemas.openxmlformats.org/drawingml/2006/main" xmlns:r="http://schemas.openxmlformats.org/officeDocument/2006/relationships" xmlns:mc="http://schemas.openxmlformats.org/markup-compatibility/2006" xmlns:mv="urn:schemas-microsoft-com:mac:vml" xmlns:p="http://schemas.openxmlformats.org/presentationml/2006/main" mc:Ignorable="mv" mc:PreserveAttributes="mv:*">
+<p:sld xmlns:a="http://schemas.openxmlformats.org/drawingml/2006/main" xmlns:r="http://schemas.openxmlformats.org/officeDocument/2006/relationships" xmlns:p="http://schemas.openxmlformats.org/presentationml/2006/main">
   <p:cSld>
     <p:spTree>
       <p:nvGrpSpPr>
@@ -5360,11 +5386,18 @@
   <p:clrMapOvr>
     <a:masterClrMapping/>
   </p:clrMapOvr>
+  <p:timing>
+    <p:tnLst>
+      <p:par>
+        <p:cTn id="1" dur="indefinite" restart="never" nodeType="tmRoot"/>
+      </p:par>
+    </p:tnLst>
+  </p:timing>
 </p:sld>
 </file>
 
-<file path=ppt/slides/slide2.xml><?xml version="1.0" encoding="utf-8"?>
-<p:sld xmlns:a="http://schemas.openxmlformats.org/drawingml/2006/main" xmlns:r="http://schemas.openxmlformats.org/officeDocument/2006/relationships" xmlns:mc="http://schemas.openxmlformats.org/markup-compatibility/2006" xmlns:mv="urn:schemas-microsoft-com:mac:vml" xmlns:p="http://schemas.openxmlformats.org/presentationml/2006/main" mc:Ignorable="mv" mc:PreserveAttributes="mv:*">
+<file path=ppt/slides/slide16.xml><?xml version="1.0" encoding="utf-8"?>
+<p:sld xmlns:a="http://schemas.openxmlformats.org/drawingml/2006/main" xmlns:r="http://schemas.openxmlformats.org/officeDocument/2006/relationships" xmlns:p="http://schemas.openxmlformats.org/presentationml/2006/main">
   <p:cSld>
     <p:spTree>
       <p:nvGrpSpPr>
@@ -5397,6 +5430,1100 @@
           <a:p>
             <a:r>
               <a:rPr lang="fr-FR" dirty="0" smtClean="0"/>
+              <a:t>Classe </a:t>
+            </a:r>
+            <a:r>
+              <a:rPr lang="fr-FR" dirty="0" err="1" smtClean="0"/>
+              <a:t>EasyBidTests</a:t>
+            </a:r>
+            <a:endParaRPr lang="fr-FR" dirty="0"/>
+          </a:p>
+        </p:txBody>
+      </p:sp>
+      <p:sp>
+        <p:nvSpPr>
+          <p:cNvPr id="3" name="Espace réservé du contenu 2"/>
+          <p:cNvSpPr>
+            <a:spLocks noGrp="1"/>
+          </p:cNvSpPr>
+          <p:nvPr>
+            <p:ph idx="1"/>
+          </p:nvPr>
+        </p:nvSpPr>
+        <p:spPr/>
+        <p:txBody>
+          <a:bodyPr/>
+          <a:lstStyle/>
+          <a:p>
+            <a:r>
+              <a:rPr lang="fr-FR" dirty="0" smtClean="0"/>
+              <a:t>Tests sur la classe </a:t>
+            </a:r>
+            <a:r>
+              <a:rPr lang="fr-FR" dirty="0" err="1" smtClean="0"/>
+              <a:t>EasyBid</a:t>
+            </a:r>
+            <a:r>
+              <a:rPr lang="fr-FR" dirty="0" smtClean="0"/>
+              <a:t> en mettant l’entrée standard sur un fichier (prévu par un des constructeurs de </a:t>
+            </a:r>
+            <a:r>
+              <a:rPr lang="fr-FR" dirty="0" err="1" smtClean="0"/>
+              <a:t>EasyBid</a:t>
+            </a:r>
+            <a:r>
+              <a:rPr lang="fr-FR" dirty="0" smtClean="0"/>
+              <a:t>)</a:t>
+            </a:r>
+          </a:p>
+          <a:p>
+            <a:r>
+              <a:rPr lang="fr-FR" dirty="0" err="1" smtClean="0"/>
+              <a:t>Methode</a:t>
+            </a:r>
+            <a:r>
+              <a:rPr lang="fr-FR" dirty="0" smtClean="0"/>
+              <a:t> </a:t>
+            </a:r>
+            <a:r>
+              <a:rPr lang="fr-FR" dirty="0" err="1" smtClean="0"/>
+              <a:t>testRun</a:t>
+            </a:r>
+            <a:r>
+              <a:rPr lang="fr-FR" dirty="0" smtClean="0"/>
+              <a:t> :</a:t>
+            </a:r>
+          </a:p>
+          <a:p>
+            <a:pPr lvl="1"/>
+            <a:r>
+              <a:rPr lang="fr-FR" dirty="0" smtClean="0"/>
+              <a:t>Les </a:t>
+            </a:r>
+            <a:r>
+              <a:rPr lang="fr-FR" dirty="0"/>
+              <a:t>fichiers d’entrée des tests de la méthode </a:t>
+            </a:r>
+            <a:r>
+              <a:rPr lang="fr-FR" dirty="0" err="1"/>
+              <a:t>testRun</a:t>
+            </a:r>
+            <a:r>
+              <a:rPr lang="fr-FR" dirty="0"/>
+              <a:t> sont dans </a:t>
+            </a:r>
+            <a:r>
+              <a:rPr lang="fr-FR" dirty="0" err="1"/>
+              <a:t>EasyBid</a:t>
+            </a:r>
+            <a:r>
+              <a:rPr lang="fr-FR" dirty="0"/>
+              <a:t> – bin – tests</a:t>
+            </a:r>
+            <a:r>
+              <a:rPr lang="fr-FR" dirty="0" smtClean="0"/>
+              <a:t>.</a:t>
+            </a:r>
+          </a:p>
+          <a:p>
+            <a:pPr lvl="1"/>
+            <a:r>
+              <a:rPr lang="fr-FR" dirty="0" smtClean="0"/>
+              <a:t>La méthode </a:t>
+            </a:r>
+            <a:r>
+              <a:rPr lang="fr-FR" dirty="0" err="1" smtClean="0"/>
+              <a:t>testRun</a:t>
+            </a:r>
+            <a:r>
+              <a:rPr lang="fr-FR" dirty="0" smtClean="0"/>
+              <a:t> appelle </a:t>
+            </a:r>
+            <a:r>
+              <a:rPr lang="fr-FR" dirty="0" err="1" smtClean="0"/>
+              <a:t>plusieures</a:t>
+            </a:r>
+            <a:r>
+              <a:rPr lang="fr-FR" dirty="0"/>
+              <a:t> </a:t>
+            </a:r>
+            <a:r>
+              <a:rPr lang="fr-FR" dirty="0" smtClean="0"/>
+              <a:t>méthodes pour effectuer les tests sur chacun des fichiers d’entrée.</a:t>
+            </a:r>
+            <a:endParaRPr lang="fr-FR" dirty="0"/>
+          </a:p>
+          <a:p>
+            <a:pPr lvl="1"/>
+            <a:endParaRPr lang="fr-FR" dirty="0" smtClean="0"/>
+          </a:p>
+          <a:p>
+            <a:endParaRPr lang="fr-FR" dirty="0"/>
+          </a:p>
+        </p:txBody>
+      </p:sp>
+      <p:sp>
+        <p:nvSpPr>
+          <p:cNvPr id="4" name="Espace réservé du pied de page 3"/>
+          <p:cNvSpPr>
+            <a:spLocks noGrp="1"/>
+          </p:cNvSpPr>
+          <p:nvPr>
+            <p:ph type="ftr" sz="quarter" idx="11"/>
+          </p:nvPr>
+        </p:nvSpPr>
+        <p:spPr/>
+        <p:txBody>
+          <a:bodyPr/>
+          <a:lstStyle/>
+          <a:p>
+            <a:r>
+              <a:rPr lang="fr-FR" smtClean="0"/>
+              <a:t>Conception et architecture Orientées Objet</a:t>
+            </a:r>
+            <a:endParaRPr lang="fr-FR"/>
+          </a:p>
+        </p:txBody>
+      </p:sp>
+      <p:sp>
+        <p:nvSpPr>
+          <p:cNvPr id="5" name="Espace réservé du numéro de diapositive 4"/>
+          <p:cNvSpPr>
+            <a:spLocks noGrp="1"/>
+          </p:cNvSpPr>
+          <p:nvPr>
+            <p:ph type="sldNum" sz="quarter" idx="12"/>
+          </p:nvPr>
+        </p:nvSpPr>
+        <p:spPr/>
+        <p:txBody>
+          <a:bodyPr/>
+          <a:lstStyle/>
+          <a:p>
+            <a:fld id="{6A5E4927-E38B-CA4F-8043-983A6C4FF18B}" type="slidenum">
+              <a:rPr lang="fr-FR" smtClean="0"/>
+              <a:t>16</a:t>
+            </a:fld>
+            <a:endParaRPr lang="fr-FR"/>
+          </a:p>
+        </p:txBody>
+      </p:sp>
+    </p:spTree>
+    <p:extLst>
+      <p:ext uri="{BB962C8B-B14F-4D97-AF65-F5344CB8AC3E}">
+        <p14:creationId xmlns:p14="http://schemas.microsoft.com/office/powerpoint/2010/main" val="596047069"/>
+      </p:ext>
+    </p:extLst>
+  </p:cSld>
+  <p:clrMapOvr>
+    <a:masterClrMapping/>
+  </p:clrMapOvr>
+  <p:timing>
+    <p:tnLst>
+      <p:par>
+        <p:cTn id="1" dur="indefinite" restart="never" nodeType="tmRoot"/>
+      </p:par>
+    </p:tnLst>
+  </p:timing>
+</p:sld>
+</file>
+
+<file path=ppt/slides/slide17.xml><?xml version="1.0" encoding="utf-8"?>
+<p:sld xmlns:a="http://schemas.openxmlformats.org/drawingml/2006/main" xmlns:r="http://schemas.openxmlformats.org/officeDocument/2006/relationships" xmlns:p="http://schemas.openxmlformats.org/presentationml/2006/main">
+  <p:cSld>
+    <p:spTree>
+      <p:nvGrpSpPr>
+        <p:cNvPr id="1" name=""/>
+        <p:cNvGrpSpPr/>
+        <p:nvPr/>
+      </p:nvGrpSpPr>
+      <p:grpSpPr>
+        <a:xfrm>
+          <a:off x="0" y="0"/>
+          <a:ext cx="0" cy="0"/>
+          <a:chOff x="0" y="0"/>
+          <a:chExt cx="0" cy="0"/>
+        </a:xfrm>
+      </p:grpSpPr>
+      <p:sp>
+        <p:nvSpPr>
+          <p:cNvPr id="2" name="Titre 1"/>
+          <p:cNvSpPr>
+            <a:spLocks noGrp="1"/>
+          </p:cNvSpPr>
+          <p:nvPr>
+            <p:ph type="title"/>
+          </p:nvPr>
+        </p:nvSpPr>
+        <p:spPr/>
+        <p:txBody>
+          <a:bodyPr/>
+          <a:lstStyle/>
+          <a:p>
+            <a:r>
+              <a:rPr lang="fr-FR" dirty="0" smtClean="0"/>
+              <a:t>Package environnement</a:t>
+            </a:r>
+            <a:endParaRPr lang="fr-FR" dirty="0"/>
+          </a:p>
+        </p:txBody>
+      </p:sp>
+      <p:sp>
+        <p:nvSpPr>
+          <p:cNvPr id="3" name="Espace réservé du contenu 2"/>
+          <p:cNvSpPr>
+            <a:spLocks noGrp="1"/>
+          </p:cNvSpPr>
+          <p:nvPr>
+            <p:ph idx="1"/>
+          </p:nvPr>
+        </p:nvSpPr>
+        <p:spPr/>
+        <p:txBody>
+          <a:bodyPr/>
+          <a:lstStyle/>
+          <a:p>
+            <a:r>
+              <a:rPr lang="fr-FR" dirty="0" smtClean="0"/>
+              <a:t>Package qui regroupe les classes de fonctionnement interne de </a:t>
+            </a:r>
+            <a:r>
+              <a:rPr lang="fr-FR" dirty="0" err="1" smtClean="0"/>
+              <a:t>EasyBid</a:t>
+            </a:r>
+            <a:r>
+              <a:rPr lang="fr-FR" dirty="0" smtClean="0"/>
+              <a:t>. Il permet de d’effectuer les actions d’offres et d’échanges lors que celles-ci sont demandées.</a:t>
+            </a:r>
+          </a:p>
+          <a:p>
+            <a:r>
+              <a:rPr lang="fr-FR" dirty="0" smtClean="0"/>
+              <a:t>environnement</a:t>
+            </a:r>
+          </a:p>
+          <a:p>
+            <a:pPr lvl="1"/>
+            <a:r>
+              <a:rPr lang="fr-FR" dirty="0" err="1" smtClean="0"/>
+              <a:t>AuctionHall</a:t>
+            </a:r>
+            <a:endParaRPr lang="fr-FR" dirty="0" smtClean="0"/>
+          </a:p>
+          <a:p>
+            <a:pPr lvl="1"/>
+            <a:r>
+              <a:rPr lang="fr-FR" dirty="0" err="1" smtClean="0"/>
+              <a:t>BidTimer</a:t>
+            </a:r>
+            <a:endParaRPr lang="fr-FR" dirty="0" smtClean="0"/>
+          </a:p>
+          <a:p>
+            <a:pPr lvl="1"/>
+            <a:r>
+              <a:rPr lang="fr-FR" dirty="0" err="1" smtClean="0"/>
+              <a:t>Currency</a:t>
+            </a:r>
+            <a:endParaRPr lang="fr-FR" dirty="0" smtClean="0"/>
+          </a:p>
+          <a:p>
+            <a:pPr lvl="1"/>
+            <a:r>
+              <a:rPr lang="fr-FR" dirty="0" smtClean="0"/>
+              <a:t>Price</a:t>
+            </a:r>
+          </a:p>
+          <a:p>
+            <a:pPr lvl="1"/>
+            <a:r>
+              <a:rPr lang="fr-FR" dirty="0" smtClean="0"/>
+              <a:t>Product </a:t>
+            </a:r>
+            <a:endParaRPr lang="fr-FR" dirty="0"/>
+          </a:p>
+        </p:txBody>
+      </p:sp>
+      <p:sp>
+        <p:nvSpPr>
+          <p:cNvPr id="4" name="Espace réservé du pied de page 3"/>
+          <p:cNvSpPr>
+            <a:spLocks noGrp="1"/>
+          </p:cNvSpPr>
+          <p:nvPr>
+            <p:ph type="ftr" sz="quarter" idx="11"/>
+          </p:nvPr>
+        </p:nvSpPr>
+        <p:spPr/>
+        <p:txBody>
+          <a:bodyPr/>
+          <a:lstStyle/>
+          <a:p>
+            <a:r>
+              <a:rPr lang="fr-FR" smtClean="0"/>
+              <a:t>Conception et architecture Orientées Objet</a:t>
+            </a:r>
+            <a:endParaRPr lang="fr-FR"/>
+          </a:p>
+        </p:txBody>
+      </p:sp>
+      <p:sp>
+        <p:nvSpPr>
+          <p:cNvPr id="5" name="Espace réservé du numéro de diapositive 4"/>
+          <p:cNvSpPr>
+            <a:spLocks noGrp="1"/>
+          </p:cNvSpPr>
+          <p:nvPr>
+            <p:ph type="sldNum" sz="quarter" idx="12"/>
+          </p:nvPr>
+        </p:nvSpPr>
+        <p:spPr/>
+        <p:txBody>
+          <a:bodyPr/>
+          <a:lstStyle/>
+          <a:p>
+            <a:fld id="{6A5E4927-E38B-CA4F-8043-983A6C4FF18B}" type="slidenum">
+              <a:rPr lang="fr-FR" smtClean="0"/>
+              <a:t>17</a:t>
+            </a:fld>
+            <a:endParaRPr lang="fr-FR"/>
+          </a:p>
+        </p:txBody>
+      </p:sp>
+    </p:spTree>
+    <p:extLst>
+      <p:ext uri="{BB962C8B-B14F-4D97-AF65-F5344CB8AC3E}">
+        <p14:creationId xmlns:p14="http://schemas.microsoft.com/office/powerpoint/2010/main" val="1831048503"/>
+      </p:ext>
+    </p:extLst>
+  </p:cSld>
+  <p:clrMapOvr>
+    <a:masterClrMapping/>
+  </p:clrMapOvr>
+  <p:timing>
+    <p:tnLst>
+      <p:par>
+        <p:cTn id="1" dur="indefinite" restart="never" nodeType="tmRoot"/>
+      </p:par>
+    </p:tnLst>
+  </p:timing>
+</p:sld>
+</file>
+
+<file path=ppt/slides/slide18.xml><?xml version="1.0" encoding="utf-8"?>
+<p:sld xmlns:a="http://schemas.openxmlformats.org/drawingml/2006/main" xmlns:r="http://schemas.openxmlformats.org/officeDocument/2006/relationships" xmlns:p="http://schemas.openxmlformats.org/presentationml/2006/main">
+  <p:cSld>
+    <p:spTree>
+      <p:nvGrpSpPr>
+        <p:cNvPr id="1" name=""/>
+        <p:cNvGrpSpPr/>
+        <p:nvPr/>
+      </p:nvGrpSpPr>
+      <p:grpSpPr>
+        <a:xfrm>
+          <a:off x="0" y="0"/>
+          <a:ext cx="0" cy="0"/>
+          <a:chOff x="0" y="0"/>
+          <a:chExt cx="0" cy="0"/>
+        </a:xfrm>
+      </p:grpSpPr>
+      <p:sp>
+        <p:nvSpPr>
+          <p:cNvPr id="2" name="Titre 1"/>
+          <p:cNvSpPr>
+            <a:spLocks noGrp="1"/>
+          </p:cNvSpPr>
+          <p:nvPr>
+            <p:ph type="title"/>
+          </p:nvPr>
+        </p:nvSpPr>
+        <p:spPr/>
+        <p:txBody>
+          <a:bodyPr/>
+          <a:lstStyle/>
+          <a:p>
+            <a:r>
+              <a:rPr lang="fr-FR" dirty="0" smtClean="0"/>
+              <a:t>Classe </a:t>
+            </a:r>
+            <a:r>
+              <a:rPr lang="fr-FR" dirty="0" err="1" smtClean="0"/>
+              <a:t>AuctionHallTests</a:t>
+            </a:r>
+            <a:endParaRPr lang="fr-FR" dirty="0"/>
+          </a:p>
+        </p:txBody>
+      </p:sp>
+      <p:sp>
+        <p:nvSpPr>
+          <p:cNvPr id="3" name="Espace réservé du contenu 2"/>
+          <p:cNvSpPr>
+            <a:spLocks noGrp="1"/>
+          </p:cNvSpPr>
+          <p:nvPr>
+            <p:ph idx="1"/>
+          </p:nvPr>
+        </p:nvSpPr>
+        <p:spPr/>
+        <p:txBody>
+          <a:bodyPr/>
+          <a:lstStyle/>
+          <a:p>
+            <a:r>
+              <a:rPr lang="fr-FR" dirty="0" smtClean="0"/>
+              <a:t>Tests sur les méthodes de la classe </a:t>
+            </a:r>
+            <a:r>
+              <a:rPr lang="fr-FR" dirty="0" err="1" smtClean="0"/>
+              <a:t>AuctionHall</a:t>
+            </a:r>
+            <a:r>
+              <a:rPr lang="fr-FR" dirty="0" smtClean="0"/>
+              <a:t> :</a:t>
+            </a:r>
+          </a:p>
+          <a:p>
+            <a:pPr lvl="1"/>
+            <a:r>
+              <a:rPr lang="fr-FR" dirty="0" smtClean="0"/>
+              <a:t>Construction</a:t>
+            </a:r>
+          </a:p>
+          <a:p>
+            <a:pPr lvl="1"/>
+            <a:r>
+              <a:rPr lang="fr-FR" dirty="0" smtClean="0"/>
+              <a:t>Récupération de la liste d’utilisateurs et des produits </a:t>
+            </a:r>
+            <a:r>
+              <a:rPr lang="fr-FR" dirty="0"/>
+              <a:t>en vente publique</a:t>
+            </a:r>
+            <a:endParaRPr lang="fr-FR" dirty="0" smtClean="0"/>
+          </a:p>
+          <a:p>
+            <a:pPr lvl="1"/>
+            <a:r>
+              <a:rPr lang="fr-FR" dirty="0" smtClean="0"/>
+              <a:t>Ajout et Suppression d’utilisateurs</a:t>
+            </a:r>
+          </a:p>
+          <a:p>
+            <a:pPr lvl="1"/>
+            <a:r>
+              <a:rPr lang="fr-FR" dirty="0"/>
+              <a:t>Ajout et Suppression </a:t>
+            </a:r>
+            <a:r>
+              <a:rPr lang="fr-FR" dirty="0" smtClean="0"/>
+              <a:t>de produits</a:t>
+            </a:r>
+          </a:p>
+          <a:p>
+            <a:pPr lvl="1"/>
+            <a:r>
+              <a:rPr lang="fr-FR" dirty="0" smtClean="0"/>
+              <a:t>Attribution de l’Id des utilisateurs</a:t>
+            </a:r>
+          </a:p>
+          <a:p>
+            <a:pPr lvl="1"/>
+            <a:r>
+              <a:rPr lang="fr-FR" dirty="0" smtClean="0"/>
+              <a:t>Vente des </a:t>
+            </a:r>
+            <a:r>
+              <a:rPr lang="fr-FR" dirty="0" err="1" smtClean="0"/>
+              <a:t>des</a:t>
+            </a:r>
+            <a:r>
+              <a:rPr lang="fr-FR" dirty="0" smtClean="0"/>
+              <a:t> produits quand leur date d’expiration est </a:t>
+            </a:r>
+            <a:r>
+              <a:rPr lang="fr-FR" dirty="0" err="1" smtClean="0"/>
+              <a:t>arrivee</a:t>
+            </a:r>
+            <a:endParaRPr lang="fr-FR" dirty="0"/>
+          </a:p>
+          <a:p>
+            <a:pPr lvl="1"/>
+            <a:endParaRPr lang="fr-FR" dirty="0" smtClean="0"/>
+          </a:p>
+          <a:p>
+            <a:pPr lvl="1"/>
+            <a:endParaRPr lang="fr-FR" dirty="0"/>
+          </a:p>
+          <a:p>
+            <a:pPr lvl="1"/>
+            <a:endParaRPr lang="fr-FR" dirty="0" smtClean="0"/>
+          </a:p>
+          <a:p>
+            <a:pPr lvl="1"/>
+            <a:endParaRPr lang="fr-FR" dirty="0" smtClean="0"/>
+          </a:p>
+          <a:p>
+            <a:endParaRPr lang="fr-FR" dirty="0"/>
+          </a:p>
+        </p:txBody>
+      </p:sp>
+      <p:sp>
+        <p:nvSpPr>
+          <p:cNvPr id="4" name="Espace réservé du pied de page 3"/>
+          <p:cNvSpPr>
+            <a:spLocks noGrp="1"/>
+          </p:cNvSpPr>
+          <p:nvPr>
+            <p:ph type="ftr" sz="quarter" idx="11"/>
+          </p:nvPr>
+        </p:nvSpPr>
+        <p:spPr/>
+        <p:txBody>
+          <a:bodyPr/>
+          <a:lstStyle/>
+          <a:p>
+            <a:r>
+              <a:rPr lang="fr-FR" smtClean="0"/>
+              <a:t>Conception et architecture Orientées Objet</a:t>
+            </a:r>
+            <a:endParaRPr lang="fr-FR"/>
+          </a:p>
+        </p:txBody>
+      </p:sp>
+      <p:sp>
+        <p:nvSpPr>
+          <p:cNvPr id="5" name="Espace réservé du numéro de diapositive 4"/>
+          <p:cNvSpPr>
+            <a:spLocks noGrp="1"/>
+          </p:cNvSpPr>
+          <p:nvPr>
+            <p:ph type="sldNum" sz="quarter" idx="12"/>
+          </p:nvPr>
+        </p:nvSpPr>
+        <p:spPr/>
+        <p:txBody>
+          <a:bodyPr/>
+          <a:lstStyle/>
+          <a:p>
+            <a:fld id="{6A5E4927-E38B-CA4F-8043-983A6C4FF18B}" type="slidenum">
+              <a:rPr lang="fr-FR" smtClean="0"/>
+              <a:t>18</a:t>
+            </a:fld>
+            <a:endParaRPr lang="fr-FR"/>
+          </a:p>
+        </p:txBody>
+      </p:sp>
+    </p:spTree>
+    <p:extLst>
+      <p:ext uri="{BB962C8B-B14F-4D97-AF65-F5344CB8AC3E}">
+        <p14:creationId xmlns:p14="http://schemas.microsoft.com/office/powerpoint/2010/main" val="3046475013"/>
+      </p:ext>
+    </p:extLst>
+  </p:cSld>
+  <p:clrMapOvr>
+    <a:masterClrMapping/>
+  </p:clrMapOvr>
+  <p:timing>
+    <p:tnLst>
+      <p:par>
+        <p:cTn id="1" dur="indefinite" restart="never" nodeType="tmRoot"/>
+      </p:par>
+    </p:tnLst>
+  </p:timing>
+</p:sld>
+</file>
+
+<file path=ppt/slides/slide19.xml><?xml version="1.0" encoding="utf-8"?>
+<p:sld xmlns:a="http://schemas.openxmlformats.org/drawingml/2006/main" xmlns:r="http://schemas.openxmlformats.org/officeDocument/2006/relationships" xmlns:p="http://schemas.openxmlformats.org/presentationml/2006/main">
+  <p:cSld>
+    <p:spTree>
+      <p:nvGrpSpPr>
+        <p:cNvPr id="1" name=""/>
+        <p:cNvGrpSpPr/>
+        <p:nvPr/>
+      </p:nvGrpSpPr>
+      <p:grpSpPr>
+        <a:xfrm>
+          <a:off x="0" y="0"/>
+          <a:ext cx="0" cy="0"/>
+          <a:chOff x="0" y="0"/>
+          <a:chExt cx="0" cy="0"/>
+        </a:xfrm>
+      </p:grpSpPr>
+      <p:sp>
+        <p:nvSpPr>
+          <p:cNvPr id="2" name="Titre 1"/>
+          <p:cNvSpPr>
+            <a:spLocks noGrp="1"/>
+          </p:cNvSpPr>
+          <p:nvPr>
+            <p:ph type="title"/>
+          </p:nvPr>
+        </p:nvSpPr>
+        <p:spPr/>
+        <p:txBody>
+          <a:bodyPr/>
+          <a:lstStyle/>
+          <a:p>
+            <a:r>
+              <a:rPr lang="fr-FR" dirty="0" smtClean="0"/>
+              <a:t>Classe </a:t>
+            </a:r>
+            <a:r>
+              <a:rPr lang="fr-FR" dirty="0" err="1" smtClean="0"/>
+              <a:t>BidTimerTests</a:t>
+            </a:r>
+            <a:endParaRPr lang="fr-FR" dirty="0"/>
+          </a:p>
+        </p:txBody>
+      </p:sp>
+      <p:sp>
+        <p:nvSpPr>
+          <p:cNvPr id="3" name="Espace réservé du contenu 2"/>
+          <p:cNvSpPr>
+            <a:spLocks noGrp="1"/>
+          </p:cNvSpPr>
+          <p:nvPr>
+            <p:ph idx="1"/>
+          </p:nvPr>
+        </p:nvSpPr>
+        <p:spPr>
+          <a:xfrm>
+            <a:off x="549275" y="1600201"/>
+            <a:ext cx="8042276" cy="1540767"/>
+          </a:xfrm>
+        </p:spPr>
+        <p:txBody>
+          <a:bodyPr/>
+          <a:lstStyle/>
+          <a:p>
+            <a:r>
+              <a:rPr lang="fr-FR" dirty="0" smtClean="0"/>
+              <a:t>Tests sur la classe </a:t>
+            </a:r>
+            <a:r>
+              <a:rPr lang="fr-FR" dirty="0" err="1" smtClean="0"/>
+              <a:t>BidTimer</a:t>
+            </a:r>
+            <a:r>
+              <a:rPr lang="fr-FR" dirty="0" smtClean="0"/>
+              <a:t> :</a:t>
+            </a:r>
+          </a:p>
+          <a:p>
+            <a:pPr lvl="1"/>
+            <a:r>
+              <a:rPr lang="fr-FR" dirty="0" smtClean="0"/>
+              <a:t>Construction (pour les 2 constructeurs)</a:t>
+            </a:r>
+          </a:p>
+          <a:p>
+            <a:pPr lvl="1"/>
+            <a:r>
+              <a:rPr lang="fr-FR" dirty="0" smtClean="0"/>
+              <a:t>Mise à jour de l’heure actuelle</a:t>
+            </a:r>
+          </a:p>
+          <a:p>
+            <a:pPr lvl="1"/>
+            <a:endParaRPr lang="fr-FR" dirty="0"/>
+          </a:p>
+          <a:p>
+            <a:pPr lvl="1"/>
+            <a:endParaRPr lang="fr-FR" dirty="0"/>
+          </a:p>
+          <a:p>
+            <a:pPr lvl="1"/>
+            <a:endParaRPr lang="fr-FR" dirty="0" smtClean="0"/>
+          </a:p>
+          <a:p>
+            <a:endParaRPr lang="fr-FR" dirty="0"/>
+          </a:p>
+        </p:txBody>
+      </p:sp>
+      <p:sp>
+        <p:nvSpPr>
+          <p:cNvPr id="4" name="Espace réservé du pied de page 3"/>
+          <p:cNvSpPr>
+            <a:spLocks noGrp="1"/>
+          </p:cNvSpPr>
+          <p:nvPr>
+            <p:ph type="ftr" sz="quarter" idx="11"/>
+          </p:nvPr>
+        </p:nvSpPr>
+        <p:spPr/>
+        <p:txBody>
+          <a:bodyPr/>
+          <a:lstStyle/>
+          <a:p>
+            <a:r>
+              <a:rPr lang="fr-FR" smtClean="0"/>
+              <a:t>Conception et architecture Orientées Objet</a:t>
+            </a:r>
+            <a:endParaRPr lang="fr-FR"/>
+          </a:p>
+        </p:txBody>
+      </p:sp>
+      <p:sp>
+        <p:nvSpPr>
+          <p:cNvPr id="5" name="Espace réservé du numéro de diapositive 4"/>
+          <p:cNvSpPr>
+            <a:spLocks noGrp="1"/>
+          </p:cNvSpPr>
+          <p:nvPr>
+            <p:ph type="sldNum" sz="quarter" idx="12"/>
+          </p:nvPr>
+        </p:nvSpPr>
+        <p:spPr/>
+        <p:txBody>
+          <a:bodyPr/>
+          <a:lstStyle/>
+          <a:p>
+            <a:fld id="{6A5E4927-E38B-CA4F-8043-983A6C4FF18B}" type="slidenum">
+              <a:rPr lang="fr-FR" smtClean="0"/>
+              <a:t>19</a:t>
+            </a:fld>
+            <a:endParaRPr lang="fr-FR"/>
+          </a:p>
+        </p:txBody>
+      </p:sp>
+      <p:sp>
+        <p:nvSpPr>
+          <p:cNvPr id="8" name="Titre 1"/>
+          <p:cNvSpPr txBox="1">
+            <a:spLocks/>
+          </p:cNvSpPr>
+          <p:nvPr/>
+        </p:nvSpPr>
+        <p:spPr>
+          <a:xfrm>
+            <a:off x="517858" y="2564904"/>
+            <a:ext cx="8042276" cy="1336956"/>
+          </a:xfrm>
+          <a:prstGeom prst="rect">
+            <a:avLst/>
+          </a:prstGeom>
+        </p:spPr>
+        <p:txBody>
+          <a:bodyPr vert="horz" lIns="91440" tIns="45720" rIns="91440" bIns="45720" rtlCol="0" anchor="b" anchorCtr="0">
+            <a:noAutofit/>
+          </a:bodyPr>
+          <a:lstStyle>
+            <a:lvl1pPr algn="ctr" defTabSz="914400" rtl="0" eaLnBrk="1" latinLnBrk="0" hangingPunct="1">
+              <a:spcBef>
+                <a:spcPct val="0"/>
+              </a:spcBef>
+              <a:buNone/>
+              <a:defRPr sz="4600" kern="1200">
+                <a:solidFill>
+                  <a:schemeClr val="accent1"/>
+                </a:solidFill>
+                <a:latin typeface="+mj-lt"/>
+                <a:ea typeface="+mj-ea"/>
+                <a:cs typeface="+mj-cs"/>
+              </a:defRPr>
+            </a:lvl1pPr>
+          </a:lstStyle>
+          <a:p>
+            <a:r>
+              <a:rPr lang="fr-FR" dirty="0" smtClean="0"/>
+              <a:t>Classe </a:t>
+            </a:r>
+            <a:r>
+              <a:rPr lang="fr-FR" dirty="0" err="1" smtClean="0"/>
+              <a:t>CurrencyTests</a:t>
+            </a:r>
+            <a:endParaRPr lang="fr-FR" dirty="0"/>
+          </a:p>
+        </p:txBody>
+      </p:sp>
+      <p:sp>
+        <p:nvSpPr>
+          <p:cNvPr id="9" name="Espace réservé du contenu 2"/>
+          <p:cNvSpPr txBox="1">
+            <a:spLocks/>
+          </p:cNvSpPr>
+          <p:nvPr/>
+        </p:nvSpPr>
+        <p:spPr>
+          <a:xfrm>
+            <a:off x="517858" y="4057529"/>
+            <a:ext cx="8042276" cy="1396751"/>
+          </a:xfrm>
+          <a:prstGeom prst="rect">
+            <a:avLst/>
+          </a:prstGeom>
+        </p:spPr>
+        <p:txBody>
+          <a:bodyPr vert="horz" lIns="91440" tIns="45720" rIns="91440" bIns="45720" rtlCol="0">
+            <a:normAutofit/>
+          </a:bodyPr>
+          <a:lstStyle>
+            <a:lvl1pPr marL="349250" indent="-349250" algn="l" defTabSz="914400" rtl="0" eaLnBrk="1" latinLnBrk="0" hangingPunct="1">
+              <a:spcBef>
+                <a:spcPts val="2000"/>
+              </a:spcBef>
+              <a:buClr>
+                <a:schemeClr val="accent1">
+                  <a:lumMod val="60000"/>
+                  <a:lumOff val="40000"/>
+                </a:schemeClr>
+              </a:buClr>
+              <a:buSzPct val="110000"/>
+              <a:buFont typeface="Wingdings 2" pitchFamily="18" charset="2"/>
+              <a:buChar char=""/>
+              <a:defRPr sz="2400" kern="1200">
+                <a:solidFill>
+                  <a:schemeClr val="tx1">
+                    <a:lumMod val="65000"/>
+                    <a:lumOff val="35000"/>
+                  </a:schemeClr>
+                </a:solidFill>
+                <a:latin typeface="+mn-lt"/>
+                <a:ea typeface="+mn-ea"/>
+                <a:cs typeface="+mn-cs"/>
+              </a:defRPr>
+            </a:lvl1pPr>
+            <a:lvl2pPr marL="685800" indent="-336550" algn="l" defTabSz="914400" rtl="0" eaLnBrk="1" latinLnBrk="0" hangingPunct="1">
+              <a:spcBef>
+                <a:spcPts val="600"/>
+              </a:spcBef>
+              <a:buClr>
+                <a:schemeClr val="accent1">
+                  <a:lumMod val="75000"/>
+                </a:schemeClr>
+              </a:buClr>
+              <a:buSzPct val="110000"/>
+              <a:buFont typeface="Wingdings 2" pitchFamily="18" charset="2"/>
+              <a:buChar char=""/>
+              <a:defRPr sz="2200" kern="1200">
+                <a:solidFill>
+                  <a:schemeClr val="tx1">
+                    <a:lumMod val="65000"/>
+                    <a:lumOff val="35000"/>
+                  </a:schemeClr>
+                </a:solidFill>
+                <a:latin typeface="+mn-lt"/>
+                <a:ea typeface="+mn-ea"/>
+                <a:cs typeface="+mn-cs"/>
+              </a:defRPr>
+            </a:lvl2pPr>
+            <a:lvl3pPr marL="968375" indent="-282575" algn="l" defTabSz="914400" rtl="0" eaLnBrk="1" latinLnBrk="0" hangingPunct="1">
+              <a:spcBef>
+                <a:spcPts val="600"/>
+              </a:spcBef>
+              <a:buClr>
+                <a:schemeClr val="accent1">
+                  <a:lumMod val="60000"/>
+                  <a:lumOff val="40000"/>
+                </a:schemeClr>
+              </a:buClr>
+              <a:buSzPct val="110000"/>
+              <a:buFont typeface="Wingdings 2" pitchFamily="18" charset="2"/>
+              <a:buChar char=""/>
+              <a:defRPr sz="2000" kern="1200">
+                <a:solidFill>
+                  <a:schemeClr val="tx1">
+                    <a:lumMod val="65000"/>
+                    <a:lumOff val="35000"/>
+                  </a:schemeClr>
+                </a:solidFill>
+                <a:latin typeface="+mn-lt"/>
+                <a:ea typeface="+mn-ea"/>
+                <a:cs typeface="+mn-cs"/>
+              </a:defRPr>
+            </a:lvl3pPr>
+            <a:lvl4pPr marL="1263650" indent="-295275" algn="l" defTabSz="914400" rtl="0" eaLnBrk="1" latinLnBrk="0" hangingPunct="1">
+              <a:spcBef>
+                <a:spcPts val="600"/>
+              </a:spcBef>
+              <a:buClr>
+                <a:schemeClr val="accent1">
+                  <a:lumMod val="75000"/>
+                </a:schemeClr>
+              </a:buClr>
+              <a:buSzPct val="110000"/>
+              <a:buFont typeface="Wingdings 2" pitchFamily="18" charset="2"/>
+              <a:buChar char=""/>
+              <a:defRPr sz="1800" kern="1200">
+                <a:solidFill>
+                  <a:schemeClr val="tx1">
+                    <a:lumMod val="65000"/>
+                    <a:lumOff val="35000"/>
+                  </a:schemeClr>
+                </a:solidFill>
+                <a:latin typeface="+mn-lt"/>
+                <a:ea typeface="+mn-ea"/>
+                <a:cs typeface="+mn-cs"/>
+              </a:defRPr>
+            </a:lvl4pPr>
+            <a:lvl5pPr marL="1546225" indent="-282575" algn="l" defTabSz="914400" rtl="0" eaLnBrk="1" latinLnBrk="0" hangingPunct="1">
+              <a:spcBef>
+                <a:spcPts val="600"/>
+              </a:spcBef>
+              <a:buClr>
+                <a:schemeClr val="accent1">
+                  <a:lumMod val="60000"/>
+                  <a:lumOff val="40000"/>
+                </a:schemeClr>
+              </a:buClr>
+              <a:buSzPct val="110000"/>
+              <a:buFont typeface="Wingdings 2" pitchFamily="18" charset="2"/>
+              <a:buChar char=""/>
+              <a:defRPr sz="1800" kern="1200">
+                <a:solidFill>
+                  <a:schemeClr val="tx1">
+                    <a:lumMod val="65000"/>
+                    <a:lumOff val="35000"/>
+                  </a:schemeClr>
+                </a:solidFill>
+                <a:latin typeface="+mn-lt"/>
+                <a:ea typeface="+mn-ea"/>
+                <a:cs typeface="+mn-cs"/>
+              </a:defRPr>
+            </a:lvl5pPr>
+            <a:lvl6pPr marL="2514600" indent="-228600" algn="l" defTabSz="914400" rtl="0" eaLnBrk="1" latinLnBrk="0" hangingPunct="1">
+              <a:spcBef>
+                <a:spcPct val="20000"/>
+              </a:spcBef>
+              <a:buFont typeface="Arial" pitchFamily="34" charset="0"/>
+              <a:buChar char="•"/>
+              <a:defRPr sz="2000" kern="1200">
+                <a:solidFill>
+                  <a:schemeClr val="tx1"/>
+                </a:solidFill>
+                <a:latin typeface="+mn-lt"/>
+                <a:ea typeface="+mn-ea"/>
+                <a:cs typeface="+mn-cs"/>
+              </a:defRPr>
+            </a:lvl6pPr>
+            <a:lvl7pPr marL="2971800" indent="-228600" algn="l" defTabSz="914400" rtl="0" eaLnBrk="1" latinLnBrk="0" hangingPunct="1">
+              <a:spcBef>
+                <a:spcPct val="20000"/>
+              </a:spcBef>
+              <a:buFont typeface="Arial" pitchFamily="34" charset="0"/>
+              <a:buChar char="•"/>
+              <a:defRPr sz="2000" kern="1200">
+                <a:solidFill>
+                  <a:schemeClr val="tx1"/>
+                </a:solidFill>
+                <a:latin typeface="+mn-lt"/>
+                <a:ea typeface="+mn-ea"/>
+                <a:cs typeface="+mn-cs"/>
+              </a:defRPr>
+            </a:lvl7pPr>
+            <a:lvl8pPr marL="3429000" indent="-228600" algn="l" defTabSz="914400" rtl="0" eaLnBrk="1" latinLnBrk="0" hangingPunct="1">
+              <a:spcBef>
+                <a:spcPct val="20000"/>
+              </a:spcBef>
+              <a:buFont typeface="Arial" pitchFamily="34" charset="0"/>
+              <a:buChar char="•"/>
+              <a:defRPr sz="2000" kern="1200">
+                <a:solidFill>
+                  <a:schemeClr val="tx1"/>
+                </a:solidFill>
+                <a:latin typeface="+mn-lt"/>
+                <a:ea typeface="+mn-ea"/>
+                <a:cs typeface="+mn-cs"/>
+              </a:defRPr>
+            </a:lvl8pPr>
+            <a:lvl9pPr marL="3886200" indent="-228600" algn="l" defTabSz="914400" rtl="0" eaLnBrk="1" latinLnBrk="0" hangingPunct="1">
+              <a:spcBef>
+                <a:spcPct val="20000"/>
+              </a:spcBef>
+              <a:buFont typeface="Arial" pitchFamily="34" charset="0"/>
+              <a:buChar char="•"/>
+              <a:defRPr sz="2000" kern="1200">
+                <a:solidFill>
+                  <a:schemeClr val="tx1"/>
+                </a:solidFill>
+                <a:latin typeface="+mn-lt"/>
+                <a:ea typeface="+mn-ea"/>
+                <a:cs typeface="+mn-cs"/>
+              </a:defRPr>
+            </a:lvl9pPr>
+          </a:lstStyle>
+          <a:p>
+            <a:r>
+              <a:rPr lang="fr-FR" dirty="0" smtClean="0"/>
+              <a:t>Tests sur la classe </a:t>
+            </a:r>
+            <a:r>
+              <a:rPr lang="fr-FR" dirty="0" err="1" smtClean="0"/>
+              <a:t>Currency</a:t>
+            </a:r>
+            <a:endParaRPr lang="fr-FR" dirty="0" smtClean="0"/>
+          </a:p>
+          <a:p>
+            <a:pPr lvl="1"/>
+            <a:r>
+              <a:rPr lang="fr-FR" dirty="0" smtClean="0"/>
+              <a:t>Récupération des valeurs contenues dans les différents cas de </a:t>
+            </a:r>
+            <a:r>
+              <a:rPr lang="fr-FR" dirty="0" err="1" smtClean="0"/>
+              <a:t>Currency</a:t>
+            </a:r>
+            <a:endParaRPr lang="fr-FR" dirty="0" smtClean="0"/>
+          </a:p>
+          <a:p>
+            <a:endParaRPr lang="fr-FR" dirty="0"/>
+          </a:p>
+        </p:txBody>
+      </p:sp>
+    </p:spTree>
+    <p:extLst>
+      <p:ext uri="{BB962C8B-B14F-4D97-AF65-F5344CB8AC3E}">
+        <p14:creationId xmlns:p14="http://schemas.microsoft.com/office/powerpoint/2010/main" val="3046475013"/>
+      </p:ext>
+    </p:extLst>
+  </p:cSld>
+  <p:clrMapOvr>
+    <a:masterClrMapping/>
+  </p:clrMapOvr>
+  <p:timing>
+    <p:tnLst>
+      <p:par>
+        <p:cTn id="1" dur="indefinite" restart="never" nodeType="tmRoot"/>
+      </p:par>
+    </p:tnLst>
+  </p:timing>
+</p:sld>
+</file>
+
+<file path=ppt/slides/slide2.xml><?xml version="1.0" encoding="utf-8"?>
+<p:sld xmlns:a="http://schemas.openxmlformats.org/drawingml/2006/main" xmlns:r="http://schemas.openxmlformats.org/officeDocument/2006/relationships" xmlns:p="http://schemas.openxmlformats.org/presentationml/2006/main">
+  <p:cSld>
+    <p:spTree>
+      <p:nvGrpSpPr>
+        <p:cNvPr id="1" name=""/>
+        <p:cNvGrpSpPr/>
+        <p:nvPr/>
+      </p:nvGrpSpPr>
+      <p:grpSpPr>
+        <a:xfrm>
+          <a:off x="0" y="0"/>
+          <a:ext cx="0" cy="0"/>
+          <a:chOff x="0" y="0"/>
+          <a:chExt cx="0" cy="0"/>
+        </a:xfrm>
+      </p:grpSpPr>
+      <p:sp>
+        <p:nvSpPr>
+          <p:cNvPr id="2" name="Titre 1"/>
+          <p:cNvSpPr>
+            <a:spLocks noGrp="1"/>
+          </p:cNvSpPr>
+          <p:nvPr>
+            <p:ph type="title"/>
+          </p:nvPr>
+        </p:nvSpPr>
+        <p:spPr/>
+        <p:txBody>
+          <a:bodyPr/>
+          <a:lstStyle/>
+          <a:p>
+            <a:r>
+              <a:rPr lang="fr-FR" dirty="0" smtClean="0"/>
               <a:t>SOMMAIRE</a:t>
             </a:r>
             <a:endParaRPr lang="fr-FR" dirty="0"/>
@@ -5528,15 +6655,7 @@
                   <a:srgbClr val="18579B"/>
                 </a:solidFill>
               </a:rPr>
-              <a:t>	</a:t>
-            </a:r>
-            <a:r>
-              <a:rPr lang="fr-FR" dirty="0" smtClean="0">
-                <a:solidFill>
-                  <a:srgbClr val="18579B"/>
-                </a:solidFill>
-              </a:rPr>
-              <a:t> </a:t>
+              <a:t>	 </a:t>
             </a:r>
             <a:r>
               <a:rPr lang="fr-FR" i="1" dirty="0" smtClean="0">
@@ -5623,8 +6742,8 @@
 </p:sld>
 </file>
 
-<file path=ppt/slides/slide3.xml><?xml version="1.0" encoding="utf-8"?>
-<p:sld xmlns:a="http://schemas.openxmlformats.org/drawingml/2006/main" xmlns:r="http://schemas.openxmlformats.org/officeDocument/2006/relationships" xmlns:mc="http://schemas.openxmlformats.org/markup-compatibility/2006" xmlns:mv="urn:schemas-microsoft-com:mac:vml" xmlns:p="http://schemas.openxmlformats.org/presentationml/2006/main" mc:Ignorable="mv" mc:PreserveAttributes="mv:*">
+<file path=ppt/slides/slide20.xml><?xml version="1.0" encoding="utf-8"?>
+<p:sld xmlns:a="http://schemas.openxmlformats.org/drawingml/2006/main" xmlns:r="http://schemas.openxmlformats.org/officeDocument/2006/relationships" xmlns:p="http://schemas.openxmlformats.org/presentationml/2006/main">
   <p:cSld>
     <p:spTree>
       <p:nvGrpSpPr>
@@ -5650,27 +6769,114 @@
             <p:ph type="title"/>
           </p:nvPr>
         </p:nvSpPr>
-        <p:spPr>
-          <a:xfrm>
-            <a:off x="549275" y="2667000"/>
-            <a:ext cx="8042276" cy="1336956"/>
-          </a:xfrm>
-        </p:spPr>
-        <p:txBody>
-          <a:bodyPr/>
-          <a:lstStyle/>
-          <a:p>
-            <a:r>
-              <a:rPr lang="fr-FR" sz="4000" dirty="0" smtClean="0"/>
-              <a:t>I) Architecture de notre systèmes d’enchères</a:t>
-            </a:r>
-            <a:endParaRPr lang="fr-FR" sz="4000" dirty="0"/>
-          </a:p>
-        </p:txBody>
-      </p:sp>
-      <p:sp>
-        <p:nvSpPr>
-          <p:cNvPr id="4" name="Espace réservé du numéro de diapositive 3"/>
+        <p:spPr/>
+        <p:txBody>
+          <a:bodyPr/>
+          <a:lstStyle/>
+          <a:p>
+            <a:r>
+              <a:rPr lang="fr-FR" dirty="0" smtClean="0"/>
+              <a:t>Classe </a:t>
+            </a:r>
+            <a:r>
+              <a:rPr lang="fr-FR" dirty="0" err="1" smtClean="0"/>
+              <a:t>PriceTests</a:t>
+            </a:r>
+            <a:endParaRPr lang="fr-FR" dirty="0"/>
+          </a:p>
+        </p:txBody>
+      </p:sp>
+      <p:sp>
+        <p:nvSpPr>
+          <p:cNvPr id="3" name="Espace réservé du contenu 2"/>
+          <p:cNvSpPr>
+            <a:spLocks noGrp="1"/>
+          </p:cNvSpPr>
+          <p:nvPr>
+            <p:ph idx="1"/>
+          </p:nvPr>
+        </p:nvSpPr>
+        <p:spPr/>
+        <p:txBody>
+          <a:bodyPr/>
+          <a:lstStyle/>
+          <a:p>
+            <a:r>
+              <a:rPr lang="fr-FR" dirty="0" smtClean="0"/>
+              <a:t>Tests sur la classe Price</a:t>
+            </a:r>
+            <a:endParaRPr lang="fr-FR" dirty="0"/>
+          </a:p>
+          <a:p>
+            <a:pPr lvl="1"/>
+            <a:r>
+              <a:rPr lang="fr-FR" dirty="0" smtClean="0"/>
+              <a:t>Construction</a:t>
+            </a:r>
+          </a:p>
+          <a:p>
+            <a:pPr lvl="1"/>
+            <a:r>
+              <a:rPr lang="fr-FR" dirty="0" smtClean="0"/>
+              <a:t>Getters</a:t>
+            </a:r>
+          </a:p>
+          <a:p>
+            <a:pPr lvl="1"/>
+            <a:r>
+              <a:rPr lang="fr-FR" dirty="0" smtClean="0"/>
+              <a:t>Conversions</a:t>
+            </a:r>
+          </a:p>
+          <a:p>
+            <a:pPr lvl="1"/>
+            <a:r>
+              <a:rPr lang="fr-FR" dirty="0" smtClean="0"/>
+              <a:t>Vérification si un prix vaut plus qu’un autre</a:t>
+            </a:r>
+          </a:p>
+          <a:p>
+            <a:pPr lvl="1"/>
+            <a:r>
+              <a:rPr lang="fr-FR" dirty="0" smtClean="0"/>
+              <a:t>Ajout et Suppression d’argent</a:t>
+            </a:r>
+          </a:p>
+          <a:p>
+            <a:pPr lvl="1"/>
+            <a:endParaRPr lang="fr-FR" dirty="0" smtClean="0"/>
+          </a:p>
+          <a:p>
+            <a:endParaRPr lang="fr-FR" dirty="0"/>
+          </a:p>
+        </p:txBody>
+      </p:sp>
+      <p:sp>
+        <p:nvSpPr>
+          <p:cNvPr id="4" name="Espace réservé du pied de page 3"/>
+          <p:cNvSpPr>
+            <a:spLocks noGrp="1"/>
+          </p:cNvSpPr>
+          <p:nvPr>
+            <p:ph type="ftr" sz="quarter" idx="11"/>
+          </p:nvPr>
+        </p:nvSpPr>
+        <p:spPr/>
+        <p:txBody>
+          <a:bodyPr/>
+          <a:lstStyle/>
+          <a:p>
+            <a:r>
+              <a:rPr lang="fr-FR" smtClean="0"/>
+              <a:t>Conception et architecture Orientées Objet</a:t>
+            </a:r>
+            <a:endParaRPr lang="fr-FR"/>
+          </a:p>
+        </p:txBody>
+      </p:sp>
+      <p:sp>
+        <p:nvSpPr>
+          <p:cNvPr id="5" name="Espace réservé du numéro de diapositive 4"/>
           <p:cNvSpPr>
             <a:spLocks noGrp="1"/>
           </p:cNvSpPr>
@@ -5685,45 +6891,34 @@
           <a:p>
             <a:fld id="{6A5E4927-E38B-CA4F-8043-983A6C4FF18B}" type="slidenum">
               <a:rPr lang="fr-FR" smtClean="0"/>
-              <a:t>3</a:t>
+              <a:t>20</a:t>
             </a:fld>
             <a:endParaRPr lang="fr-FR"/>
           </a:p>
         </p:txBody>
       </p:sp>
-      <p:sp>
-        <p:nvSpPr>
-          <p:cNvPr id="5" name="Espace réservé du pied de page 4"/>
-          <p:cNvSpPr>
-            <a:spLocks noGrp="1"/>
-          </p:cNvSpPr>
-          <p:nvPr>
-            <p:ph type="ftr" sz="quarter" idx="11"/>
-          </p:nvPr>
-        </p:nvSpPr>
-        <p:spPr/>
-        <p:txBody>
-          <a:bodyPr/>
-          <a:lstStyle/>
-          <a:p>
-            <a:r>
-              <a:rPr lang="fr-FR" dirty="0" smtClean="0"/>
-              <a:t>Conception et architecture Orientées Objet</a:t>
-            </a:r>
-            <a:endParaRPr lang="fr-FR" dirty="0"/>
-          </a:p>
-        </p:txBody>
-      </p:sp>
     </p:spTree>
+    <p:extLst>
+      <p:ext uri="{BB962C8B-B14F-4D97-AF65-F5344CB8AC3E}">
+        <p14:creationId xmlns:p14="http://schemas.microsoft.com/office/powerpoint/2010/main" val="3046475013"/>
+      </p:ext>
+    </p:extLst>
   </p:cSld>
   <p:clrMapOvr>
     <a:masterClrMapping/>
   </p:clrMapOvr>
+  <p:timing>
+    <p:tnLst>
+      <p:par>
+        <p:cTn id="1" dur="indefinite" restart="never" nodeType="tmRoot"/>
+      </p:par>
+    </p:tnLst>
+  </p:timing>
 </p:sld>
 </file>
 
-<file path=ppt/slides/slide4.xml><?xml version="1.0" encoding="utf-8"?>
-<p:sld xmlns:a="http://schemas.openxmlformats.org/drawingml/2006/main" xmlns:r="http://schemas.openxmlformats.org/officeDocument/2006/relationships" xmlns:mc="http://schemas.openxmlformats.org/markup-compatibility/2006" xmlns:mv="urn:schemas-microsoft-com:mac:vml" xmlns:p="http://schemas.openxmlformats.org/presentationml/2006/main" mc:Ignorable="mv" mc:PreserveAttributes="mv:*">
+<file path=ppt/slides/slide21.xml><?xml version="1.0" encoding="utf-8"?>
+<p:sld xmlns:a="http://schemas.openxmlformats.org/drawingml/2006/main" xmlns:r="http://schemas.openxmlformats.org/officeDocument/2006/relationships" xmlns:p="http://schemas.openxmlformats.org/presentationml/2006/main">
   <p:cSld>
     <p:spTree>
       <p:nvGrpSpPr>
@@ -5756,11 +6951,11 @@
           <a:p>
             <a:r>
               <a:rPr lang="fr-FR" dirty="0" smtClean="0"/>
-              <a:t>Package </a:t>
+              <a:t>Classe </a:t>
             </a:r>
             <a:r>
               <a:rPr lang="fr-FR" dirty="0" err="1" smtClean="0"/>
-              <a:t>easybid</a:t>
+              <a:t>ProductTests</a:t>
             </a:r>
             <a:endParaRPr lang="fr-FR" dirty="0"/>
           </a:p>
@@ -5782,76 +6977,39 @@
           <a:lstStyle/>
           <a:p>
             <a:r>
-              <a:rPr lang="fr-FR" dirty="0" smtClean="0">
-                <a:solidFill>
-                  <a:srgbClr val="000000"/>
-                </a:solidFill>
-              </a:rPr>
-              <a:t>Package </a:t>
-            </a:r>
-            <a:r>
-              <a:rPr lang="fr-FR" dirty="0" smtClean="0">
-                <a:solidFill>
-                  <a:srgbClr val="000000"/>
-                </a:solidFill>
-              </a:rPr>
-              <a:t>principal de </a:t>
-            </a:r>
-            <a:r>
-              <a:rPr lang="fr-FR" dirty="0" smtClean="0">
-                <a:solidFill>
-                  <a:srgbClr val="000000"/>
-                </a:solidFill>
-              </a:rPr>
-              <a:t>notre programme </a:t>
-            </a:r>
-            <a:r>
-              <a:rPr lang="fr-FR" dirty="0" smtClean="0">
-                <a:solidFill>
-                  <a:srgbClr val="000000"/>
-                </a:solidFill>
-              </a:rPr>
-              <a:t>à travers lequel se réalise la création et le fonctionnement de notre systèmes </a:t>
-            </a:r>
-            <a:r>
-              <a:rPr lang="fr-FR" dirty="0" smtClean="0">
-                <a:solidFill>
-                  <a:srgbClr val="000000"/>
-                </a:solidFill>
-              </a:rPr>
-              <a:t>d’enchères.</a:t>
-            </a:r>
-          </a:p>
-          <a:p>
-            <a:r>
-              <a:rPr lang="fr-FR" dirty="0" err="1" smtClean="0">
-                <a:solidFill>
-                  <a:srgbClr val="000000"/>
-                </a:solidFill>
-              </a:rPr>
-              <a:t>Easybid</a:t>
-            </a:r>
-            <a:endParaRPr lang="fr-FR" dirty="0" smtClean="0">
-              <a:solidFill>
-                <a:srgbClr val="000000"/>
-              </a:solidFill>
-            </a:endParaRPr>
+              <a:rPr lang="fr-FR" dirty="0" smtClean="0"/>
+              <a:t>Tests sur la classe Product</a:t>
+            </a:r>
+            <a:endParaRPr lang="fr-FR" dirty="0"/>
           </a:p>
           <a:p>
             <a:pPr lvl="1"/>
             <a:r>
-              <a:rPr lang="fr-FR" dirty="0" err="1" smtClean="0">
-                <a:solidFill>
-                  <a:srgbClr val="000000"/>
-                </a:solidFill>
-              </a:rPr>
-              <a:t>Easybid.java</a:t>
-            </a:r>
-            <a:endParaRPr lang="fr-FR" dirty="0" smtClean="0">
-              <a:solidFill>
-                <a:srgbClr val="000000"/>
-              </a:solidFill>
-            </a:endParaRPr>
+              <a:rPr lang="fr-FR" dirty="0"/>
+              <a:t>Construction</a:t>
+            </a:r>
+          </a:p>
+          <a:p>
+            <a:pPr lvl="1"/>
+            <a:r>
+              <a:rPr lang="fr-FR" dirty="0"/>
+              <a:t>Getters</a:t>
+            </a:r>
+          </a:p>
+          <a:p>
+            <a:pPr lvl="1"/>
+            <a:r>
+              <a:rPr lang="fr-FR" dirty="0" smtClean="0"/>
+              <a:t>Emission d’une offre</a:t>
+            </a:r>
+          </a:p>
+          <a:p>
+            <a:pPr lvl="1"/>
+            <a:r>
+              <a:rPr lang="fr-FR" dirty="0" err="1" smtClean="0"/>
+              <a:t>equals</a:t>
+            </a:r>
+            <a:endParaRPr lang="fr-FR" dirty="0" smtClean="0"/>
           </a:p>
           <a:p>
             <a:endParaRPr lang="fr-FR" dirty="0"/>
@@ -5898,22 +7056,34 @@
           <a:p>
             <a:fld id="{6A5E4927-E38B-CA4F-8043-983A6C4FF18B}" type="slidenum">
               <a:rPr lang="fr-FR" smtClean="0"/>
-              <a:t>4</a:t>
+              <a:t>21</a:t>
             </a:fld>
             <a:endParaRPr lang="fr-FR"/>
           </a:p>
         </p:txBody>
       </p:sp>
     </p:spTree>
+    <p:extLst>
+      <p:ext uri="{BB962C8B-B14F-4D97-AF65-F5344CB8AC3E}">
+        <p14:creationId xmlns:p14="http://schemas.microsoft.com/office/powerpoint/2010/main" val="3046475013"/>
+      </p:ext>
+    </p:extLst>
   </p:cSld>
   <p:clrMapOvr>
     <a:masterClrMapping/>
   </p:clrMapOvr>
+  <p:timing>
+    <p:tnLst>
+      <p:par>
+        <p:cTn id="1" dur="indefinite" restart="never" nodeType="tmRoot"/>
+      </p:par>
+    </p:tnLst>
+  </p:timing>
 </p:sld>
 </file>
 
-<file path=ppt/slides/slide5.xml><?xml version="1.0" encoding="utf-8"?>
-<p:sld xmlns:a="http://schemas.openxmlformats.org/drawingml/2006/main" xmlns:r="http://schemas.openxmlformats.org/officeDocument/2006/relationships" xmlns:mc="http://schemas.openxmlformats.org/markup-compatibility/2006" xmlns:mv="urn:schemas-microsoft-com:mac:vml" xmlns:p="http://schemas.openxmlformats.org/presentationml/2006/main" mc:Ignorable="mv" mc:PreserveAttributes="mv:*">
+<file path=ppt/slides/slide22.xml><?xml version="1.0" encoding="utf-8"?>
+<p:sld xmlns:a="http://schemas.openxmlformats.org/drawingml/2006/main" xmlns:r="http://schemas.openxmlformats.org/officeDocument/2006/relationships" xmlns:p="http://schemas.openxmlformats.org/presentationml/2006/main">
   <p:cSld>
     <p:spTree>
       <p:nvGrpSpPr>
@@ -5950,7 +7120,7 @@
             </a:r>
             <a:r>
               <a:rPr lang="fr-FR" dirty="0" err="1" smtClean="0"/>
-              <a:t>EasyBid</a:t>
+              <a:t>UserTests</a:t>
             </a:r>
             <a:endParaRPr lang="fr-FR" dirty="0"/>
           </a:p>
@@ -5968,229 +7138,63 @@
         </p:nvSpPr>
         <p:spPr/>
         <p:txBody>
-          <a:bodyPr>
-            <a:normAutofit fontScale="85000" lnSpcReduction="10000"/>
-          </a:bodyPr>
-          <a:lstStyle/>
-          <a:p>
-            <a:pPr>
-              <a:spcAft>
-                <a:spcPts val="1200"/>
-              </a:spcAft>
-              <a:buNone/>
-            </a:pPr>
-            <a:r>
-              <a:rPr lang="fr-FR" dirty="0" smtClean="0"/>
-              <a:t>Cette </a:t>
-            </a:r>
-            <a:r>
-              <a:rPr lang="fr-FR" dirty="0" smtClean="0"/>
-              <a:t>classe contient notre IHM, elle gère donc la durée de vie du programme. Elle propose à l’homme plusieurs services : </a:t>
-            </a:r>
-            <a:br>
-              <a:rPr lang="fr-FR" dirty="0" smtClean="0"/>
-            </a:br>
-            <a:r>
-              <a:rPr lang="fr-FR" dirty="0" smtClean="0">
-                <a:solidFill>
-                  <a:srgbClr val="000000"/>
-                </a:solidFill>
-              </a:rPr>
-              <a:t>-</a:t>
-            </a:r>
-            <a:r>
-              <a:rPr lang="fr-FR" dirty="0" smtClean="0"/>
-              <a:t> </a:t>
-            </a:r>
-            <a:r>
-              <a:rPr lang="fr-FR" dirty="0" smtClean="0">
-                <a:solidFill>
-                  <a:srgbClr val="000000"/>
-                </a:solidFill>
-              </a:rPr>
-              <a:t>Création d’un nouvel utilisateur </a:t>
-            </a:r>
-            <a:br>
-              <a:rPr lang="fr-FR" dirty="0" smtClean="0">
-                <a:solidFill>
-                  <a:srgbClr val="000000"/>
-                </a:solidFill>
-              </a:rPr>
-            </a:br>
-            <a:r>
-              <a:rPr lang="fr-FR" dirty="0" smtClean="0">
-                <a:solidFill>
-                  <a:srgbClr val="000000"/>
-                </a:solidFill>
-              </a:rPr>
-              <a:t>- Possibilité de se connecter </a:t>
-            </a:r>
-            <a:br>
-              <a:rPr lang="fr-FR" dirty="0" smtClean="0">
-                <a:solidFill>
-                  <a:srgbClr val="000000"/>
-                </a:solidFill>
-              </a:rPr>
-            </a:br>
-            <a:r>
-              <a:rPr lang="fr-FR" dirty="0" smtClean="0">
-                <a:solidFill>
-                  <a:srgbClr val="000000"/>
-                </a:solidFill>
-              </a:rPr>
-              <a:t>- Accès à la liste des utilisateurs du système</a:t>
-            </a:r>
-            <a:br>
-              <a:rPr lang="fr-FR" dirty="0" smtClean="0">
-                <a:solidFill>
-                  <a:srgbClr val="000000"/>
-                </a:solidFill>
-              </a:rPr>
-            </a:br>
-            <a:r>
-              <a:rPr lang="fr-FR" dirty="0" smtClean="0">
-                <a:solidFill>
-                  <a:srgbClr val="000000"/>
-                </a:solidFill>
-              </a:rPr>
-              <a:t>- Accès à sa liste de produits personnels</a:t>
-            </a:r>
-            <a:br>
-              <a:rPr lang="fr-FR" dirty="0" smtClean="0">
-                <a:solidFill>
-                  <a:srgbClr val="000000"/>
-                </a:solidFill>
-              </a:rPr>
-            </a:br>
-            <a:r>
-              <a:rPr lang="fr-FR" dirty="0" smtClean="0">
-                <a:solidFill>
-                  <a:srgbClr val="000000"/>
-                </a:solidFill>
-              </a:rPr>
-              <a:t>- Création d’un nouveau </a:t>
-            </a:r>
-            <a:r>
-              <a:rPr lang="fr-FR" dirty="0" smtClean="0">
-                <a:solidFill>
-                  <a:srgbClr val="000000"/>
-                </a:solidFill>
-              </a:rPr>
-              <a:t>produit</a:t>
-            </a:r>
-          </a:p>
-          <a:p>
-            <a:pPr>
-              <a:spcAft>
-                <a:spcPts val="1200"/>
-              </a:spcAft>
-              <a:buNone/>
-            </a:pPr>
-            <a:r>
-              <a:rPr lang="fr-FR" dirty="0" smtClean="0">
-                <a:solidFill>
-                  <a:srgbClr val="000000"/>
-                </a:solidFill>
-              </a:rPr>
-              <a:t>	</a:t>
-            </a:r>
-            <a:r>
-              <a:rPr lang="fr-FR" dirty="0" smtClean="0"/>
-              <a:t>- </a:t>
-            </a:r>
-            <a:r>
-              <a:rPr lang="fr-FR" dirty="0" smtClean="0">
-                <a:solidFill>
-                  <a:schemeClr val="tx1"/>
-                </a:solidFill>
-              </a:rPr>
-              <a:t>Publication d’un produit de sa liste personnelle en enchère</a:t>
-            </a:r>
-            <a:br>
-              <a:rPr lang="fr-FR" dirty="0" smtClean="0">
-                <a:solidFill>
-                  <a:schemeClr val="tx1"/>
-                </a:solidFill>
-              </a:rPr>
-            </a:br>
-            <a:r>
-              <a:rPr lang="fr-FR" dirty="0" smtClean="0">
-                <a:solidFill>
-                  <a:schemeClr val="tx1"/>
-                </a:solidFill>
-              </a:rPr>
-              <a:t>- Emission d’une offre sur un produit qui n’est pas le sien</a:t>
-            </a:r>
-            <a:br>
-              <a:rPr lang="fr-FR" dirty="0" smtClean="0">
-                <a:solidFill>
-                  <a:schemeClr val="tx1"/>
-                </a:solidFill>
-              </a:rPr>
-            </a:br>
-            <a:r>
-              <a:rPr lang="fr-FR" dirty="0" smtClean="0">
-                <a:solidFill>
-                  <a:schemeClr val="tx1"/>
-                </a:solidFill>
-              </a:rPr>
-              <a:t>- Suppression d’un de ses produits</a:t>
-            </a:r>
-            <a:br>
-              <a:rPr lang="fr-FR" dirty="0" smtClean="0">
-                <a:solidFill>
-                  <a:schemeClr val="tx1"/>
-                </a:solidFill>
-              </a:rPr>
-            </a:br>
-            <a:r>
-              <a:rPr lang="fr-FR" dirty="0" smtClean="0">
-                <a:solidFill>
-                  <a:schemeClr val="tx1"/>
-                </a:solidFill>
-              </a:rPr>
-              <a:t>- Suppression de son compte utilisateur</a:t>
-            </a:r>
-            <a:br>
-              <a:rPr lang="fr-FR" dirty="0" smtClean="0">
-                <a:solidFill>
-                  <a:schemeClr val="tx1"/>
-                </a:solidFill>
-              </a:rPr>
-            </a:br>
-            <a:r>
-              <a:rPr lang="fr-FR" dirty="0" smtClean="0">
-                <a:solidFill>
-                  <a:schemeClr val="tx1"/>
-                </a:solidFill>
-              </a:rPr>
-              <a:t>- Possibilité de se déconnecter</a:t>
-            </a:r>
-            <a:br>
-              <a:rPr lang="fr-FR" dirty="0" smtClean="0">
-                <a:solidFill>
-                  <a:schemeClr val="tx1"/>
-                </a:solidFill>
-              </a:rPr>
-            </a:br>
-            <a:r>
-              <a:rPr lang="fr-FR" dirty="0" smtClean="0">
-                <a:solidFill>
-                  <a:schemeClr val="tx1"/>
-                </a:solidFill>
-              </a:rPr>
-              <a:t>- Possibilité de quitter le programme</a:t>
-            </a:r>
-            <a:r>
-              <a:rPr lang="fr-FR" dirty="0" smtClean="0">
-                <a:solidFill>
-                  <a:srgbClr val="000000"/>
-                </a:solidFill>
-              </a:rPr>
-              <a:t> </a:t>
+          <a:bodyPr/>
+          <a:lstStyle/>
+          <a:p>
+            <a:r>
+              <a:rPr lang="fr-FR" dirty="0" smtClean="0"/>
+              <a:t>Tests sur la classe Product</a:t>
             </a:r>
             <a:endParaRPr lang="fr-FR" dirty="0"/>
           </a:p>
+          <a:p>
+            <a:pPr lvl="1"/>
+            <a:r>
+              <a:rPr lang="fr-FR" dirty="0"/>
+              <a:t>Construction</a:t>
+            </a:r>
+          </a:p>
+          <a:p>
+            <a:pPr lvl="1"/>
+            <a:r>
+              <a:rPr lang="fr-FR" dirty="0"/>
+              <a:t>Getters</a:t>
+            </a:r>
+          </a:p>
+          <a:p>
+            <a:pPr lvl="1"/>
+            <a:r>
+              <a:rPr lang="fr-FR" dirty="0" smtClean="0"/>
+              <a:t>Ajout d’un produit à la liste personnelle</a:t>
+            </a:r>
+          </a:p>
+          <a:p>
+            <a:pPr lvl="1"/>
+            <a:r>
+              <a:rPr lang="fr-FR" dirty="0" err="1" smtClean="0"/>
+              <a:t>equals</a:t>
+            </a:r>
+            <a:endParaRPr lang="fr-FR" dirty="0" smtClean="0"/>
+          </a:p>
+          <a:p>
+            <a:pPr lvl="1"/>
+            <a:r>
+              <a:rPr lang="fr-FR" dirty="0" smtClean="0"/>
+              <a:t>Payer un </a:t>
+            </a:r>
+            <a:r>
+              <a:rPr lang="fr-FR" smtClean="0"/>
+              <a:t>certain prix</a:t>
+            </a:r>
+            <a:endParaRPr lang="fr-FR" dirty="0" smtClean="0"/>
+          </a:p>
+          <a:p>
+            <a:pPr lvl="1"/>
+            <a:endParaRPr lang="fr-FR" dirty="0" smtClean="0"/>
+          </a:p>
+          <a:p>
+            <a:endParaRPr lang="fr-FR" dirty="0"/>
+          </a:p>
         </p:txBody>
       </p:sp>
       <p:sp>
@@ -6233,22 +7237,34 @@
           <a:p>
             <a:fld id="{6A5E4927-E38B-CA4F-8043-983A6C4FF18B}" type="slidenum">
               <a:rPr lang="fr-FR" smtClean="0"/>
-              <a:t>5</a:t>
+              <a:t>22</a:t>
             </a:fld>
             <a:endParaRPr lang="fr-FR"/>
           </a:p>
         </p:txBody>
       </p:sp>
     </p:spTree>
+    <p:extLst>
+      <p:ext uri="{BB962C8B-B14F-4D97-AF65-F5344CB8AC3E}">
+        <p14:creationId xmlns:p14="http://schemas.microsoft.com/office/powerpoint/2010/main" val="1641974995"/>
+      </p:ext>
+    </p:extLst>
   </p:cSld>
   <p:clrMapOvr>
     <a:masterClrMapping/>
   </p:clrMapOvr>
+  <p:timing>
+    <p:tnLst>
+      <p:par>
+        <p:cTn id="1" dur="indefinite" restart="never" nodeType="tmRoot"/>
+      </p:par>
+    </p:tnLst>
+  </p:timing>
 </p:sld>
 </file>
 
-<file path=ppt/slides/slide6.xml><?xml version="1.0" encoding="utf-8"?>
-<p:sld xmlns:a="http://schemas.openxmlformats.org/drawingml/2006/main" xmlns:r="http://schemas.openxmlformats.org/officeDocument/2006/relationships" xmlns:mc="http://schemas.openxmlformats.org/markup-compatibility/2006" xmlns:mv="urn:schemas-microsoft-com:mac:vml" xmlns:p="http://schemas.openxmlformats.org/presentationml/2006/main" mc:Ignorable="mv" mc:PreserveAttributes="mv:*">
+<file path=ppt/slides/slide3.xml><?xml version="1.0" encoding="utf-8"?>
+<p:sld xmlns:a="http://schemas.openxmlformats.org/drawingml/2006/main" xmlns:r="http://schemas.openxmlformats.org/officeDocument/2006/relationships" xmlns:p="http://schemas.openxmlformats.org/presentationml/2006/main">
   <p:cSld>
     <p:spTree>
       <p:nvGrpSpPr>
@@ -6274,128 +7290,27 @@
             <p:ph type="title"/>
           </p:nvPr>
         </p:nvSpPr>
-        <p:spPr/>
-        <p:txBody>
-          <a:bodyPr/>
-          <a:lstStyle/>
-          <a:p>
-            <a:r>
-              <a:rPr lang="fr-FR" dirty="0" smtClean="0"/>
-              <a:t>Package </a:t>
-            </a:r>
-            <a:r>
-              <a:rPr lang="fr-FR" dirty="0" smtClean="0"/>
-              <a:t>environnement</a:t>
-            </a:r>
-            <a:endParaRPr lang="fr-FR" dirty="0"/>
-          </a:p>
-        </p:txBody>
-      </p:sp>
-      <p:sp>
-        <p:nvSpPr>
-          <p:cNvPr id="3" name="Espace réservé du contenu 2"/>
-          <p:cNvSpPr>
-            <a:spLocks noGrp="1"/>
-          </p:cNvSpPr>
-          <p:nvPr>
-            <p:ph idx="1"/>
-          </p:nvPr>
-        </p:nvSpPr>
-        <p:spPr/>
-        <p:txBody>
-          <a:bodyPr/>
-          <a:lstStyle/>
-          <a:p>
-            <a:r>
-              <a:rPr lang="fr-FR" dirty="0" smtClean="0"/>
-              <a:t>Package qui regroupe les classes de fonctionnement interne de </a:t>
-            </a:r>
-            <a:r>
-              <a:rPr lang="fr-FR" dirty="0" err="1" smtClean="0"/>
-              <a:t>EasyBid</a:t>
-            </a:r>
-            <a:r>
-              <a:rPr lang="fr-FR" dirty="0" smtClean="0"/>
-              <a:t>. Il permet de d’effectuer les actions d’offres et d’échanges lors que celles-ci sont demandées.</a:t>
-            </a:r>
-          </a:p>
-          <a:p>
-            <a:r>
-              <a:rPr lang="fr-FR" dirty="0" smtClean="0"/>
-              <a:t>e</a:t>
-            </a:r>
-            <a:r>
-              <a:rPr lang="fr-FR" dirty="0" smtClean="0"/>
-              <a:t>nvironnement</a:t>
-            </a:r>
-          </a:p>
-          <a:p>
-            <a:pPr lvl="1"/>
-            <a:r>
-              <a:rPr lang="fr-FR" dirty="0" err="1" smtClean="0"/>
-              <a:t>AuctionHall</a:t>
-            </a:r>
-            <a:endParaRPr lang="fr-FR" dirty="0" smtClean="0"/>
-          </a:p>
-          <a:p>
-            <a:pPr lvl="1"/>
-            <a:r>
-              <a:rPr lang="fr-FR" dirty="0" err="1" smtClean="0"/>
-              <a:t>BidTimer</a:t>
-            </a:r>
-            <a:endParaRPr lang="fr-FR" dirty="0" smtClean="0"/>
-          </a:p>
-          <a:p>
-            <a:pPr lvl="1"/>
-            <a:r>
-              <a:rPr lang="fr-FR" dirty="0" err="1" smtClean="0"/>
-              <a:t>Currency</a:t>
-            </a:r>
-            <a:endParaRPr lang="fr-FR" dirty="0" smtClean="0"/>
-          </a:p>
-          <a:p>
-            <a:pPr lvl="1"/>
-            <a:r>
-              <a:rPr lang="fr-FR" dirty="0" smtClean="0"/>
-              <a:t>Price</a:t>
-            </a:r>
-          </a:p>
-          <a:p>
-            <a:pPr lvl="1"/>
-            <a:r>
-              <a:rPr lang="fr-FR" dirty="0" smtClean="0"/>
-              <a:t>Product </a:t>
-            </a:r>
-            <a:endParaRPr lang="fr-FR" dirty="0"/>
-          </a:p>
-        </p:txBody>
-      </p:sp>
-      <p:sp>
-        <p:nvSpPr>
-          <p:cNvPr id="4" name="Espace réservé du pied de page 3"/>
-          <p:cNvSpPr>
-            <a:spLocks noGrp="1"/>
-          </p:cNvSpPr>
-          <p:nvPr>
-            <p:ph type="ftr" sz="quarter" idx="11"/>
-          </p:nvPr>
-        </p:nvSpPr>
-        <p:spPr/>
-        <p:txBody>
-          <a:bodyPr/>
-          <a:lstStyle/>
-          <a:p>
-            <a:r>
-              <a:rPr lang="fr-FR" smtClean="0"/>
-              <a:t>Conception et architecture Orientées Objet</a:t>
-            </a:r>
-            <a:endParaRPr lang="fr-FR"/>
-          </a:p>
-        </p:txBody>
-      </p:sp>
-      <p:sp>
-        <p:nvSpPr>
-          <p:cNvPr id="5" name="Espace réservé du numéro de diapositive 4"/>
+        <p:spPr>
+          <a:xfrm>
+            <a:off x="549275" y="2667000"/>
+            <a:ext cx="8042276" cy="1336956"/>
+          </a:xfrm>
+        </p:spPr>
+        <p:txBody>
+          <a:bodyPr/>
+          <a:lstStyle/>
+          <a:p>
+            <a:r>
+              <a:rPr lang="fr-FR" sz="4000" dirty="0" smtClean="0"/>
+              <a:t>I) Architecture de notre systèmes d’enchères</a:t>
+            </a:r>
+            <a:endParaRPr lang="fr-FR" sz="4000" dirty="0"/>
+          </a:p>
+        </p:txBody>
+      </p:sp>
+      <p:sp>
+        <p:nvSpPr>
+          <p:cNvPr id="4" name="Espace réservé du numéro de diapositive 3"/>
           <p:cNvSpPr>
             <a:spLocks noGrp="1"/>
           </p:cNvSpPr>
@@ -6410,9 +7325,32 @@
           <a:p>
             <a:fld id="{6A5E4927-E38B-CA4F-8043-983A6C4FF18B}" type="slidenum">
               <a:rPr lang="fr-FR" smtClean="0"/>
-              <a:t>6</a:t>
+              <a:t>3</a:t>
             </a:fld>
             <a:endParaRPr lang="fr-FR"/>
+          </a:p>
+        </p:txBody>
+      </p:sp>
+      <p:sp>
+        <p:nvSpPr>
+          <p:cNvPr id="5" name="Espace réservé du pied de page 4"/>
+          <p:cNvSpPr>
+            <a:spLocks noGrp="1"/>
+          </p:cNvSpPr>
+          <p:nvPr>
+            <p:ph type="ftr" sz="quarter" idx="11"/>
+          </p:nvPr>
+        </p:nvSpPr>
+        <p:spPr/>
+        <p:txBody>
+          <a:bodyPr/>
+          <a:lstStyle/>
+          <a:p>
+            <a:r>
+              <a:rPr lang="fr-FR" dirty="0" smtClean="0"/>
+              <a:t>Conception et architecture Orientées Objet</a:t>
+            </a:r>
+            <a:endParaRPr lang="fr-FR" dirty="0"/>
           </a:p>
         </p:txBody>
       </p:sp>
@@ -6421,11 +7359,18 @@
   <p:clrMapOvr>
     <a:masterClrMapping/>
   </p:clrMapOvr>
+  <p:timing>
+    <p:tnLst>
+      <p:par>
+        <p:cTn id="1" dur="indefinite" restart="never" nodeType="tmRoot"/>
+      </p:par>
+    </p:tnLst>
+  </p:timing>
 </p:sld>
 </file>
 
-<file path=ppt/slides/slide7.xml><?xml version="1.0" encoding="utf-8"?>
-<p:sld xmlns:a="http://schemas.openxmlformats.org/drawingml/2006/main" xmlns:r="http://schemas.openxmlformats.org/officeDocument/2006/relationships" xmlns:mc="http://schemas.openxmlformats.org/markup-compatibility/2006" xmlns:mv="urn:schemas-microsoft-com:mac:vml" xmlns:p="http://schemas.openxmlformats.org/presentationml/2006/main" mc:Ignorable="mv" mc:PreserveAttributes="mv:*">
+<file path=ppt/slides/slide4.xml><?xml version="1.0" encoding="utf-8"?>
+<p:sld xmlns:a="http://schemas.openxmlformats.org/drawingml/2006/main" xmlns:r="http://schemas.openxmlformats.org/officeDocument/2006/relationships" xmlns:p="http://schemas.openxmlformats.org/presentationml/2006/main">
   <p:cSld>
     <p:spTree>
       <p:nvGrpSpPr>
@@ -6458,15 +7403,11 @@
           <a:p>
             <a:r>
               <a:rPr lang="fr-FR" dirty="0" smtClean="0"/>
-              <a:t>Classe</a:t>
-            </a:r>
-            <a:r>
-              <a:rPr lang="fr-FR" dirty="0" smtClean="0"/>
-              <a:t> </a:t>
+              <a:t>Package </a:t>
             </a:r>
             <a:r>
               <a:rPr lang="fr-FR" dirty="0" err="1" smtClean="0"/>
-              <a:t>AuctionHall</a:t>
+              <a:t>easybid</a:t>
             </a:r>
             <a:endParaRPr lang="fr-FR" dirty="0"/>
           </a:p>
@@ -6487,60 +7428,45 @@
           <a:bodyPr/>
           <a:lstStyle/>
           <a:p>
-            <a:pPr>
-              <a:buNone/>
-            </a:pPr>
             <a:r>
               <a:rPr lang="fr-FR" dirty="0" smtClean="0">
                 <a:solidFill>
-                  <a:schemeClr val="tx1"/>
+                  <a:srgbClr val="000000"/>
                 </a:solidFill>
               </a:rPr>
-              <a:t>Cette classe comptabilise tous les utilisateurs et les produits en vente dans deux listes. Elle dispose de méthodes de manipulation de ces listes :</a:t>
-            </a:r>
-            <a:br>
-              <a:rPr lang="fr-FR" dirty="0" smtClean="0">
-                <a:solidFill>
-                  <a:schemeClr val="tx1"/>
+              <a:t>Package principal de notre programme à travers lequel se réalise la création et le fonctionnement de notre systèmes d’enchères.</a:t>
+            </a:r>
+          </a:p>
+          <a:p>
+            <a:r>
+              <a:rPr lang="fr-FR" dirty="0" err="1" smtClean="0">
+                <a:solidFill>
+                  <a:srgbClr val="000000"/>
                 </a:solidFill>
               </a:rPr>
-            </a:br>
-            <a:r>
-              <a:rPr lang="fr-FR" dirty="0" smtClean="0">
-                <a:solidFill>
-                  <a:schemeClr val="tx1"/>
+              <a:t>Easybid</a:t>
+            </a:r>
+            <a:endParaRPr lang="fr-FR" dirty="0" smtClean="0">
+              <a:solidFill>
+                <a:srgbClr val="000000"/>
+              </a:solidFill>
+            </a:endParaRPr>
+          </a:p>
+          <a:p>
+            <a:pPr lvl="1"/>
+            <a:r>
+              <a:rPr lang="fr-FR" dirty="0" err="1" smtClean="0">
+                <a:solidFill>
+                  <a:srgbClr val="000000"/>
                 </a:solidFill>
               </a:rPr>
-              <a:t>- Ajout et Suppression d’un utilisateur présent dans la liste</a:t>
-            </a:r>
-            <a:br>
-              <a:rPr lang="fr-FR" dirty="0" smtClean="0">
-                <a:solidFill>
-                  <a:schemeClr val="tx1"/>
-                </a:solidFill>
-              </a:rPr>
-            </a:br>
-            <a:r>
-              <a:rPr lang="fr-FR" dirty="0" smtClean="0">
-                <a:solidFill>
-                  <a:schemeClr val="tx1"/>
-                </a:solidFill>
-              </a:rPr>
-              <a:t>- Ajout et Suppression d’un produit présent dans la liste</a:t>
-            </a:r>
-          </a:p>
-          <a:p>
-            <a:pPr>
-              <a:buNone/>
-            </a:pPr>
-            <a:r>
-              <a:rPr lang="fr-FR" dirty="0" smtClean="0">
-                <a:solidFill>
-                  <a:schemeClr val="tx1"/>
-                </a:solidFill>
-              </a:rPr>
-              <a:t>Cette classe suppose que ses méthodes seront appelées avec des arguments valides et que l’appelant doit vérifier cette validité.</a:t>
-            </a:r>
+              <a:t>Easybid.java</a:t>
+            </a:r>
+            <a:endParaRPr lang="fr-FR" dirty="0" smtClean="0">
+              <a:solidFill>
+                <a:srgbClr val="000000"/>
+              </a:solidFill>
+            </a:endParaRPr>
           </a:p>
           <a:p>
             <a:endParaRPr lang="fr-FR" dirty="0"/>
@@ -6587,7 +7513,7 @@
           <a:p>
             <a:fld id="{6A5E4927-E38B-CA4F-8043-983A6C4FF18B}" type="slidenum">
               <a:rPr lang="fr-FR" smtClean="0"/>
-              <a:t>7</a:t>
+              <a:t>4</a:t>
             </a:fld>
             <a:endParaRPr lang="fr-FR"/>
           </a:p>
@@ -6598,11 +7524,18 @@
   <p:clrMapOvr>
     <a:masterClrMapping/>
   </p:clrMapOvr>
+  <p:timing>
+    <p:tnLst>
+      <p:par>
+        <p:cTn id="1" dur="indefinite" restart="never" nodeType="tmRoot"/>
+      </p:par>
+    </p:tnLst>
+  </p:timing>
 </p:sld>
 </file>
 
-<file path=ppt/slides/slide8.xml><?xml version="1.0" encoding="utf-8"?>
-<p:sld xmlns:a="http://schemas.openxmlformats.org/drawingml/2006/main" xmlns:r="http://schemas.openxmlformats.org/officeDocument/2006/relationships" xmlns:mc="http://schemas.openxmlformats.org/markup-compatibility/2006" xmlns:mv="urn:schemas-microsoft-com:mac:vml" xmlns:p="http://schemas.openxmlformats.org/presentationml/2006/main" mc:Ignorable="mv" mc:PreserveAttributes="mv:*">
+<file path=ppt/slides/slide5.xml><?xml version="1.0" encoding="utf-8"?>
+<p:sld xmlns:a="http://schemas.openxmlformats.org/drawingml/2006/main" xmlns:r="http://schemas.openxmlformats.org/officeDocument/2006/relationships" xmlns:p="http://schemas.openxmlformats.org/presentationml/2006/main">
   <p:cSld>
     <p:spTree>
       <p:nvGrpSpPr>
@@ -6635,11 +7568,11 @@
           <a:p>
             <a:r>
               <a:rPr lang="fr-FR" dirty="0" smtClean="0"/>
-              <a:t>Classe</a:t>
-            </a:r>
-            <a:r>
-              <a:rPr lang="fr-FR" dirty="0" smtClean="0"/>
-              <a:t> Price</a:t>
+              <a:t>Classe </a:t>
+            </a:r>
+            <a:r>
+              <a:rPr lang="fr-FR" dirty="0" err="1" smtClean="0"/>
+              <a:t>EasyBid</a:t>
             </a:r>
             <a:endParaRPr lang="fr-FR" dirty="0"/>
           </a:p>
@@ -6657,105 +7590,235 @@
         </p:nvSpPr>
         <p:spPr/>
         <p:txBody>
-          <a:bodyPr/>
+          <a:bodyPr>
+            <a:normAutofit fontScale="92500" lnSpcReduction="10000"/>
+          </a:bodyPr>
           <a:lstStyle/>
           <a:p>
             <a:pPr>
+              <a:spcAft>
+                <a:spcPts val="1200"/>
+              </a:spcAft>
               <a:buNone/>
             </a:pPr>
             <a:r>
+              <a:rPr lang="fr-FR" dirty="0" smtClean="0"/>
+              <a:t>Cette classe contient notre IHM, elle gère donc la durée de vie du programme. Elle propose à l’homme plusieurs services : </a:t>
+            </a:r>
+            <a:br>
+              <a:rPr lang="fr-FR" dirty="0" smtClean="0"/>
+            </a:br>
+            <a:r>
               <a:rPr lang="fr-FR" dirty="0" smtClean="0">
                 <a:solidFill>
-                  <a:schemeClr val="tx1"/>
+                  <a:srgbClr val="000000"/>
                 </a:solidFill>
               </a:rPr>
-              <a:t>	La classe Price gère les prix venant des monnaies de l’énumération </a:t>
-            </a:r>
-            <a:r>
-              <a:rPr lang="fr-FR" dirty="0" err="1" smtClean="0">
-                <a:solidFill>
-                  <a:schemeClr val="tx1"/>
+              <a:t>-</a:t>
+            </a:r>
+            <a:r>
+              <a:rPr lang="fr-FR" dirty="0" smtClean="0"/>
+              <a:t> </a:t>
+            </a:r>
+            <a:r>
+              <a:rPr lang="fr-FR" dirty="0" smtClean="0">
+                <a:solidFill>
+                  <a:srgbClr val="000000"/>
                 </a:solidFill>
               </a:rPr>
-              <a:t>Currency</a:t>
-            </a:r>
-            <a:r>
-              <a:rPr lang="fr-FR" dirty="0" smtClean="0">
-                <a:solidFill>
-                  <a:schemeClr val="tx1"/>
-                </a:solidFill>
-              </a:rPr>
-              <a:t>. </a:t>
-            </a:r>
-          </a:p>
-          <a:p>
-            <a:pPr>
-              <a:buNone/>
-            </a:pPr>
-            <a:r>
-              <a:rPr lang="fr-FR" dirty="0" smtClean="0">
-                <a:solidFill>
-                  <a:schemeClr val="tx1"/>
-                </a:solidFill>
-              </a:rPr>
-              <a:t>Méthodes</a:t>
-            </a:r>
-          </a:p>
-          <a:p>
-            <a:pPr>
-              <a:buNone/>
-            </a:pPr>
-            <a:r>
-              <a:rPr lang="fr-FR" dirty="0" smtClean="0">
-                <a:solidFill>
-                  <a:schemeClr val="tx1"/>
-                </a:solidFill>
-              </a:rPr>
-              <a:t>	- Ajouter ou Retirer de l’argent</a:t>
+              <a:t>Création d’un nouvel utilisateur </a:t>
             </a:r>
             <a:br>
               <a:rPr lang="fr-FR" dirty="0" smtClean="0">
                 <a:solidFill>
-                  <a:schemeClr val="tx1"/>
+                  <a:srgbClr val="000000"/>
                 </a:solidFill>
               </a:rPr>
             </a:br>
             <a:r>
               <a:rPr lang="fr-FR" dirty="0" smtClean="0">
                 <a:solidFill>
-                  <a:schemeClr val="tx1"/>
+                  <a:srgbClr val="000000"/>
                 </a:solidFill>
               </a:rPr>
-              <a:t>- Conversion d’un prix en</a:t>
-            </a:r>
-            <a:r>
-              <a:rPr lang="fr-FR" dirty="0" smtClean="0">
-                <a:solidFill>
-                  <a:schemeClr val="tx1"/>
-                </a:solidFill>
-              </a:rPr>
-              <a:t> une autre monnaie</a:t>
+              <a:t>- Possibilité de se connecter </a:t>
             </a:r>
             <a:br>
               <a:rPr lang="fr-FR" dirty="0" smtClean="0">
                 <a:solidFill>
-                  <a:schemeClr val="tx1"/>
+                  <a:srgbClr val="000000"/>
                 </a:solidFill>
               </a:rPr>
             </a:br>
             <a:r>
               <a:rPr lang="fr-FR" dirty="0" smtClean="0">
                 <a:solidFill>
+                  <a:srgbClr val="000000"/>
+                </a:solidFill>
+              </a:rPr>
+              <a:t>- Accès à la liste des utilisateurs du système</a:t>
+            </a:r>
+            <a:br>
+              <a:rPr lang="fr-FR" dirty="0" smtClean="0">
+                <a:solidFill>
+                  <a:srgbClr val="000000"/>
+                </a:solidFill>
+              </a:rPr>
+            </a:br>
+            <a:r>
+              <a:rPr lang="fr-FR" dirty="0" smtClean="0">
+                <a:solidFill>
+                  <a:srgbClr val="000000"/>
+                </a:solidFill>
+              </a:rPr>
+              <a:t>- Accès à sa liste de produits personnels</a:t>
+            </a:r>
+            <a:br>
+              <a:rPr lang="fr-FR" dirty="0" smtClean="0">
+                <a:solidFill>
+                  <a:srgbClr val="000000"/>
+                </a:solidFill>
+              </a:rPr>
+            </a:br>
+            <a:r>
+              <a:rPr lang="fr-FR" dirty="0" smtClean="0">
+                <a:solidFill>
+                  <a:srgbClr val="000000"/>
+                </a:solidFill>
+              </a:rPr>
+              <a:t>- Création d’un nouveau </a:t>
+            </a:r>
+            <a:r>
+              <a:rPr lang="fr-FR" dirty="0" smtClean="0">
+                <a:solidFill>
+                  <a:srgbClr val="000000"/>
+                </a:solidFill>
+              </a:rPr>
+              <a:t>produit</a:t>
+            </a:r>
+            <a:br>
+              <a:rPr lang="fr-FR" dirty="0" smtClean="0">
+                <a:solidFill>
+                  <a:srgbClr val="000000"/>
+                </a:solidFill>
+              </a:rPr>
+            </a:br>
+            <a:r>
+              <a:rPr lang="fr-FR" dirty="0" smtClean="0">
+                <a:solidFill>
+                  <a:srgbClr val="000000"/>
+                </a:solidFill>
+              </a:rPr>
+              <a:t>- </a:t>
+            </a:r>
+            <a:r>
+              <a:rPr lang="fr-FR" dirty="0">
+                <a:solidFill>
                   <a:schemeClr val="tx1"/>
                 </a:solidFill>
               </a:rPr>
-              <a:t>- Dire si le prix courant est supérieur au prix proposé</a:t>
-            </a:r>
-            <a:endParaRPr lang="fr-FR" dirty="0" smtClean="0">
-              <a:solidFill>
-                <a:schemeClr val="tx1"/>
-              </a:solidFill>
-            </a:endParaRPr>
+              <a:t>Publication d’un produit de sa liste personnelle en </a:t>
+            </a:r>
+            <a:r>
+              <a:rPr lang="fr-FR" dirty="0" smtClean="0">
+                <a:solidFill>
+                  <a:schemeClr val="tx1"/>
+                </a:solidFill>
+              </a:rPr>
+              <a:t>enchère</a:t>
+            </a:r>
+            <a:r>
+              <a:rPr lang="fr-FR" dirty="0" smtClean="0">
+                <a:solidFill>
+                  <a:schemeClr val="tx1"/>
+                </a:solidFill>
+              </a:rPr>
+              <a:t/>
+            </a:r>
+            <a:br>
+              <a:rPr lang="fr-FR" dirty="0" smtClean="0">
+                <a:solidFill>
+                  <a:schemeClr val="tx1"/>
+                </a:solidFill>
+              </a:rPr>
+            </a:br>
+            <a:r>
+              <a:rPr lang="fr-FR" dirty="0" smtClean="0">
+                <a:solidFill>
+                  <a:schemeClr val="tx1"/>
+                </a:solidFill>
+              </a:rPr>
+              <a:t>- Emission d’une offre sur un produit qui n’est pas le sien</a:t>
+            </a:r>
+            <a:br>
+              <a:rPr lang="fr-FR" dirty="0" smtClean="0">
+                <a:solidFill>
+                  <a:schemeClr val="tx1"/>
+                </a:solidFill>
+              </a:rPr>
+            </a:br>
+            <a:r>
+              <a:rPr lang="fr-FR" dirty="0" smtClean="0">
+                <a:solidFill>
+                  <a:schemeClr val="tx1"/>
+                </a:solidFill>
+              </a:rPr>
+              <a:t>- Suppression d’un de ses produits</a:t>
+            </a:r>
+            <a:br>
+              <a:rPr lang="fr-FR" dirty="0" smtClean="0">
+                <a:solidFill>
+                  <a:schemeClr val="tx1"/>
+                </a:solidFill>
+              </a:rPr>
+            </a:br>
+            <a:r>
+              <a:rPr lang="fr-FR" dirty="0" smtClean="0">
+                <a:solidFill>
+                  <a:schemeClr val="tx1"/>
+                </a:solidFill>
+              </a:rPr>
+              <a:t>- Suppression de son compte utilisateur</a:t>
+            </a:r>
+            <a:br>
+              <a:rPr lang="fr-FR" dirty="0" smtClean="0">
+                <a:solidFill>
+                  <a:schemeClr val="tx1"/>
+                </a:solidFill>
+              </a:rPr>
+            </a:br>
+            <a:r>
+              <a:rPr lang="fr-FR" dirty="0" smtClean="0">
+                <a:solidFill>
+                  <a:schemeClr val="tx1"/>
+                </a:solidFill>
+              </a:rPr>
+              <a:t>- Possibilité de se déconnecter</a:t>
+            </a:r>
+            <a:br>
+              <a:rPr lang="fr-FR" dirty="0" smtClean="0">
+                <a:solidFill>
+                  <a:schemeClr val="tx1"/>
+                </a:solidFill>
+              </a:rPr>
+            </a:br>
+            <a:r>
+              <a:rPr lang="fr-FR" dirty="0" smtClean="0">
+                <a:solidFill>
+                  <a:schemeClr val="tx1"/>
+                </a:solidFill>
+              </a:rPr>
+              <a:t>- Possibilité de quitter le programme</a:t>
+            </a:r>
+            <a:r>
+              <a:rPr lang="fr-FR" dirty="0" smtClean="0">
+                <a:solidFill>
+                  <a:srgbClr val="000000"/>
+                </a:solidFill>
+              </a:rPr>
+              <a:t> </a:t>
+            </a:r>
+            <a:endParaRPr lang="fr-FR" dirty="0"/>
           </a:p>
         </p:txBody>
       </p:sp>
@@ -6799,7 +7862,7 @@
           <a:p>
             <a:fld id="{6A5E4927-E38B-CA4F-8043-983A6C4FF18B}" type="slidenum">
               <a:rPr lang="fr-FR" smtClean="0"/>
-              <a:t>8</a:t>
+              <a:t>5</a:t>
             </a:fld>
             <a:endParaRPr lang="fr-FR"/>
           </a:p>
@@ -6810,11 +7873,18 @@
   <p:clrMapOvr>
     <a:masterClrMapping/>
   </p:clrMapOvr>
+  <p:timing>
+    <p:tnLst>
+      <p:par>
+        <p:cTn id="1" dur="indefinite" restart="never" nodeType="tmRoot"/>
+      </p:par>
+    </p:tnLst>
+  </p:timing>
 </p:sld>
 </file>
 
-<file path=ppt/slides/slide9.xml><?xml version="1.0" encoding="utf-8"?>
-<p:sld xmlns:a="http://schemas.openxmlformats.org/drawingml/2006/main" xmlns:r="http://schemas.openxmlformats.org/officeDocument/2006/relationships" xmlns:mc="http://schemas.openxmlformats.org/markup-compatibility/2006" xmlns:mv="urn:schemas-microsoft-com:mac:vml" xmlns:p="http://schemas.openxmlformats.org/presentationml/2006/main" mc:Ignorable="mv" mc:PreserveAttributes="mv:*">
+<file path=ppt/slides/slide6.xml><?xml version="1.0" encoding="utf-8"?>
+<p:sld xmlns:a="http://schemas.openxmlformats.org/drawingml/2006/main" xmlns:r="http://schemas.openxmlformats.org/officeDocument/2006/relationships" xmlns:p="http://schemas.openxmlformats.org/presentationml/2006/main">
   <p:cSld>
     <p:spTree>
       <p:nvGrpSpPr>
@@ -6847,199 +7917,89 @@
           <a:p>
             <a:r>
               <a:rPr lang="fr-FR" dirty="0" smtClean="0"/>
-              <a:t>Énumération </a:t>
-            </a:r>
+              <a:t>Package environnement</a:t>
+            </a:r>
+            <a:endParaRPr lang="fr-FR" dirty="0"/>
+          </a:p>
+        </p:txBody>
+      </p:sp>
+      <p:sp>
+        <p:nvSpPr>
+          <p:cNvPr id="3" name="Espace réservé du contenu 2"/>
+          <p:cNvSpPr>
+            <a:spLocks noGrp="1"/>
+          </p:cNvSpPr>
+          <p:nvPr>
+            <p:ph idx="1"/>
+          </p:nvPr>
+        </p:nvSpPr>
+        <p:spPr/>
+        <p:txBody>
+          <a:bodyPr/>
+          <a:lstStyle/>
+          <a:p>
+            <a:r>
+              <a:rPr lang="fr-FR" dirty="0" smtClean="0"/>
+              <a:t>Package qui regroupe les classes de fonctionnement interne de </a:t>
+            </a:r>
+            <a:r>
+              <a:rPr lang="fr-FR" dirty="0" err="1" smtClean="0"/>
+              <a:t>EasyBid</a:t>
+            </a:r>
+            <a:r>
+              <a:rPr lang="fr-FR" dirty="0" smtClean="0"/>
+              <a:t>. Il permet de d’effectuer les actions d’offres et d’échanges lors que celles-ci sont demandées.</a:t>
+            </a:r>
+          </a:p>
+          <a:p>
+            <a:r>
+              <a:rPr lang="fr-FR" dirty="0" smtClean="0"/>
+              <a:t>environnement</a:t>
+            </a:r>
+          </a:p>
+          <a:p>
+            <a:pPr lvl="1"/>
+            <a:r>
+              <a:rPr lang="fr-FR" dirty="0" err="1" smtClean="0"/>
+              <a:t>AuctionHall</a:t>
+            </a:r>
+            <a:endParaRPr lang="fr-FR" dirty="0" smtClean="0"/>
+          </a:p>
+          <a:p>
+            <a:pPr lvl="1"/>
+            <a:r>
+              <a:rPr lang="fr-FR" dirty="0" err="1" smtClean="0"/>
+              <a:t>BidTimer</a:t>
+            </a:r>
+            <a:endParaRPr lang="fr-FR" dirty="0" smtClean="0"/>
+          </a:p>
+          <a:p>
+            <a:pPr lvl="1"/>
             <a:r>
               <a:rPr lang="fr-FR" dirty="0" err="1" smtClean="0"/>
               <a:t>Currency</a:t>
             </a:r>
+            <a:endParaRPr lang="fr-FR" dirty="0" smtClean="0"/>
+          </a:p>
+          <a:p>
+            <a:pPr lvl="1"/>
+            <a:r>
+              <a:rPr lang="fr-FR" dirty="0" smtClean="0"/>
+              <a:t>Price</a:t>
+            </a:r>
+          </a:p>
+          <a:p>
+            <a:pPr lvl="1"/>
+            <a:r>
+              <a:rPr lang="fr-FR" dirty="0" smtClean="0"/>
+              <a:t>Product </a:t>
+            </a:r>
             <a:endParaRPr lang="fr-FR" dirty="0"/>
           </a:p>
         </p:txBody>
       </p:sp>
       <p:sp>
         <p:nvSpPr>
-          <p:cNvPr id="3" name="Espace réservé du contenu 2"/>
-          <p:cNvSpPr>
-            <a:spLocks noGrp="1"/>
-          </p:cNvSpPr>
-          <p:nvPr>
-            <p:ph idx="1"/>
-          </p:nvPr>
-        </p:nvSpPr>
-        <p:spPr/>
-        <p:txBody>
-          <a:bodyPr/>
-          <a:lstStyle/>
-          <a:p>
-            <a:r>
-              <a:rPr lang="fr-FR" dirty="0" smtClean="0"/>
-              <a:t>Cette énumération </a:t>
-            </a:r>
-            <a:r>
-              <a:rPr lang="fr-FR" dirty="0" smtClean="0">
-                <a:solidFill>
-                  <a:schemeClr val="tx1"/>
-                </a:solidFill>
-              </a:rPr>
-              <a:t>définit les </a:t>
-            </a:r>
-            <a:r>
-              <a:rPr lang="fr-FR" dirty="0" smtClean="0">
-                <a:solidFill>
-                  <a:schemeClr val="tx1"/>
-                </a:solidFill>
-              </a:rPr>
-              <a:t>quatre types de monnaies</a:t>
-            </a:r>
-            <a:r>
-              <a:rPr lang="fr-FR" dirty="0" smtClean="0">
-                <a:solidFill>
-                  <a:schemeClr val="tx1"/>
-                </a:solidFill>
-              </a:rPr>
-              <a:t> que nous avons intégré dans </a:t>
-            </a:r>
-            <a:r>
-              <a:rPr lang="fr-FR" dirty="0" smtClean="0">
-                <a:solidFill>
-                  <a:schemeClr val="tx1"/>
-                </a:solidFill>
-              </a:rPr>
-              <a:t>notre système d’enchère ainsi que leur taux de change par rapport à </a:t>
-            </a:r>
-            <a:r>
-              <a:rPr lang="fr-FR" dirty="0" smtClean="0">
-                <a:solidFill>
-                  <a:schemeClr val="tx1"/>
-                </a:solidFill>
-              </a:rPr>
-              <a:t>l’Euro.</a:t>
-            </a:r>
-          </a:p>
-          <a:p>
-            <a:r>
-              <a:rPr lang="fr-FR" dirty="0" smtClean="0">
-                <a:solidFill>
-                  <a:schemeClr val="tx1"/>
-                </a:solidFill>
-              </a:rPr>
-              <a:t>Valeurs de </a:t>
-            </a:r>
-            <a:r>
-              <a:rPr lang="fr-FR" dirty="0" err="1" smtClean="0">
-                <a:solidFill>
-                  <a:schemeClr val="tx1"/>
-                </a:solidFill>
-              </a:rPr>
-              <a:t>Currency</a:t>
-            </a:r>
-            <a:r>
-              <a:rPr lang="fr-FR" dirty="0" smtClean="0">
-                <a:solidFill>
-                  <a:schemeClr val="tx1"/>
-                </a:solidFill>
-              </a:rPr>
-              <a:t>:</a:t>
-            </a:r>
-          </a:p>
-          <a:p>
-            <a:pPr lvl="1"/>
-            <a:r>
-              <a:rPr lang="fr-FR" dirty="0" smtClean="0">
-                <a:solidFill>
-                  <a:schemeClr val="tx1"/>
-                </a:solidFill>
-              </a:rPr>
-              <a:t>EURO (taux de 1)</a:t>
-            </a:r>
-          </a:p>
-          <a:p>
-            <a:pPr lvl="1"/>
-            <a:r>
-              <a:rPr lang="fr-FR" dirty="0" smtClean="0">
-                <a:solidFill>
-                  <a:schemeClr val="tx1"/>
-                </a:solidFill>
-              </a:rPr>
-              <a:t>LIVRE </a:t>
-            </a:r>
-            <a:r>
-              <a:rPr lang="fr-FR" dirty="0" smtClean="0">
-                <a:solidFill>
-                  <a:schemeClr val="tx1"/>
-                </a:solidFill>
-              </a:rPr>
-              <a:t>(taux de</a:t>
-            </a:r>
-            <a:r>
-              <a:rPr lang="fr-FR" dirty="0" smtClean="0">
-                <a:solidFill>
-                  <a:schemeClr val="tx1"/>
-                </a:solidFill>
-              </a:rPr>
-              <a:t> 0.824)</a:t>
-            </a:r>
-          </a:p>
-          <a:p>
-            <a:pPr lvl="1"/>
-            <a:r>
-              <a:rPr lang="fr-FR" dirty="0" smtClean="0">
-                <a:solidFill>
-                  <a:schemeClr val="tx1"/>
-                </a:solidFill>
-              </a:rPr>
-              <a:t>DOLLARD </a:t>
-            </a:r>
-            <a:r>
-              <a:rPr lang="fr-FR" dirty="0" smtClean="0">
-                <a:solidFill>
-                  <a:schemeClr val="tx1"/>
-                </a:solidFill>
-              </a:rPr>
-              <a:t>(taux de </a:t>
-            </a:r>
-            <a:r>
-              <a:rPr lang="fr-FR" dirty="0" smtClean="0">
-                <a:solidFill>
-                  <a:schemeClr val="tx1"/>
-                </a:solidFill>
-              </a:rPr>
-              <a:t>1.375)</a:t>
-            </a:r>
-          </a:p>
-          <a:p>
-            <a:pPr lvl="1"/>
-            <a:r>
-              <a:rPr lang="fr-FR" dirty="0" smtClean="0">
-                <a:solidFill>
-                  <a:schemeClr val="tx1"/>
-                </a:solidFill>
-              </a:rPr>
-              <a:t>YEN (</a:t>
-            </a:r>
-            <a:r>
-              <a:rPr lang="fr-FR" dirty="0" smtClean="0">
-                <a:solidFill>
-                  <a:schemeClr val="tx1"/>
-                </a:solidFill>
-              </a:rPr>
-              <a:t>taux de</a:t>
-            </a:r>
-            <a:r>
-              <a:rPr lang="fr-FR" dirty="0" smtClean="0">
-                <a:solidFill>
-                  <a:schemeClr val="tx1"/>
-                </a:solidFill>
-              </a:rPr>
-              <a:t> 140.483) </a:t>
-            </a:r>
-            <a:endParaRPr lang="fr-FR" dirty="0"/>
-          </a:p>
-        </p:txBody>
-      </p:sp>
-      <p:sp>
-        <p:nvSpPr>
           <p:cNvPr id="4" name="Espace réservé du pied de page 3"/>
           <p:cNvSpPr>
             <a:spLocks noGrp="1"/>
@@ -7078,7 +8038,7 @@
           <a:p>
             <a:fld id="{6A5E4927-E38B-CA4F-8043-983A6C4FF18B}" type="slidenum">
               <a:rPr lang="fr-FR" smtClean="0"/>
-              <a:t>9</a:t>
+              <a:t>6</a:t>
             </a:fld>
             <a:endParaRPr lang="fr-FR"/>
           </a:p>
@@ -7089,6 +8049,601 @@
   <p:clrMapOvr>
     <a:masterClrMapping/>
   </p:clrMapOvr>
+  <p:timing>
+    <p:tnLst>
+      <p:par>
+        <p:cTn id="1" dur="indefinite" restart="never" nodeType="tmRoot"/>
+      </p:par>
+    </p:tnLst>
+  </p:timing>
+</p:sld>
+</file>
+
+<file path=ppt/slides/slide7.xml><?xml version="1.0" encoding="utf-8"?>
+<p:sld xmlns:a="http://schemas.openxmlformats.org/drawingml/2006/main" xmlns:r="http://schemas.openxmlformats.org/officeDocument/2006/relationships" xmlns:p="http://schemas.openxmlformats.org/presentationml/2006/main">
+  <p:cSld>
+    <p:spTree>
+      <p:nvGrpSpPr>
+        <p:cNvPr id="1" name=""/>
+        <p:cNvGrpSpPr/>
+        <p:nvPr/>
+      </p:nvGrpSpPr>
+      <p:grpSpPr>
+        <a:xfrm>
+          <a:off x="0" y="0"/>
+          <a:ext cx="0" cy="0"/>
+          <a:chOff x="0" y="0"/>
+          <a:chExt cx="0" cy="0"/>
+        </a:xfrm>
+      </p:grpSpPr>
+      <p:sp>
+        <p:nvSpPr>
+          <p:cNvPr id="2" name="Titre 1"/>
+          <p:cNvSpPr>
+            <a:spLocks noGrp="1"/>
+          </p:cNvSpPr>
+          <p:nvPr>
+            <p:ph type="title"/>
+          </p:nvPr>
+        </p:nvSpPr>
+        <p:spPr/>
+        <p:txBody>
+          <a:bodyPr/>
+          <a:lstStyle/>
+          <a:p>
+            <a:r>
+              <a:rPr lang="fr-FR" dirty="0" smtClean="0"/>
+              <a:t>Classe </a:t>
+            </a:r>
+            <a:r>
+              <a:rPr lang="fr-FR" dirty="0" err="1" smtClean="0"/>
+              <a:t>AuctionHall</a:t>
+            </a:r>
+            <a:endParaRPr lang="fr-FR" dirty="0"/>
+          </a:p>
+        </p:txBody>
+      </p:sp>
+      <p:sp>
+        <p:nvSpPr>
+          <p:cNvPr id="3" name="Espace réservé du contenu 2"/>
+          <p:cNvSpPr>
+            <a:spLocks noGrp="1"/>
+          </p:cNvSpPr>
+          <p:nvPr>
+            <p:ph idx="1"/>
+          </p:nvPr>
+        </p:nvSpPr>
+        <p:spPr/>
+        <p:txBody>
+          <a:bodyPr/>
+          <a:lstStyle/>
+          <a:p>
+            <a:pPr>
+              <a:buNone/>
+            </a:pPr>
+            <a:r>
+              <a:rPr lang="fr-FR" dirty="0" smtClean="0">
+                <a:solidFill>
+                  <a:schemeClr val="tx1"/>
+                </a:solidFill>
+              </a:rPr>
+              <a:t>Cette classe comptabilise tous les utilisateurs et les produits en vente dans deux listes. Elle dispose de méthodes de manipulation de ces listes :</a:t>
+            </a:r>
+            <a:br>
+              <a:rPr lang="fr-FR" dirty="0" smtClean="0">
+                <a:solidFill>
+                  <a:schemeClr val="tx1"/>
+                </a:solidFill>
+              </a:rPr>
+            </a:br>
+            <a:r>
+              <a:rPr lang="fr-FR" dirty="0" smtClean="0">
+                <a:solidFill>
+                  <a:schemeClr val="tx1"/>
+                </a:solidFill>
+              </a:rPr>
+              <a:t>- Ajout et Suppression d’un utilisateur présent dans la liste</a:t>
+            </a:r>
+            <a:br>
+              <a:rPr lang="fr-FR" dirty="0" smtClean="0">
+                <a:solidFill>
+                  <a:schemeClr val="tx1"/>
+                </a:solidFill>
+              </a:rPr>
+            </a:br>
+            <a:r>
+              <a:rPr lang="fr-FR" dirty="0" smtClean="0">
+                <a:solidFill>
+                  <a:schemeClr val="tx1"/>
+                </a:solidFill>
+              </a:rPr>
+              <a:t>- Ajout et Suppression d’un produit présent dans la liste</a:t>
+            </a:r>
+          </a:p>
+          <a:p>
+            <a:pPr>
+              <a:buNone/>
+            </a:pPr>
+            <a:r>
+              <a:rPr lang="fr-FR" dirty="0" smtClean="0">
+                <a:solidFill>
+                  <a:schemeClr val="tx1"/>
+                </a:solidFill>
+              </a:rPr>
+              <a:t>Cette classe suppose que ses méthodes seront appelées avec des arguments valides et que l’appelant doit vérifier cette validité.</a:t>
+            </a:r>
+          </a:p>
+          <a:p>
+            <a:endParaRPr lang="fr-FR" dirty="0"/>
+          </a:p>
+        </p:txBody>
+      </p:sp>
+      <p:sp>
+        <p:nvSpPr>
+          <p:cNvPr id="4" name="Espace réservé du pied de page 3"/>
+          <p:cNvSpPr>
+            <a:spLocks noGrp="1"/>
+          </p:cNvSpPr>
+          <p:nvPr>
+            <p:ph type="ftr" sz="quarter" idx="11"/>
+          </p:nvPr>
+        </p:nvSpPr>
+        <p:spPr/>
+        <p:txBody>
+          <a:bodyPr/>
+          <a:lstStyle/>
+          <a:p>
+            <a:r>
+              <a:rPr lang="fr-FR" smtClean="0"/>
+              <a:t>Conception et architecture Orientées Objet</a:t>
+            </a:r>
+            <a:endParaRPr lang="fr-FR"/>
+          </a:p>
+        </p:txBody>
+      </p:sp>
+      <p:sp>
+        <p:nvSpPr>
+          <p:cNvPr id="5" name="Espace réservé du numéro de diapositive 4"/>
+          <p:cNvSpPr>
+            <a:spLocks noGrp="1"/>
+          </p:cNvSpPr>
+          <p:nvPr>
+            <p:ph type="sldNum" sz="quarter" idx="12"/>
+          </p:nvPr>
+        </p:nvSpPr>
+        <p:spPr/>
+        <p:txBody>
+          <a:bodyPr/>
+          <a:lstStyle/>
+          <a:p>
+            <a:fld id="{6A5E4927-E38B-CA4F-8043-983A6C4FF18B}" type="slidenum">
+              <a:rPr lang="fr-FR" smtClean="0"/>
+              <a:t>7</a:t>
+            </a:fld>
+            <a:endParaRPr lang="fr-FR"/>
+          </a:p>
+        </p:txBody>
+      </p:sp>
+    </p:spTree>
+  </p:cSld>
+  <p:clrMapOvr>
+    <a:masterClrMapping/>
+  </p:clrMapOvr>
+  <p:timing>
+    <p:tnLst>
+      <p:par>
+        <p:cTn id="1" dur="indefinite" restart="never" nodeType="tmRoot"/>
+      </p:par>
+    </p:tnLst>
+  </p:timing>
+</p:sld>
+</file>
+
+<file path=ppt/slides/slide8.xml><?xml version="1.0" encoding="utf-8"?>
+<p:sld xmlns:a="http://schemas.openxmlformats.org/drawingml/2006/main" xmlns:r="http://schemas.openxmlformats.org/officeDocument/2006/relationships" xmlns:p="http://schemas.openxmlformats.org/presentationml/2006/main">
+  <p:cSld>
+    <p:spTree>
+      <p:nvGrpSpPr>
+        <p:cNvPr id="1" name=""/>
+        <p:cNvGrpSpPr/>
+        <p:nvPr/>
+      </p:nvGrpSpPr>
+      <p:grpSpPr>
+        <a:xfrm>
+          <a:off x="0" y="0"/>
+          <a:ext cx="0" cy="0"/>
+          <a:chOff x="0" y="0"/>
+          <a:chExt cx="0" cy="0"/>
+        </a:xfrm>
+      </p:grpSpPr>
+      <p:sp>
+        <p:nvSpPr>
+          <p:cNvPr id="2" name="Titre 1"/>
+          <p:cNvSpPr>
+            <a:spLocks noGrp="1"/>
+          </p:cNvSpPr>
+          <p:nvPr>
+            <p:ph type="title"/>
+          </p:nvPr>
+        </p:nvSpPr>
+        <p:spPr/>
+        <p:txBody>
+          <a:bodyPr/>
+          <a:lstStyle/>
+          <a:p>
+            <a:r>
+              <a:rPr lang="fr-FR" dirty="0" smtClean="0"/>
+              <a:t>Classe Price</a:t>
+            </a:r>
+            <a:endParaRPr lang="fr-FR" dirty="0"/>
+          </a:p>
+        </p:txBody>
+      </p:sp>
+      <p:sp>
+        <p:nvSpPr>
+          <p:cNvPr id="3" name="Espace réservé du contenu 2"/>
+          <p:cNvSpPr>
+            <a:spLocks noGrp="1"/>
+          </p:cNvSpPr>
+          <p:nvPr>
+            <p:ph idx="1"/>
+          </p:nvPr>
+        </p:nvSpPr>
+        <p:spPr/>
+        <p:txBody>
+          <a:bodyPr/>
+          <a:lstStyle/>
+          <a:p>
+            <a:pPr>
+              <a:buNone/>
+            </a:pPr>
+            <a:r>
+              <a:rPr lang="fr-FR" dirty="0" smtClean="0">
+                <a:solidFill>
+                  <a:schemeClr val="tx1"/>
+                </a:solidFill>
+              </a:rPr>
+              <a:t>	La classe Price gère les prix venant des monnaies de l’énumération </a:t>
+            </a:r>
+            <a:r>
+              <a:rPr lang="fr-FR" dirty="0" err="1" smtClean="0">
+                <a:solidFill>
+                  <a:schemeClr val="tx1"/>
+                </a:solidFill>
+              </a:rPr>
+              <a:t>Currency</a:t>
+            </a:r>
+            <a:r>
+              <a:rPr lang="fr-FR" dirty="0" smtClean="0">
+                <a:solidFill>
+                  <a:schemeClr val="tx1"/>
+                </a:solidFill>
+              </a:rPr>
+              <a:t>. </a:t>
+            </a:r>
+          </a:p>
+          <a:p>
+            <a:pPr>
+              <a:buNone/>
+            </a:pPr>
+            <a:r>
+              <a:rPr lang="fr-FR" dirty="0" smtClean="0">
+                <a:solidFill>
+                  <a:schemeClr val="tx1"/>
+                </a:solidFill>
+              </a:rPr>
+              <a:t>Méthodes</a:t>
+            </a:r>
+          </a:p>
+          <a:p>
+            <a:pPr>
+              <a:buNone/>
+            </a:pPr>
+            <a:r>
+              <a:rPr lang="fr-FR" dirty="0" smtClean="0">
+                <a:solidFill>
+                  <a:schemeClr val="tx1"/>
+                </a:solidFill>
+              </a:rPr>
+              <a:t>	- Ajouter ou Retirer de l’argent</a:t>
+            </a:r>
+            <a:br>
+              <a:rPr lang="fr-FR" dirty="0" smtClean="0">
+                <a:solidFill>
+                  <a:schemeClr val="tx1"/>
+                </a:solidFill>
+              </a:rPr>
+            </a:br>
+            <a:r>
+              <a:rPr lang="fr-FR" dirty="0" smtClean="0">
+                <a:solidFill>
+                  <a:schemeClr val="tx1"/>
+                </a:solidFill>
+              </a:rPr>
+              <a:t>- Conversion d’un prix en une autre monnaie</a:t>
+            </a:r>
+            <a:br>
+              <a:rPr lang="fr-FR" dirty="0" smtClean="0">
+                <a:solidFill>
+                  <a:schemeClr val="tx1"/>
+                </a:solidFill>
+              </a:rPr>
+            </a:br>
+            <a:r>
+              <a:rPr lang="fr-FR" dirty="0" smtClean="0">
+                <a:solidFill>
+                  <a:schemeClr val="tx1"/>
+                </a:solidFill>
+              </a:rPr>
+              <a:t>- Dire si le prix courant est supérieur au prix proposé</a:t>
+            </a:r>
+          </a:p>
+        </p:txBody>
+      </p:sp>
+      <p:sp>
+        <p:nvSpPr>
+          <p:cNvPr id="4" name="Espace réservé du pied de page 3"/>
+          <p:cNvSpPr>
+            <a:spLocks noGrp="1"/>
+          </p:cNvSpPr>
+          <p:nvPr>
+            <p:ph type="ftr" sz="quarter" idx="11"/>
+          </p:nvPr>
+        </p:nvSpPr>
+        <p:spPr/>
+        <p:txBody>
+          <a:bodyPr/>
+          <a:lstStyle/>
+          <a:p>
+            <a:r>
+              <a:rPr lang="fr-FR" smtClean="0"/>
+              <a:t>Conception et architecture Orientées Objet</a:t>
+            </a:r>
+            <a:endParaRPr lang="fr-FR"/>
+          </a:p>
+        </p:txBody>
+      </p:sp>
+      <p:sp>
+        <p:nvSpPr>
+          <p:cNvPr id="5" name="Espace réservé du numéro de diapositive 4"/>
+          <p:cNvSpPr>
+            <a:spLocks noGrp="1"/>
+          </p:cNvSpPr>
+          <p:nvPr>
+            <p:ph type="sldNum" sz="quarter" idx="12"/>
+          </p:nvPr>
+        </p:nvSpPr>
+        <p:spPr/>
+        <p:txBody>
+          <a:bodyPr/>
+          <a:lstStyle/>
+          <a:p>
+            <a:fld id="{6A5E4927-E38B-CA4F-8043-983A6C4FF18B}" type="slidenum">
+              <a:rPr lang="fr-FR" smtClean="0"/>
+              <a:t>8</a:t>
+            </a:fld>
+            <a:endParaRPr lang="fr-FR"/>
+          </a:p>
+        </p:txBody>
+      </p:sp>
+    </p:spTree>
+  </p:cSld>
+  <p:clrMapOvr>
+    <a:masterClrMapping/>
+  </p:clrMapOvr>
+  <p:timing>
+    <p:tnLst>
+      <p:par>
+        <p:cTn id="1" dur="indefinite" restart="never" nodeType="tmRoot"/>
+      </p:par>
+    </p:tnLst>
+  </p:timing>
+</p:sld>
+</file>
+
+<file path=ppt/slides/slide9.xml><?xml version="1.0" encoding="utf-8"?>
+<p:sld xmlns:a="http://schemas.openxmlformats.org/drawingml/2006/main" xmlns:r="http://schemas.openxmlformats.org/officeDocument/2006/relationships" xmlns:p="http://schemas.openxmlformats.org/presentationml/2006/main">
+  <p:cSld>
+    <p:spTree>
+      <p:nvGrpSpPr>
+        <p:cNvPr id="1" name=""/>
+        <p:cNvGrpSpPr/>
+        <p:nvPr/>
+      </p:nvGrpSpPr>
+      <p:grpSpPr>
+        <a:xfrm>
+          <a:off x="0" y="0"/>
+          <a:ext cx="0" cy="0"/>
+          <a:chOff x="0" y="0"/>
+          <a:chExt cx="0" cy="0"/>
+        </a:xfrm>
+      </p:grpSpPr>
+      <p:sp>
+        <p:nvSpPr>
+          <p:cNvPr id="2" name="Titre 1"/>
+          <p:cNvSpPr>
+            <a:spLocks noGrp="1"/>
+          </p:cNvSpPr>
+          <p:nvPr>
+            <p:ph type="title"/>
+          </p:nvPr>
+        </p:nvSpPr>
+        <p:spPr/>
+        <p:txBody>
+          <a:bodyPr/>
+          <a:lstStyle/>
+          <a:p>
+            <a:r>
+              <a:rPr lang="fr-FR" dirty="0" smtClean="0"/>
+              <a:t>Énumération </a:t>
+            </a:r>
+            <a:r>
+              <a:rPr lang="fr-FR" dirty="0" err="1" smtClean="0"/>
+              <a:t>Currency</a:t>
+            </a:r>
+            <a:endParaRPr lang="fr-FR" dirty="0"/>
+          </a:p>
+        </p:txBody>
+      </p:sp>
+      <p:sp>
+        <p:nvSpPr>
+          <p:cNvPr id="3" name="Espace réservé du contenu 2"/>
+          <p:cNvSpPr>
+            <a:spLocks noGrp="1"/>
+          </p:cNvSpPr>
+          <p:nvPr>
+            <p:ph idx="1"/>
+          </p:nvPr>
+        </p:nvSpPr>
+        <p:spPr/>
+        <p:txBody>
+          <a:bodyPr/>
+          <a:lstStyle/>
+          <a:p>
+            <a:r>
+              <a:rPr lang="fr-FR" dirty="0" smtClean="0"/>
+              <a:t>Cette énumération </a:t>
+            </a:r>
+            <a:r>
+              <a:rPr lang="fr-FR" dirty="0" smtClean="0">
+                <a:solidFill>
+                  <a:schemeClr val="tx1"/>
+                </a:solidFill>
+              </a:rPr>
+              <a:t>définit les quatre types de monnaies que nous avons intégré dans notre système d’enchère ainsi que leur taux de change par rapport à l’Euro.</a:t>
+            </a:r>
+          </a:p>
+          <a:p>
+            <a:r>
+              <a:rPr lang="fr-FR" dirty="0" smtClean="0">
+                <a:solidFill>
+                  <a:schemeClr val="tx1"/>
+                </a:solidFill>
+              </a:rPr>
+              <a:t>Valeurs de </a:t>
+            </a:r>
+            <a:r>
+              <a:rPr lang="fr-FR" dirty="0" err="1" smtClean="0">
+                <a:solidFill>
+                  <a:schemeClr val="tx1"/>
+                </a:solidFill>
+              </a:rPr>
+              <a:t>Currency</a:t>
+            </a:r>
+            <a:r>
+              <a:rPr lang="fr-FR" dirty="0" smtClean="0">
+                <a:solidFill>
+                  <a:schemeClr val="tx1"/>
+                </a:solidFill>
+              </a:rPr>
+              <a:t>:</a:t>
+            </a:r>
+          </a:p>
+          <a:p>
+            <a:pPr lvl="1"/>
+            <a:r>
+              <a:rPr lang="fr-FR" dirty="0" smtClean="0">
+                <a:solidFill>
+                  <a:schemeClr val="tx1"/>
+                </a:solidFill>
+              </a:rPr>
+              <a:t>EURO (taux de 1)</a:t>
+            </a:r>
+          </a:p>
+          <a:p>
+            <a:pPr lvl="1"/>
+            <a:r>
+              <a:rPr lang="fr-FR" dirty="0" smtClean="0">
+                <a:solidFill>
+                  <a:schemeClr val="tx1"/>
+                </a:solidFill>
+              </a:rPr>
+              <a:t>LIVRE (taux de 0.824)</a:t>
+            </a:r>
+          </a:p>
+          <a:p>
+            <a:pPr lvl="1"/>
+            <a:r>
+              <a:rPr lang="fr-FR" dirty="0" smtClean="0">
+                <a:solidFill>
+                  <a:schemeClr val="tx1"/>
+                </a:solidFill>
+              </a:rPr>
+              <a:t>DOLLARD (taux de 1.375)</a:t>
+            </a:r>
+          </a:p>
+          <a:p>
+            <a:pPr lvl="1"/>
+            <a:r>
+              <a:rPr lang="fr-FR" dirty="0" smtClean="0">
+                <a:solidFill>
+                  <a:schemeClr val="tx1"/>
+                </a:solidFill>
+              </a:rPr>
+              <a:t>YEN (taux de 140.483) </a:t>
+            </a:r>
+            <a:endParaRPr lang="fr-FR" dirty="0"/>
+          </a:p>
+        </p:txBody>
+      </p:sp>
+      <p:sp>
+        <p:nvSpPr>
+          <p:cNvPr id="4" name="Espace réservé du pied de page 3"/>
+          <p:cNvSpPr>
+            <a:spLocks noGrp="1"/>
+          </p:cNvSpPr>
+          <p:nvPr>
+            <p:ph type="ftr" sz="quarter" idx="11"/>
+          </p:nvPr>
+        </p:nvSpPr>
+        <p:spPr/>
+        <p:txBody>
+          <a:bodyPr/>
+          <a:lstStyle/>
+          <a:p>
+            <a:r>
+              <a:rPr lang="fr-FR" smtClean="0"/>
+              <a:t>Conception et architecture Orientées Objet</a:t>
+            </a:r>
+            <a:endParaRPr lang="fr-FR"/>
+          </a:p>
+        </p:txBody>
+      </p:sp>
+      <p:sp>
+        <p:nvSpPr>
+          <p:cNvPr id="5" name="Espace réservé du numéro de diapositive 4"/>
+          <p:cNvSpPr>
+            <a:spLocks noGrp="1"/>
+          </p:cNvSpPr>
+          <p:nvPr>
+            <p:ph type="sldNum" sz="quarter" idx="12"/>
+          </p:nvPr>
+        </p:nvSpPr>
+        <p:spPr/>
+        <p:txBody>
+          <a:bodyPr/>
+          <a:lstStyle/>
+          <a:p>
+            <a:fld id="{6A5E4927-E38B-CA4F-8043-983A6C4FF18B}" type="slidenum">
+              <a:rPr lang="fr-FR" smtClean="0"/>
+              <a:t>9</a:t>
+            </a:fld>
+            <a:endParaRPr lang="fr-FR"/>
+          </a:p>
+        </p:txBody>
+      </p:sp>
+    </p:spTree>
+  </p:cSld>
+  <p:clrMapOvr>
+    <a:masterClrMapping/>
+  </p:clrMapOvr>
+  <p:timing>
+    <p:tnLst>
+      <p:par>
+        <p:cTn id="1" dur="indefinite" restart="never" nodeType="tmRoot"/>
+      </p:par>
+    </p:tnLst>
+  </p:timing>
 </p:sld>
 </file>
 

--- a/Doc/EasyBid.pptx
+++ b/Doc/EasyBid.pptx
@@ -5,10 +5,10 @@
     <p:sldMasterId id="2147483648" r:id="rId1"/>
   </p:sldMasterIdLst>
   <p:notesMasterIdLst>
-    <p:notesMasterId r:id="rId24"/>
+    <p:notesMasterId r:id="rId25"/>
   </p:notesMasterIdLst>
   <p:handoutMasterIdLst>
-    <p:handoutMasterId r:id="rId25"/>
+    <p:handoutMasterId r:id="rId26"/>
   </p:handoutMasterIdLst>
   <p:sldIdLst>
     <p:sldId id="256" r:id="rId2"/>
@@ -18,21 +18,22 @@
     <p:sldId id="264" r:id="rId6"/>
     <p:sldId id="271" r:id="rId7"/>
     <p:sldId id="265" r:id="rId8"/>
-    <p:sldId id="267" r:id="rId9"/>
+    <p:sldId id="286" r:id="rId9"/>
     <p:sldId id="269" r:id="rId10"/>
-    <p:sldId id="268" r:id="rId11"/>
-    <p:sldId id="274" r:id="rId12"/>
-    <p:sldId id="272" r:id="rId13"/>
-    <p:sldId id="270" r:id="rId14"/>
-    <p:sldId id="273" r:id="rId15"/>
-    <p:sldId id="275" r:id="rId16"/>
-    <p:sldId id="279" r:id="rId17"/>
-    <p:sldId id="277" r:id="rId18"/>
-    <p:sldId id="280" r:id="rId19"/>
-    <p:sldId id="281" r:id="rId20"/>
-    <p:sldId id="284" r:id="rId21"/>
-    <p:sldId id="283" r:id="rId22"/>
-    <p:sldId id="285" r:id="rId23"/>
+    <p:sldId id="267" r:id="rId11"/>
+    <p:sldId id="268" r:id="rId12"/>
+    <p:sldId id="274" r:id="rId13"/>
+    <p:sldId id="272" r:id="rId14"/>
+    <p:sldId id="270" r:id="rId15"/>
+    <p:sldId id="273" r:id="rId16"/>
+    <p:sldId id="275" r:id="rId17"/>
+    <p:sldId id="279" r:id="rId18"/>
+    <p:sldId id="277" r:id="rId19"/>
+    <p:sldId id="280" r:id="rId20"/>
+    <p:sldId id="281" r:id="rId21"/>
+    <p:sldId id="284" r:id="rId22"/>
+    <p:sldId id="283" r:id="rId23"/>
+    <p:sldId id="285" r:id="rId24"/>
   </p:sldIdLst>
   <p:sldSz cx="9144000" cy="6858000" type="screen4x3"/>
   <p:notesSz cx="6858000" cy="9144000"/>
@@ -4454,7 +4455,7 @@
           <a:p>
             <a:r>
               <a:rPr lang="fr-FR" dirty="0" smtClean="0"/>
-              <a:t>Classe Product</a:t>
+              <a:t>Classe Price</a:t>
             </a:r>
             <a:endParaRPr lang="fr-FR" dirty="0"/>
           </a:p>
@@ -4472,9 +4473,7 @@
         </p:nvSpPr>
         <p:spPr/>
         <p:txBody>
-          <a:bodyPr>
-            <a:normAutofit/>
-          </a:bodyPr>
+          <a:bodyPr/>
           <a:lstStyle/>
           <a:p>
             <a:pPr>
@@ -4483,10 +4482,26 @@
             <a:r>
               <a:rPr lang="fr-FR" dirty="0" smtClean="0">
                 <a:solidFill>
-                  <a:srgbClr val="000000"/>
+                  <a:schemeClr val="tx1"/>
                 </a:solidFill>
               </a:rPr>
-              <a:t>	La classe Product représente à la fois un produit qui sera vendu ainsi que les enchères qui sont organisées autour de ce produit.</a:t>
+              <a:t>	La classe Price gère les prix venant des monnaies de l’énumération </a:t>
+            </a:r>
+            <a:r>
+              <a:rPr lang="fr-FR" dirty="0" err="1" smtClean="0">
+                <a:solidFill>
+                  <a:schemeClr val="tx1"/>
+                </a:solidFill>
+              </a:rPr>
+              <a:t>Currency</a:t>
+            </a:r>
+            <a:r>
+              <a:rPr lang="fr-FR" dirty="0" smtClean="0">
+                <a:solidFill>
+                  <a:schemeClr val="tx1"/>
+                </a:solidFill>
+              </a:rPr>
+              <a:t>. </a:t>
             </a:r>
           </a:p>
           <a:p>
@@ -4494,80 +4509,56 @@
               <a:buNone/>
             </a:pPr>
             <a:r>
-              <a:rPr lang="fr-FR" dirty="0" err="1" smtClean="0">
-                <a:solidFill>
-                  <a:srgbClr val="000000"/>
+              <a:rPr lang="fr-FR" dirty="0" smtClean="0">
+                <a:solidFill>
+                  <a:schemeClr val="tx1"/>
                 </a:solidFill>
               </a:rPr>
-              <a:t>Methodes</a:t>
-            </a:r>
+              <a:t>Méthodes</a:t>
+            </a:r>
+          </a:p>
+          <a:p>
+            <a:pPr>
+              <a:buNone/>
+            </a:pPr>
             <a:r>
               <a:rPr lang="fr-FR" dirty="0" smtClean="0">
                 <a:solidFill>
-                  <a:srgbClr val="000000"/>
+                  <a:schemeClr val="tx1"/>
                 </a:solidFill>
               </a:rPr>
-              <a:t> :</a:t>
-            </a:r>
-          </a:p>
-          <a:p>
-            <a:pPr>
-              <a:buNone/>
-            </a:pPr>
-            <a:r>
+              <a:t>	- Ajouter ou Retirer de l’argent</a:t>
+            </a:r>
+            <a:br>
               <a:rPr lang="fr-FR" dirty="0" smtClean="0">
                 <a:solidFill>
-                  <a:srgbClr val="000000"/>
+                  <a:schemeClr val="tx1"/>
                 </a:solidFill>
               </a:rPr>
-              <a:t>	- vérification pour publication ou privatisation d’un produit</a:t>
-            </a:r>
-            <a:r>
-              <a:rPr lang="fr-FR" dirty="0" smtClean="0"/>
-              <a:t/>
+            </a:br>
+            <a:r>
+              <a:rPr lang="fr-FR" dirty="0" smtClean="0">
+                <a:solidFill>
+                  <a:schemeClr val="tx1"/>
+                </a:solidFill>
+              </a:rPr>
+              <a:t>- Conversion d’un prix en une autre monnaie</a:t>
             </a:r>
             <a:br>
-              <a:rPr lang="fr-FR" dirty="0" smtClean="0"/>
+              <a:rPr lang="fr-FR" dirty="0" smtClean="0">
+                <a:solidFill>
+                  <a:schemeClr val="tx1"/>
+                </a:solidFill>
+              </a:rPr>
             </a:br>
             <a:r>
-              <a:rPr lang="fr-FR" dirty="0" smtClean="0"/>
-              <a:t>- réception d’une offre émise</a:t>
-            </a:r>
-            <a:br>
-              <a:rPr lang="fr-FR" dirty="0" smtClean="0"/>
-            </a:br>
-            <a:r>
-              <a:rPr lang="fr-FR" dirty="0" smtClean="0"/>
-              <a:t>- </a:t>
-            </a:r>
-            <a:r>
-              <a:rPr lang="fr-FR" dirty="0" err="1" smtClean="0"/>
-              <a:t>toString</a:t>
-            </a:r>
-            <a:r>
-              <a:rPr lang="fr-FR" dirty="0" smtClean="0"/>
-              <a:t/>
-            </a:r>
-            <a:br>
-              <a:rPr lang="fr-FR" dirty="0" smtClean="0"/>
-            </a:br>
-            <a:r>
-              <a:rPr lang="fr-FR" dirty="0" smtClean="0"/>
-              <a:t>- </a:t>
-            </a:r>
-            <a:r>
-              <a:rPr lang="fr-FR" dirty="0" err="1" smtClean="0"/>
-              <a:t>equals</a:t>
-            </a:r>
-            <a:r>
               <a:rPr lang="fr-FR" dirty="0" smtClean="0">
                 <a:solidFill>
-                  <a:srgbClr val="000000"/>
+                  <a:schemeClr val="tx1"/>
                 </a:solidFill>
               </a:rPr>
-              <a:t> </a:t>
-            </a:r>
-            <a:endParaRPr lang="fr-FR" dirty="0"/>
+              <a:t>- Dire si le prix courant est supérieur au prix proposé</a:t>
+            </a:r>
           </a:p>
         </p:txBody>
       </p:sp>
@@ -4666,7 +4657,7 @@
           <a:p>
             <a:r>
               <a:rPr lang="fr-FR" dirty="0" smtClean="0"/>
-              <a:t>Classe Product (2)</a:t>
+              <a:t>Classe Product</a:t>
             </a:r>
             <a:endParaRPr lang="fr-FR" dirty="0"/>
           </a:p>
@@ -4684,15 +4675,21 @@
         </p:nvSpPr>
         <p:spPr/>
         <p:txBody>
-          <a:bodyPr/>
+          <a:bodyPr>
+            <a:normAutofit/>
+          </a:bodyPr>
           <a:lstStyle/>
           <a:p>
             <a:pPr>
               <a:buNone/>
             </a:pPr>
             <a:r>
-              <a:rPr lang="fr-FR" dirty="0" smtClean="0"/>
-              <a:t>Méthodes (suite): </a:t>
+              <a:rPr lang="fr-FR" dirty="0" smtClean="0">
+                <a:solidFill>
+                  <a:srgbClr val="000000"/>
+                </a:solidFill>
+              </a:rPr>
+              <a:t>	La classe Product représente à la fois un produit qui sera vendu ainsi que les enchères qui sont organisées autour de ce produit.</a:t>
             </a:r>
           </a:p>
           <a:p>
@@ -4700,22 +4697,79 @@
               <a:buNone/>
             </a:pPr>
             <a:r>
-              <a:rPr lang="fr-FR" dirty="0" smtClean="0"/>
-              <a:t>	- Gestion du temps, pour définir la date de fin de l’enchère</a:t>
+              <a:rPr lang="fr-FR" dirty="0" err="1" smtClean="0">
+                <a:solidFill>
+                  <a:srgbClr val="000000"/>
+                </a:solidFill>
+              </a:rPr>
+              <a:t>Methodes</a:t>
+            </a:r>
+            <a:r>
+              <a:rPr lang="fr-FR" dirty="0" smtClean="0">
+                <a:solidFill>
+                  <a:srgbClr val="000000"/>
+                </a:solidFill>
+              </a:rPr>
+              <a:t> :</a:t>
+            </a:r>
+          </a:p>
+          <a:p>
+            <a:pPr>
+              <a:buNone/>
+            </a:pPr>
+            <a:r>
+              <a:rPr lang="fr-FR" dirty="0" smtClean="0">
+                <a:solidFill>
+                  <a:srgbClr val="000000"/>
+                </a:solidFill>
+              </a:rPr>
+              <a:t>	- vérification pour publication ou privatisation d’un produit</a:t>
+            </a:r>
+            <a:r>
+              <a:rPr lang="fr-FR" dirty="0" smtClean="0"/>
+              <a:t/>
             </a:r>
             <a:br>
               <a:rPr lang="fr-FR" dirty="0" smtClean="0"/>
             </a:br>
             <a:r>
               <a:rPr lang="fr-FR" dirty="0" smtClean="0"/>
-              <a:t>- Réalisation de la vente du produit, à la fin du temps imparti</a:t>
-            </a:r>
-          </a:p>
-          <a:p>
-            <a:pPr lvl="2">
-              <a:buFontTx/>
-              <a:buChar char="-"/>
-            </a:pPr>
+              <a:t>- réception d’une offre émise</a:t>
+            </a:r>
+            <a:br>
+              <a:rPr lang="fr-FR" dirty="0" smtClean="0"/>
+            </a:br>
+            <a:r>
+              <a:rPr lang="fr-FR" dirty="0" smtClean="0"/>
+              <a:t>- </a:t>
+            </a:r>
+            <a:r>
+              <a:rPr lang="fr-FR" dirty="0" err="1" smtClean="0"/>
+              <a:t>toString</a:t>
+            </a:r>
+            <a:r>
+              <a:rPr lang="fr-FR" dirty="0" smtClean="0"/>
+              <a:t/>
+            </a:r>
+            <a:br>
+              <a:rPr lang="fr-FR" dirty="0" smtClean="0"/>
+            </a:br>
+            <a:r>
+              <a:rPr lang="fr-FR" dirty="0" smtClean="0"/>
+              <a:t>- </a:t>
+            </a:r>
+            <a:r>
+              <a:rPr lang="fr-FR" dirty="0" err="1" smtClean="0"/>
+              <a:t>equals</a:t>
+            </a:r>
+            <a:r>
+              <a:rPr lang="fr-FR" dirty="0" smtClean="0">
+                <a:solidFill>
+                  <a:srgbClr val="000000"/>
+                </a:solidFill>
+              </a:rPr>
+              <a:t> </a:t>
+            </a:r>
             <a:endParaRPr lang="fr-FR" dirty="0"/>
           </a:p>
         </p:txBody>
@@ -4815,7 +4869,7 @@
           <a:p>
             <a:r>
               <a:rPr lang="fr-FR" dirty="0" smtClean="0"/>
-              <a:t>Package main</a:t>
+              <a:t>Classe Product (2)</a:t>
             </a:r>
             <a:endParaRPr lang="fr-FR" dirty="0"/>
           </a:p>
@@ -4836,34 +4890,35 @@
           <a:bodyPr/>
           <a:lstStyle/>
           <a:p>
-            <a:r>
-              <a:rPr lang="fr-FR" dirty="0" smtClean="0"/>
-              <a:t>Nous fournissons ce package pour pouvoir utiliser notre logiciel. La classe main se contente de démarrer un nouvel </a:t>
-            </a:r>
-            <a:r>
-              <a:rPr lang="fr-FR" dirty="0" err="1" smtClean="0"/>
-              <a:t>EasyBid</a:t>
-            </a:r>
-            <a:r>
-              <a:rPr lang="fr-FR" dirty="0" smtClean="0"/>
-              <a:t> et de le lancer.</a:t>
-            </a:r>
-          </a:p>
-          <a:p>
-            <a:r>
-              <a:rPr lang="fr-FR" dirty="0" smtClean="0"/>
-              <a:t>main</a:t>
-            </a:r>
-          </a:p>
-          <a:p>
-            <a:pPr lvl="1"/>
-            <a:r>
-              <a:rPr lang="fr-FR" dirty="0" smtClean="0"/>
-              <a:t>Main</a:t>
-            </a:r>
-          </a:p>
-          <a:p>
-            <a:pPr lvl="2"/>
+            <a:pPr>
+              <a:buNone/>
+            </a:pPr>
+            <a:r>
+              <a:rPr lang="fr-FR" dirty="0" smtClean="0"/>
+              <a:t>Méthodes (suite): </a:t>
+            </a:r>
+          </a:p>
+          <a:p>
+            <a:pPr>
+              <a:buNone/>
+            </a:pPr>
+            <a:r>
+              <a:rPr lang="fr-FR" dirty="0" smtClean="0"/>
+              <a:t>	- Gestion du temps, pour définir la date de fin de l’enchère</a:t>
+            </a:r>
+            <a:br>
+              <a:rPr lang="fr-FR" dirty="0" smtClean="0"/>
+            </a:br>
+            <a:r>
+              <a:rPr lang="fr-FR" dirty="0" smtClean="0"/>
+              <a:t>- Réalisation de la vente du produit, à la fin du temps imparti</a:t>
+            </a:r>
+          </a:p>
+          <a:p>
+            <a:pPr lvl="2">
+              <a:buFontTx/>
+              <a:buChar char="-"/>
+            </a:pPr>
             <a:endParaRPr lang="fr-FR" dirty="0"/>
           </a:p>
         </p:txBody>
@@ -4963,7 +5018,7 @@
           <a:p>
             <a:r>
               <a:rPr lang="fr-FR" dirty="0" smtClean="0"/>
-              <a:t>Package user</a:t>
+              <a:t>Package main</a:t>
             </a:r>
             <a:endParaRPr lang="fr-FR" dirty="0"/>
           </a:p>
@@ -4986,29 +5041,32 @@
           <a:p>
             <a:r>
               <a:rPr lang="fr-FR" dirty="0" smtClean="0"/>
-              <a:t>Package pour les différents utilisateurs du système. Il n’y a ici qu’une seule classe d’user, mais plusieurs rôles pourraient être assignés à travers </a:t>
+              <a:t>Nous fournissons ce package pour pouvoir utiliser notre logiciel. La classe main se contente de démarrer un nouvel </a:t>
             </a:r>
             <a:r>
               <a:rPr lang="fr-FR" dirty="0" err="1" smtClean="0"/>
-              <a:t>differentes</a:t>
-            </a:r>
-            <a:r>
-              <a:rPr lang="fr-FR" dirty="0" smtClean="0"/>
-              <a:t> classes d’utilisateurs.</a:t>
-            </a:r>
-          </a:p>
-          <a:p>
-            <a:r>
-              <a:rPr lang="fr-FR" dirty="0" smtClean="0"/>
-              <a:t>user</a:t>
+              <a:t>EasyBid</a:t>
+            </a:r>
+            <a:r>
+              <a:rPr lang="fr-FR" dirty="0" smtClean="0"/>
+              <a:t> et de le lancer.</a:t>
+            </a:r>
+          </a:p>
+          <a:p>
+            <a:r>
+              <a:rPr lang="fr-FR" dirty="0" smtClean="0"/>
+              <a:t>main</a:t>
             </a:r>
           </a:p>
           <a:p>
             <a:pPr lvl="1"/>
             <a:r>
               <a:rPr lang="fr-FR" dirty="0" smtClean="0"/>
-              <a:t>User</a:t>
-            </a:r>
+              <a:t>Main</a:t>
+            </a:r>
+          </a:p>
+          <a:p>
+            <a:pPr lvl="2"/>
             <a:endParaRPr lang="fr-FR" dirty="0"/>
           </a:p>
         </p:txBody>
@@ -5108,7 +5166,7 @@
           <a:p>
             <a:r>
               <a:rPr lang="fr-FR" dirty="0" smtClean="0"/>
-              <a:t>Classe User</a:t>
+              <a:t>Package user</a:t>
             </a:r>
             <a:endParaRPr lang="fr-FR" dirty="0"/>
           </a:p>
@@ -5126,106 +5184,35 @@
         </p:nvSpPr>
         <p:spPr/>
         <p:txBody>
-          <a:bodyPr>
-            <a:normAutofit/>
-          </a:bodyPr>
-          <a:lstStyle/>
-          <a:p>
-            <a:pPr>
-              <a:buNone/>
-            </a:pPr>
-            <a:r>
-              <a:rPr lang="fr-FR" dirty="0" smtClean="0"/>
-              <a:t>La classe User représente les utilisateurs du système. Ceux-ci sont à la fois acheteurs et vendeurs</a:t>
-            </a:r>
-            <a:r>
-              <a:rPr lang="fr-FR" dirty="0" smtClean="0"/>
-              <a:t>.</a:t>
-            </a:r>
-          </a:p>
-          <a:p>
-            <a:pPr>
-              <a:buNone/>
-            </a:pPr>
+          <a:bodyPr/>
+          <a:lstStyle/>
+          <a:p>
+            <a:r>
+              <a:rPr lang="fr-FR" dirty="0" smtClean="0"/>
+              <a:t>Package pour les différents utilisateurs du système. Il n’y a ici qu’une seule classe d’user, mais plusieurs rôles pourraient être assignés à travers </a:t>
+            </a:r>
             <a:r>
               <a:rPr lang="fr-FR" dirty="0" err="1" smtClean="0"/>
-              <a:t>Methodes</a:t>
-            </a:r>
-            <a:endParaRPr lang="fr-FR" dirty="0" smtClean="0"/>
-          </a:p>
-          <a:p>
-            <a:pPr>
-              <a:buNone/>
-            </a:pPr>
-            <a:r>
-              <a:rPr lang="fr-FR" dirty="0" smtClean="0"/>
-              <a:t>	- </a:t>
-            </a:r>
-            <a:r>
-              <a:rPr lang="fr-FR" dirty="0" smtClean="0"/>
-              <a:t>Ajout et Suppression de produits </a:t>
-            </a:r>
-            <a:r>
-              <a:rPr lang="fr-FR" dirty="0" smtClean="0"/>
-              <a:t>de la liste d’enchère personnelle d’un utilisateur</a:t>
-            </a:r>
-            <a:br>
-              <a:rPr lang="fr-FR" dirty="0" smtClean="0"/>
-            </a:br>
-            <a:r>
-              <a:rPr lang="fr-FR" dirty="0" smtClean="0"/>
-              <a:t>- </a:t>
-            </a:r>
-            <a:r>
-              <a:rPr lang="fr-FR" dirty="0" smtClean="0"/>
-              <a:t>Ajout </a:t>
-            </a:r>
-            <a:r>
-              <a:rPr lang="fr-FR" dirty="0"/>
-              <a:t>et Suppression </a:t>
-            </a:r>
-            <a:r>
-              <a:rPr lang="fr-FR" dirty="0" smtClean="0"/>
-              <a:t>de produits de la liste de produits surenchéris par l’utilisateur</a:t>
-            </a:r>
-            <a:r>
-              <a:rPr lang="fr-FR" dirty="0" smtClean="0"/>
-              <a:t/>
-            </a:r>
-            <a:br>
-              <a:rPr lang="fr-FR" dirty="0" smtClean="0"/>
-            </a:br>
-            <a:r>
-              <a:rPr lang="fr-FR" dirty="0" smtClean="0"/>
-              <a:t>- Permet d’ajouter un prix au solde d’un utilisateur</a:t>
-            </a:r>
-            <a:br>
-              <a:rPr lang="fr-FR" dirty="0" smtClean="0"/>
-            </a:br>
-            <a:r>
-              <a:rPr lang="fr-FR" dirty="0" smtClean="0"/>
-              <a:t>- </a:t>
-            </a:r>
-            <a:r>
-              <a:rPr lang="fr-FR" dirty="0" smtClean="0"/>
-              <a:t>Permet aussi de payer un prix</a:t>
-            </a:r>
-            <a:r>
-              <a:rPr lang="fr-FR" dirty="0"/>
-              <a:t/>
-            </a:r>
-            <a:br>
-              <a:rPr lang="fr-FR" dirty="0"/>
-            </a:br>
-            <a:r>
-              <a:rPr lang="fr-FR" dirty="0" smtClean="0"/>
-              <a:t>- </a:t>
-            </a:r>
-            <a:r>
-              <a:rPr lang="fr-FR" dirty="0" err="1" smtClean="0"/>
-              <a:t>equals</a:t>
-            </a:r>
-            <a:endParaRPr lang="fr-FR" dirty="0" smtClean="0"/>
+              <a:t>differentes</a:t>
+            </a:r>
+            <a:r>
+              <a:rPr lang="fr-FR" dirty="0" smtClean="0"/>
+              <a:t> classes d’utilisateurs.</a:t>
+            </a:r>
+          </a:p>
+          <a:p>
+            <a:r>
+              <a:rPr lang="fr-FR" dirty="0" smtClean="0"/>
+              <a:t>user</a:t>
+            </a:r>
+          </a:p>
+          <a:p>
+            <a:pPr lvl="1"/>
+            <a:r>
+              <a:rPr lang="fr-FR" dirty="0" smtClean="0"/>
+              <a:t>User</a:t>
+            </a:r>
+            <a:endParaRPr lang="fr-FR" dirty="0"/>
           </a:p>
         </p:txBody>
       </p:sp>
@@ -5317,21 +5304,107 @@
             <p:ph type="title"/>
           </p:nvPr>
         </p:nvSpPr>
-        <p:spPr>
-          <a:xfrm>
-            <a:off x="549275" y="2819400"/>
-            <a:ext cx="8042276" cy="1336956"/>
-          </a:xfrm>
-        </p:spPr>
-        <p:txBody>
-          <a:bodyPr/>
-          <a:lstStyle/>
-          <a:p>
-            <a:r>
-              <a:rPr lang="fr-FR" sz="4800" dirty="0" smtClean="0"/>
-              <a:t>II) Implémentation de nos classes de tests unitaires</a:t>
+        <p:spPr/>
+        <p:txBody>
+          <a:bodyPr/>
+          <a:lstStyle/>
+          <a:p>
+            <a:r>
+              <a:rPr lang="fr-FR" dirty="0" smtClean="0"/>
+              <a:t>Classe User</a:t>
             </a:r>
             <a:endParaRPr lang="fr-FR" dirty="0"/>
+          </a:p>
+        </p:txBody>
+      </p:sp>
+      <p:sp>
+        <p:nvSpPr>
+          <p:cNvPr id="3" name="Espace réservé du contenu 2"/>
+          <p:cNvSpPr>
+            <a:spLocks noGrp="1"/>
+          </p:cNvSpPr>
+          <p:nvPr>
+            <p:ph idx="1"/>
+          </p:nvPr>
+        </p:nvSpPr>
+        <p:spPr/>
+        <p:txBody>
+          <a:bodyPr>
+            <a:normAutofit/>
+          </a:bodyPr>
+          <a:lstStyle/>
+          <a:p>
+            <a:pPr>
+              <a:buNone/>
+            </a:pPr>
+            <a:r>
+              <a:rPr lang="fr-FR" dirty="0" smtClean="0"/>
+              <a:t>La classe User représente les utilisateurs du système. Ceux-ci sont à la fois acheteurs et vendeurs.</a:t>
+            </a:r>
+          </a:p>
+          <a:p>
+            <a:pPr>
+              <a:buNone/>
+            </a:pPr>
+            <a:r>
+              <a:rPr lang="fr-FR" dirty="0" err="1" smtClean="0"/>
+              <a:t>Methodes</a:t>
+            </a:r>
+            <a:endParaRPr lang="fr-FR" dirty="0" smtClean="0"/>
+          </a:p>
+          <a:p>
+            <a:pPr>
+              <a:buNone/>
+            </a:pPr>
+            <a:r>
+              <a:rPr lang="fr-FR" dirty="0" smtClean="0"/>
+              <a:t>	- Ajout et Suppression de produits de la liste d’enchère personnelle d’un utilisateur</a:t>
+            </a:r>
+            <a:br>
+              <a:rPr lang="fr-FR" dirty="0" smtClean="0"/>
+            </a:br>
+            <a:r>
+              <a:rPr lang="fr-FR" dirty="0" smtClean="0"/>
+              <a:t>- Ajout </a:t>
+            </a:r>
+            <a:r>
+              <a:rPr lang="fr-FR" dirty="0"/>
+              <a:t>et Suppression </a:t>
+            </a:r>
+            <a:r>
+              <a:rPr lang="fr-FR" dirty="0" smtClean="0"/>
+              <a:t>de produits de la liste de produits surenchéris par l’utilisateur</a:t>
+            </a:r>
+            <a:br>
+              <a:rPr lang="fr-FR" dirty="0" smtClean="0"/>
+            </a:br>
+            <a:r>
+              <a:rPr lang="fr-FR" dirty="0" smtClean="0"/>
+              <a:t>- Permet d’ajouter un prix au solde d’un utilisateur</a:t>
+            </a:r>
+            <a:br>
+              <a:rPr lang="fr-FR" dirty="0" smtClean="0"/>
+            </a:br>
+            <a:r>
+              <a:rPr lang="fr-FR" dirty="0" smtClean="0"/>
+              <a:t>- Permet aussi de payer un prix</a:t>
+            </a:r>
+            <a:r>
+              <a:rPr lang="fr-FR" dirty="0"/>
+              <a:t/>
+            </a:r>
+            <a:br>
+              <a:rPr lang="fr-FR" dirty="0"/>
+            </a:br>
+            <a:r>
+              <a:rPr lang="fr-FR" dirty="0" smtClean="0"/>
+              <a:t>- </a:t>
+            </a:r>
+            <a:r>
+              <a:rPr lang="fr-FR" dirty="0" err="1" smtClean="0"/>
+              <a:t>equals</a:t>
+            </a:r>
+            <a:endParaRPr lang="fr-FR" dirty="0" smtClean="0"/>
           </a:p>
         </p:txBody>
       </p:sp>
@@ -5423,141 +5496,20 @@
             <p:ph type="title"/>
           </p:nvPr>
         </p:nvSpPr>
-        <p:spPr/>
-        <p:txBody>
-          <a:bodyPr/>
-          <a:lstStyle/>
-          <a:p>
-            <a:r>
-              <a:rPr lang="fr-FR" dirty="0" smtClean="0"/>
-              <a:t>Classe </a:t>
-            </a:r>
-            <a:r>
-              <a:rPr lang="fr-FR" dirty="0" err="1" smtClean="0"/>
-              <a:t>EasyBidTests</a:t>
-            </a:r>
-            <a:endParaRPr lang="fr-FR" dirty="0"/>
-          </a:p>
-        </p:txBody>
-      </p:sp>
-      <p:sp>
-        <p:nvSpPr>
-          <p:cNvPr id="3" name="Espace réservé du contenu 2"/>
-          <p:cNvSpPr>
-            <a:spLocks noGrp="1"/>
-          </p:cNvSpPr>
-          <p:nvPr>
-            <p:ph idx="1"/>
-          </p:nvPr>
-        </p:nvSpPr>
-        <p:spPr/>
-        <p:txBody>
-          <a:bodyPr/>
-          <a:lstStyle/>
-          <a:p>
-            <a:r>
-              <a:rPr lang="fr-FR" dirty="0" smtClean="0"/>
-              <a:t>Tests sur la classe </a:t>
-            </a:r>
-            <a:r>
-              <a:rPr lang="fr-FR" dirty="0" err="1" smtClean="0"/>
-              <a:t>EasyBid</a:t>
-            </a:r>
-            <a:r>
-              <a:rPr lang="fr-FR" dirty="0" smtClean="0"/>
-              <a:t> en mettant l’entrée standard sur un fichier (prévu par un des constructeurs de </a:t>
-            </a:r>
-            <a:r>
-              <a:rPr lang="fr-FR" dirty="0" err="1" smtClean="0"/>
-              <a:t>EasyBid</a:t>
-            </a:r>
-            <a:r>
-              <a:rPr lang="fr-FR" dirty="0" smtClean="0"/>
-              <a:t>)</a:t>
-            </a:r>
-          </a:p>
-          <a:p>
-            <a:r>
-              <a:rPr lang="fr-FR" dirty="0" err="1" smtClean="0"/>
-              <a:t>Methode</a:t>
-            </a:r>
-            <a:r>
-              <a:rPr lang="fr-FR" dirty="0" smtClean="0"/>
-              <a:t> </a:t>
-            </a:r>
-            <a:r>
-              <a:rPr lang="fr-FR" dirty="0" err="1" smtClean="0"/>
-              <a:t>testRun</a:t>
-            </a:r>
-            <a:r>
-              <a:rPr lang="fr-FR" dirty="0" smtClean="0"/>
-              <a:t> :</a:t>
-            </a:r>
-          </a:p>
-          <a:p>
-            <a:pPr lvl="1"/>
-            <a:r>
-              <a:rPr lang="fr-FR" dirty="0" smtClean="0"/>
-              <a:t>Les </a:t>
-            </a:r>
-            <a:r>
-              <a:rPr lang="fr-FR" dirty="0"/>
-              <a:t>fichiers d’entrée des tests de la méthode </a:t>
-            </a:r>
-            <a:r>
-              <a:rPr lang="fr-FR" dirty="0" err="1"/>
-              <a:t>testRun</a:t>
-            </a:r>
-            <a:r>
-              <a:rPr lang="fr-FR" dirty="0"/>
-              <a:t> sont dans </a:t>
-            </a:r>
-            <a:r>
-              <a:rPr lang="fr-FR" dirty="0" err="1"/>
-              <a:t>EasyBid</a:t>
-            </a:r>
-            <a:r>
-              <a:rPr lang="fr-FR" dirty="0"/>
-              <a:t> – bin – tests</a:t>
-            </a:r>
-            <a:r>
-              <a:rPr lang="fr-FR" dirty="0" smtClean="0"/>
-              <a:t>.</a:t>
-            </a:r>
-          </a:p>
-          <a:p>
-            <a:pPr lvl="1"/>
-            <a:r>
-              <a:rPr lang="fr-FR" dirty="0" smtClean="0"/>
-              <a:t>La méthode </a:t>
-            </a:r>
-            <a:r>
-              <a:rPr lang="fr-FR" dirty="0" err="1" smtClean="0"/>
-              <a:t>testRun</a:t>
-            </a:r>
-            <a:r>
-              <a:rPr lang="fr-FR" dirty="0" smtClean="0"/>
-              <a:t> appelle </a:t>
-            </a:r>
-            <a:r>
-              <a:rPr lang="fr-FR" dirty="0" err="1" smtClean="0"/>
-              <a:t>plusieures</a:t>
-            </a:r>
-            <a:r>
-              <a:rPr lang="fr-FR" dirty="0"/>
-              <a:t> </a:t>
-            </a:r>
-            <a:r>
-              <a:rPr lang="fr-FR" dirty="0" smtClean="0"/>
-              <a:t>méthodes pour effectuer les tests sur chacun des fichiers d’entrée.</a:t>
-            </a:r>
-            <a:endParaRPr lang="fr-FR" dirty="0"/>
-          </a:p>
-          <a:p>
-            <a:pPr lvl="1"/>
-            <a:endParaRPr lang="fr-FR" dirty="0" smtClean="0"/>
-          </a:p>
-          <a:p>
+        <p:spPr>
+          <a:xfrm>
+            <a:off x="549275" y="2819400"/>
+            <a:ext cx="8042276" cy="1336956"/>
+          </a:xfrm>
+        </p:spPr>
+        <p:txBody>
+          <a:bodyPr/>
+          <a:lstStyle/>
+          <a:p>
+            <a:r>
+              <a:rPr lang="fr-FR" sz="4800" dirty="0" smtClean="0"/>
+              <a:t>II) Implémentation de nos classes de tests unitaires</a:t>
+            </a:r>
             <a:endParaRPr lang="fr-FR" dirty="0"/>
           </a:p>
         </p:txBody>
@@ -5608,12 +5560,44 @@
           </a:p>
         </p:txBody>
       </p:sp>
+      <p:sp>
+        <p:nvSpPr>
+          <p:cNvPr id="3" name="ZoneTexte 2"/>
+          <p:cNvSpPr txBox="1"/>
+          <p:nvPr/>
+        </p:nvSpPr>
+        <p:spPr>
+          <a:xfrm>
+            <a:off x="1043608" y="4941168"/>
+            <a:ext cx="7128792" cy="646331"/>
+          </a:xfrm>
+          <a:prstGeom prst="rect">
+            <a:avLst/>
+          </a:prstGeom>
+          <a:noFill/>
+        </p:spPr>
+        <p:txBody>
+          <a:bodyPr wrap="square" rtlCol="0">
+            <a:spAutoFit/>
+          </a:bodyPr>
+          <a:lstStyle/>
+          <a:p>
+            <a:r>
+              <a:rPr lang="fr-FR" dirty="0" smtClean="0"/>
+              <a:t>Pour une description détaillée de chaque méthode de test, veuillez vous référer au fichier </a:t>
+            </a:r>
+            <a:r>
+              <a:rPr lang="fr-FR" b="1" dirty="0" err="1" smtClean="0"/>
+              <a:t>EasyBid</a:t>
+            </a:r>
+            <a:r>
+              <a:rPr lang="fr-FR" b="1" dirty="0" smtClean="0"/>
+              <a:t> – test – readmeTestingInfo.txt</a:t>
+            </a:r>
+          </a:p>
+        </p:txBody>
+      </p:sp>
     </p:spTree>
-    <p:extLst>
-      <p:ext uri="{BB962C8B-B14F-4D97-AF65-F5344CB8AC3E}">
-        <p14:creationId xmlns:p14="http://schemas.microsoft.com/office/powerpoint/2010/main" val="596047069"/>
-      </p:ext>
-    </p:extLst>
   </p:cSld>
   <p:clrMapOvr>
     <a:masterClrMapping/>
@@ -5662,7 +5646,11 @@
           <a:p>
             <a:r>
               <a:rPr lang="fr-FR" dirty="0" smtClean="0"/>
-              <a:t>Package environnement</a:t>
+              <a:t>Classe </a:t>
+            </a:r>
+            <a:r>
+              <a:rPr lang="fr-FR" dirty="0" err="1" smtClean="0"/>
+              <a:t>EasyBidTests</a:t>
             </a:r>
             <a:endParaRPr lang="fr-FR" dirty="0"/>
           </a:p>
@@ -5685,7 +5673,7 @@
           <a:p>
             <a:r>
               <a:rPr lang="fr-FR" dirty="0" smtClean="0"/>
-              <a:t>Package qui regroupe les classes de fonctionnement interne de </a:t>
+              <a:t>Tests sur la classe </a:t>
             </a:r>
             <a:r>
               <a:rPr lang="fr-FR" dirty="0" err="1" smtClean="0"/>
@@ -5693,52 +5681,99 @@
             </a:r>
             <a:r>
               <a:rPr lang="fr-FR" dirty="0" smtClean="0"/>
-              <a:t>. Il permet de d’effectuer les actions d’offres et d’échanges lors que celles-ci sont demandées.</a:t>
-            </a:r>
-          </a:p>
-          <a:p>
-            <a:r>
-              <a:rPr lang="fr-FR" dirty="0" smtClean="0"/>
-              <a:t>environnement</a:t>
+              <a:t> en mettant l’entrée standard sur un fichier (prévu par un des constructeurs de </a:t>
+            </a:r>
+            <a:r>
+              <a:rPr lang="fr-FR" dirty="0" err="1" smtClean="0"/>
+              <a:t>EasyBid</a:t>
+            </a:r>
+            <a:r>
+              <a:rPr lang="fr-FR" dirty="0" smtClean="0"/>
+              <a:t>)</a:t>
+            </a:r>
+          </a:p>
+          <a:p>
+            <a:r>
+              <a:rPr lang="fr-FR" dirty="0" err="1" smtClean="0"/>
+              <a:t>Methode</a:t>
+            </a:r>
+            <a:r>
+              <a:rPr lang="fr-FR" dirty="0" smtClean="0"/>
+              <a:t> </a:t>
+            </a:r>
+            <a:r>
+              <a:rPr lang="fr-FR" dirty="0" err="1" smtClean="0"/>
+              <a:t>testRun</a:t>
+            </a:r>
+            <a:r>
+              <a:rPr lang="fr-FR" dirty="0" smtClean="0"/>
+              <a:t> :</a:t>
             </a:r>
           </a:p>
           <a:p>
             <a:pPr lvl="1"/>
             <a:r>
+              <a:rPr lang="fr-FR" dirty="0" smtClean="0"/>
+              <a:t>Les </a:t>
+            </a:r>
+            <a:r>
+              <a:rPr lang="fr-FR" dirty="0"/>
+              <a:t>fichiers d’entrée des tests de la méthode </a:t>
+            </a:r>
+            <a:r>
+              <a:rPr lang="fr-FR" dirty="0" err="1"/>
+              <a:t>testRun</a:t>
+            </a:r>
+            <a:r>
+              <a:rPr lang="fr-FR" dirty="0"/>
+              <a:t> sont dans </a:t>
+            </a:r>
+            <a:r>
+              <a:rPr lang="fr-FR" dirty="0" err="1"/>
+              <a:t>EasyBid</a:t>
+            </a:r>
+            <a:r>
+              <a:rPr lang="fr-FR" dirty="0"/>
+              <a:t> – bin – tests</a:t>
+            </a:r>
+            <a:r>
+              <a:rPr lang="fr-FR" dirty="0" smtClean="0"/>
+              <a:t>.</a:t>
+            </a:r>
+          </a:p>
+          <a:p>
+            <a:pPr lvl="1"/>
+            <a:r>
+              <a:rPr lang="fr-FR" dirty="0" smtClean="0"/>
+              <a:t>La méthode </a:t>
+            </a:r>
+            <a:r>
               <a:rPr lang="fr-FR" dirty="0" err="1" smtClean="0"/>
-              <a:t>AuctionHall</a:t>
-            </a:r>
+              <a:t>testRun</a:t>
+            </a:r>
+            <a:r>
+              <a:rPr lang="fr-FR" dirty="0" smtClean="0"/>
+              <a:t> appelle </a:t>
+            </a:r>
+            <a:r>
+              <a:rPr lang="fr-FR" dirty="0" err="1" smtClean="0"/>
+              <a:t>plusieures</a:t>
+            </a:r>
+            <a:r>
+              <a:rPr lang="fr-FR" dirty="0"/>
+              <a:t> </a:t>
+            </a:r>
+            <a:r>
+              <a:rPr lang="fr-FR" dirty="0" smtClean="0"/>
+              <a:t>méthodes pour effectuer les tests sur chacun des fichiers d’entrée.</a:t>
+            </a:r>
+            <a:endParaRPr lang="fr-FR" dirty="0"/>
+          </a:p>
+          <a:p>
+            <a:pPr lvl="1"/>
             <a:endParaRPr lang="fr-FR" dirty="0" smtClean="0"/>
           </a:p>
           <a:p>
-            <a:pPr lvl="1"/>
-            <a:r>
-              <a:rPr lang="fr-FR" dirty="0" err="1" smtClean="0"/>
-              <a:t>BidTimer</a:t>
-            </a:r>
-            <a:endParaRPr lang="fr-FR" dirty="0" smtClean="0"/>
-          </a:p>
-          <a:p>
-            <a:pPr lvl="1"/>
-            <a:r>
-              <a:rPr lang="fr-FR" dirty="0" err="1" smtClean="0"/>
-              <a:t>Currency</a:t>
-            </a:r>
-            <a:endParaRPr lang="fr-FR" dirty="0" smtClean="0"/>
-          </a:p>
-          <a:p>
-            <a:pPr lvl="1"/>
-            <a:r>
-              <a:rPr lang="fr-FR" dirty="0" smtClean="0"/>
-              <a:t>Price</a:t>
-            </a:r>
-          </a:p>
-          <a:p>
-            <a:pPr lvl="1"/>
-            <a:r>
-              <a:rPr lang="fr-FR" dirty="0" smtClean="0"/>
-              <a:t>Product </a:t>
-            </a:r>
             <a:endParaRPr lang="fr-FR" dirty="0"/>
           </a:p>
         </p:txBody>
@@ -5792,7 +5827,7 @@
     </p:spTree>
     <p:extLst>
       <p:ext uri="{BB962C8B-B14F-4D97-AF65-F5344CB8AC3E}">
-        <p14:creationId xmlns:p14="http://schemas.microsoft.com/office/powerpoint/2010/main" val="1831048503"/>
+        <p14:creationId xmlns:p14="http://schemas.microsoft.com/office/powerpoint/2010/main" val="596047069"/>
       </p:ext>
     </p:extLst>
   </p:cSld>
@@ -5843,60 +5878,67 @@
           <a:p>
             <a:r>
               <a:rPr lang="fr-FR" dirty="0" smtClean="0"/>
-              <a:t>Classe </a:t>
+              <a:t>Package environnement</a:t>
+            </a:r>
+            <a:endParaRPr lang="fr-FR" dirty="0"/>
+          </a:p>
+        </p:txBody>
+      </p:sp>
+      <p:sp>
+        <p:nvSpPr>
+          <p:cNvPr id="3" name="Espace réservé du contenu 2"/>
+          <p:cNvSpPr>
+            <a:spLocks noGrp="1"/>
+          </p:cNvSpPr>
+          <p:nvPr>
+            <p:ph idx="1"/>
+          </p:nvPr>
+        </p:nvSpPr>
+        <p:spPr/>
+        <p:txBody>
+          <a:bodyPr/>
+          <a:lstStyle/>
+          <a:p>
+            <a:r>
+              <a:rPr lang="fr-FR" dirty="0" smtClean="0"/>
+              <a:t>Package qui regroupe les classes de fonctionnement interne de </a:t>
             </a:r>
             <a:r>
               <a:rPr lang="fr-FR" dirty="0" err="1" smtClean="0"/>
-              <a:t>AuctionHallTests</a:t>
-            </a:r>
-            <a:endParaRPr lang="fr-FR" dirty="0"/>
-          </a:p>
-        </p:txBody>
-      </p:sp>
-      <p:sp>
-        <p:nvSpPr>
-          <p:cNvPr id="3" name="Espace réservé du contenu 2"/>
-          <p:cNvSpPr>
-            <a:spLocks noGrp="1"/>
-          </p:cNvSpPr>
-          <p:nvPr>
-            <p:ph idx="1"/>
-          </p:nvPr>
-        </p:nvSpPr>
-        <p:spPr/>
-        <p:txBody>
-          <a:bodyPr/>
-          <a:lstStyle/>
-          <a:p>
-            <a:r>
-              <a:rPr lang="fr-FR" dirty="0" smtClean="0"/>
-              <a:t>Tests sur les méthodes de la classe </a:t>
-            </a:r>
+              <a:t>EasyBid</a:t>
+            </a:r>
+            <a:r>
+              <a:rPr lang="fr-FR" dirty="0" smtClean="0"/>
+              <a:t>. Il permet de d’effectuer les actions d’offres et d’échanges lors que celles-ci sont demandées.</a:t>
+            </a:r>
+          </a:p>
+          <a:p>
+            <a:r>
+              <a:rPr lang="fr-FR" dirty="0" smtClean="0"/>
+              <a:t>environnement</a:t>
+            </a:r>
+          </a:p>
+          <a:p>
+            <a:pPr lvl="1"/>
             <a:r>
               <a:rPr lang="fr-FR" dirty="0" err="1" smtClean="0"/>
               <a:t>AuctionHall</a:t>
             </a:r>
-            <a:r>
-              <a:rPr lang="fr-FR" dirty="0" smtClean="0"/>
-              <a:t> :</a:t>
-            </a:r>
+            <a:endParaRPr lang="fr-FR" dirty="0" smtClean="0"/>
           </a:p>
           <a:p>
             <a:pPr lvl="1"/>
             <a:r>
-              <a:rPr lang="fr-FR" dirty="0" smtClean="0"/>
-              <a:t>Construction</a:t>
-            </a:r>
+              <a:rPr lang="fr-FR" dirty="0" err="1" smtClean="0"/>
+              <a:t>BidTimer</a:t>
+            </a:r>
+            <a:endParaRPr lang="fr-FR" dirty="0" smtClean="0"/>
           </a:p>
           <a:p>
             <a:pPr lvl="1"/>
             <a:r>
-              <a:rPr lang="fr-FR" dirty="0" smtClean="0"/>
-              <a:t>Récupération de la liste d’utilisateurs et des produits </a:t>
-            </a:r>
-            <a:r>
-              <a:rPr lang="fr-FR" dirty="0"/>
-              <a:t>en vente publique</a:t>
+              <a:rPr lang="fr-FR" dirty="0" err="1" smtClean="0"/>
+              <a:t>Currency</a:t>
             </a:r>
             <a:endParaRPr lang="fr-FR" dirty="0" smtClean="0"/>
           </a:p>
@@ -5904,64 +5946,15 @@
             <a:pPr lvl="1"/>
             <a:r>
               <a:rPr lang="fr-FR" dirty="0" smtClean="0"/>
-              <a:t>Ajout et Suppression d’utilisateurs</a:t>
+              <a:t>Price</a:t>
             </a:r>
           </a:p>
           <a:p>
             <a:pPr lvl="1"/>
             <a:r>
-              <a:rPr lang="fr-FR" dirty="0"/>
-              <a:t>Ajout et Suppression </a:t>
-            </a:r>
-            <a:r>
-              <a:rPr lang="fr-FR" dirty="0" smtClean="0"/>
-              <a:t>de produits</a:t>
-            </a:r>
-          </a:p>
-          <a:p>
-            <a:pPr lvl="1"/>
-            <a:r>
-              <a:rPr lang="fr-FR" dirty="0" smtClean="0"/>
-              <a:t>Attribution de l’Id des utilisateurs</a:t>
-            </a:r>
-          </a:p>
-          <a:p>
-            <a:pPr lvl="1"/>
-            <a:r>
-              <a:rPr lang="fr-FR" dirty="0" smtClean="0"/>
-              <a:t>Vente des </a:t>
-            </a:r>
-            <a:r>
-              <a:rPr lang="fr-FR" dirty="0" err="1" smtClean="0"/>
-              <a:t>des</a:t>
-            </a:r>
-            <a:r>
-              <a:rPr lang="fr-FR" dirty="0" smtClean="0"/>
-              <a:t> produits quand leur date d’expiration est </a:t>
-            </a:r>
-            <a:r>
-              <a:rPr lang="fr-FR" dirty="0" err="1" smtClean="0"/>
-              <a:t>arrivee</a:t>
-            </a:r>
-            <a:endParaRPr lang="fr-FR" dirty="0"/>
-          </a:p>
-          <a:p>
-            <a:pPr lvl="1"/>
-            <a:endParaRPr lang="fr-FR" dirty="0" smtClean="0"/>
-          </a:p>
-          <a:p>
-            <a:pPr lvl="1"/>
-            <a:endParaRPr lang="fr-FR" dirty="0"/>
-          </a:p>
-          <a:p>
-            <a:pPr lvl="1"/>
-            <a:endParaRPr lang="fr-FR" dirty="0" smtClean="0"/>
-          </a:p>
-          <a:p>
-            <a:pPr lvl="1"/>
-            <a:endParaRPr lang="fr-FR" dirty="0" smtClean="0"/>
-          </a:p>
-          <a:p>
+              <a:rPr lang="fr-FR" dirty="0" smtClean="0"/>
+              <a:t>Product </a:t>
+            </a:r>
             <a:endParaRPr lang="fr-FR" dirty="0"/>
           </a:p>
         </p:txBody>
@@ -6015,7 +6008,7 @@
     </p:spTree>
     <p:extLst>
       <p:ext uri="{BB962C8B-B14F-4D97-AF65-F5344CB8AC3E}">
-        <p14:creationId xmlns:p14="http://schemas.microsoft.com/office/powerpoint/2010/main" val="3046475013"/>
+        <p14:creationId xmlns:p14="http://schemas.microsoft.com/office/powerpoint/2010/main" val="1831048503"/>
       </p:ext>
     </p:extLst>
   </p:cSld>
@@ -6070,7 +6063,7 @@
             </a:r>
             <a:r>
               <a:rPr lang="fr-FR" dirty="0" err="1" smtClean="0"/>
-              <a:t>BidTimerTests</a:t>
+              <a:t>AuctionHallTests</a:t>
             </a:r>
             <a:endParaRPr lang="fr-FR" dirty="0"/>
           </a:p>
@@ -6086,23 +6079,18 @@
             <p:ph idx="1"/>
           </p:nvPr>
         </p:nvSpPr>
-        <p:spPr>
-          <a:xfrm>
-            <a:off x="549275" y="1600201"/>
-            <a:ext cx="8042276" cy="1540767"/>
-          </a:xfrm>
-        </p:spPr>
-        <p:txBody>
-          <a:bodyPr/>
-          <a:lstStyle/>
-          <a:p>
-            <a:r>
-              <a:rPr lang="fr-FR" dirty="0" smtClean="0"/>
-              <a:t>Tests sur la classe </a:t>
+        <p:spPr/>
+        <p:txBody>
+          <a:bodyPr/>
+          <a:lstStyle/>
+          <a:p>
+            <a:r>
+              <a:rPr lang="fr-FR" dirty="0" smtClean="0"/>
+              <a:t>Tests sur les méthodes de la classe </a:t>
             </a:r>
             <a:r>
               <a:rPr lang="fr-FR" dirty="0" err="1" smtClean="0"/>
-              <a:t>BidTimer</a:t>
+              <a:t>AuctionHall</a:t>
             </a:r>
             <a:r>
               <a:rPr lang="fr-FR" dirty="0" smtClean="0"/>
@@ -6113,15 +6101,69 @@
             <a:pPr lvl="1"/>
             <a:r>
               <a:rPr lang="fr-FR" dirty="0" smtClean="0"/>
-              <a:t>Construction (pour les 2 constructeurs)</a:t>
+              <a:t>Construction</a:t>
             </a:r>
           </a:p>
           <a:p>
             <a:pPr lvl="1"/>
             <a:r>
               <a:rPr lang="fr-FR" dirty="0" smtClean="0"/>
-              <a:t>Mise à jour de l’heure actuelle</a:t>
-            </a:r>
+              <a:t>Récupération de la liste d’utilisateurs et des produits </a:t>
+            </a:r>
+            <a:r>
+              <a:rPr lang="fr-FR" dirty="0"/>
+              <a:t>en vente publique</a:t>
+            </a:r>
+            <a:endParaRPr lang="fr-FR" dirty="0" smtClean="0"/>
+          </a:p>
+          <a:p>
+            <a:pPr lvl="1"/>
+            <a:r>
+              <a:rPr lang="fr-FR" dirty="0" smtClean="0"/>
+              <a:t>Ajout et Suppression d’utilisateurs</a:t>
+            </a:r>
+          </a:p>
+          <a:p>
+            <a:pPr lvl="1"/>
+            <a:r>
+              <a:rPr lang="fr-FR" dirty="0"/>
+              <a:t>Ajout et Suppression </a:t>
+            </a:r>
+            <a:r>
+              <a:rPr lang="fr-FR" dirty="0" smtClean="0"/>
+              <a:t>de produits</a:t>
+            </a:r>
+          </a:p>
+          <a:p>
+            <a:pPr lvl="1"/>
+            <a:r>
+              <a:rPr lang="fr-FR" dirty="0" smtClean="0"/>
+              <a:t>Attribution de l’Id des utilisateurs</a:t>
+            </a:r>
+          </a:p>
+          <a:p>
+            <a:pPr lvl="1"/>
+            <a:r>
+              <a:rPr lang="fr-FR" dirty="0" smtClean="0"/>
+              <a:t>Vente des </a:t>
+            </a:r>
+            <a:r>
+              <a:rPr lang="fr-FR" dirty="0" err="1" smtClean="0"/>
+              <a:t>des</a:t>
+            </a:r>
+            <a:r>
+              <a:rPr lang="fr-FR" dirty="0" smtClean="0"/>
+              <a:t> produits quand leur date d’expiration est </a:t>
+            </a:r>
+            <a:r>
+              <a:rPr lang="fr-FR" dirty="0" err="1" smtClean="0"/>
+              <a:t>arrivee</a:t>
+            </a:r>
+            <a:endParaRPr lang="fr-FR" dirty="0"/>
+          </a:p>
+          <a:p>
+            <a:pPr lvl="1"/>
+            <a:endParaRPr lang="fr-FR" dirty="0" smtClean="0"/>
           </a:p>
           <a:p>
             <a:pPr lvl="1"/>
@@ -6129,7 +6171,7 @@
           </a:p>
           <a:p>
             <a:pPr lvl="1"/>
-            <a:endParaRPr lang="fr-FR" dirty="0"/>
+            <a:endParaRPr lang="fr-FR" dirty="0" smtClean="0"/>
           </a:p>
           <a:p>
             <a:pPr lvl="1"/>
@@ -6183,290 +6225,6 @@
               <a:t>19</a:t>
             </a:fld>
             <a:endParaRPr lang="fr-FR"/>
-          </a:p>
-        </p:txBody>
-      </p:sp>
-      <p:sp>
-        <p:nvSpPr>
-          <p:cNvPr id="8" name="Titre 1"/>
-          <p:cNvSpPr txBox="1">
-            <a:spLocks/>
-          </p:cNvSpPr>
-          <p:nvPr/>
-        </p:nvSpPr>
-        <p:spPr>
-          <a:xfrm>
-            <a:off x="517858" y="2564904"/>
-            <a:ext cx="8042276" cy="1336956"/>
-          </a:xfrm>
-          <a:prstGeom prst="rect">
-            <a:avLst/>
-          </a:prstGeom>
-        </p:spPr>
-        <p:txBody>
-          <a:bodyPr vert="horz" lIns="91440" tIns="45720" rIns="91440" bIns="45720" rtlCol="0" anchor="b" anchorCtr="0">
-            <a:noAutofit/>
-          </a:bodyPr>
-          <a:lstStyle>
-            <a:lvl1pPr algn="ctr" defTabSz="914400" rtl="0" eaLnBrk="1" latinLnBrk="0" hangingPunct="1">
-              <a:spcBef>
-                <a:spcPct val="0"/>
-              </a:spcBef>
-              <a:buNone/>
-              <a:defRPr sz="4600" kern="1200">
-                <a:solidFill>
-                  <a:schemeClr val="accent1"/>
-                </a:solidFill>
-                <a:latin typeface="+mj-lt"/>
-                <a:ea typeface="+mj-ea"/>
-                <a:cs typeface="+mj-cs"/>
-              </a:defRPr>
-            </a:lvl1pPr>
-          </a:lstStyle>
-          <a:p>
-            <a:r>
-              <a:rPr lang="fr-FR" dirty="0" smtClean="0"/>
-              <a:t>Classe </a:t>
-            </a:r>
-            <a:r>
-              <a:rPr lang="fr-FR" dirty="0" err="1" smtClean="0"/>
-              <a:t>CurrencyTests</a:t>
-            </a:r>
-            <a:endParaRPr lang="fr-FR" dirty="0"/>
-          </a:p>
-        </p:txBody>
-      </p:sp>
-      <p:sp>
-        <p:nvSpPr>
-          <p:cNvPr id="9" name="Espace réservé du contenu 2"/>
-          <p:cNvSpPr txBox="1">
-            <a:spLocks/>
-          </p:cNvSpPr>
-          <p:nvPr/>
-        </p:nvSpPr>
-        <p:spPr>
-          <a:xfrm>
-            <a:off x="517858" y="4057529"/>
-            <a:ext cx="8042276" cy="1396751"/>
-          </a:xfrm>
-          <a:prstGeom prst="rect">
-            <a:avLst/>
-          </a:prstGeom>
-        </p:spPr>
-        <p:txBody>
-          <a:bodyPr vert="horz" lIns="91440" tIns="45720" rIns="91440" bIns="45720" rtlCol="0">
-            <a:normAutofit/>
-          </a:bodyPr>
-          <a:lstStyle>
-            <a:lvl1pPr marL="349250" indent="-349250" algn="l" defTabSz="914400" rtl="0" eaLnBrk="1" latinLnBrk="0" hangingPunct="1">
-              <a:spcBef>
-                <a:spcPts val="2000"/>
-              </a:spcBef>
-              <a:buClr>
-                <a:schemeClr val="accent1">
-                  <a:lumMod val="60000"/>
-                  <a:lumOff val="40000"/>
-                </a:schemeClr>
-              </a:buClr>
-              <a:buSzPct val="110000"/>
-              <a:buFont typeface="Wingdings 2" pitchFamily="18" charset="2"/>
-              <a:buChar char=""/>
-              <a:defRPr sz="2400" kern="1200">
-                <a:solidFill>
-                  <a:schemeClr val="tx1">
-                    <a:lumMod val="65000"/>
-                    <a:lumOff val="35000"/>
-                  </a:schemeClr>
-                </a:solidFill>
-                <a:latin typeface="+mn-lt"/>
-                <a:ea typeface="+mn-ea"/>
-                <a:cs typeface="+mn-cs"/>
-              </a:defRPr>
-            </a:lvl1pPr>
-            <a:lvl2pPr marL="685800" indent="-336550" algn="l" defTabSz="914400" rtl="0" eaLnBrk="1" latinLnBrk="0" hangingPunct="1">
-              <a:spcBef>
-                <a:spcPts val="600"/>
-              </a:spcBef>
-              <a:buClr>
-                <a:schemeClr val="accent1">
-                  <a:lumMod val="75000"/>
-                </a:schemeClr>
-              </a:buClr>
-              <a:buSzPct val="110000"/>
-              <a:buFont typeface="Wingdings 2" pitchFamily="18" charset="2"/>
-              <a:buChar char=""/>
-              <a:defRPr sz="2200" kern="1200">
-                <a:solidFill>
-                  <a:schemeClr val="tx1">
-                    <a:lumMod val="65000"/>
-                    <a:lumOff val="35000"/>
-                  </a:schemeClr>
-                </a:solidFill>
-                <a:latin typeface="+mn-lt"/>
-                <a:ea typeface="+mn-ea"/>
-                <a:cs typeface="+mn-cs"/>
-              </a:defRPr>
-            </a:lvl2pPr>
-            <a:lvl3pPr marL="968375" indent="-282575" algn="l" defTabSz="914400" rtl="0" eaLnBrk="1" latinLnBrk="0" hangingPunct="1">
-              <a:spcBef>
-                <a:spcPts val="600"/>
-              </a:spcBef>
-              <a:buClr>
-                <a:schemeClr val="accent1">
-                  <a:lumMod val="60000"/>
-                  <a:lumOff val="40000"/>
-                </a:schemeClr>
-              </a:buClr>
-              <a:buSzPct val="110000"/>
-              <a:buFont typeface="Wingdings 2" pitchFamily="18" charset="2"/>
-              <a:buChar char=""/>
-              <a:defRPr sz="2000" kern="1200">
-                <a:solidFill>
-                  <a:schemeClr val="tx1">
-                    <a:lumMod val="65000"/>
-                    <a:lumOff val="35000"/>
-                  </a:schemeClr>
-                </a:solidFill>
-                <a:latin typeface="+mn-lt"/>
-                <a:ea typeface="+mn-ea"/>
-                <a:cs typeface="+mn-cs"/>
-              </a:defRPr>
-            </a:lvl3pPr>
-            <a:lvl4pPr marL="1263650" indent="-295275" algn="l" defTabSz="914400" rtl="0" eaLnBrk="1" latinLnBrk="0" hangingPunct="1">
-              <a:spcBef>
-                <a:spcPts val="600"/>
-              </a:spcBef>
-              <a:buClr>
-                <a:schemeClr val="accent1">
-                  <a:lumMod val="75000"/>
-                </a:schemeClr>
-              </a:buClr>
-              <a:buSzPct val="110000"/>
-              <a:buFont typeface="Wingdings 2" pitchFamily="18" charset="2"/>
-              <a:buChar char=""/>
-              <a:defRPr sz="1800" kern="1200">
-                <a:solidFill>
-                  <a:schemeClr val="tx1">
-                    <a:lumMod val="65000"/>
-                    <a:lumOff val="35000"/>
-                  </a:schemeClr>
-                </a:solidFill>
-                <a:latin typeface="+mn-lt"/>
-                <a:ea typeface="+mn-ea"/>
-                <a:cs typeface="+mn-cs"/>
-              </a:defRPr>
-            </a:lvl4pPr>
-            <a:lvl5pPr marL="1546225" indent="-282575" algn="l" defTabSz="914400" rtl="0" eaLnBrk="1" latinLnBrk="0" hangingPunct="1">
-              <a:spcBef>
-                <a:spcPts val="600"/>
-              </a:spcBef>
-              <a:buClr>
-                <a:schemeClr val="accent1">
-                  <a:lumMod val="60000"/>
-                  <a:lumOff val="40000"/>
-                </a:schemeClr>
-              </a:buClr>
-              <a:buSzPct val="110000"/>
-              <a:buFont typeface="Wingdings 2" pitchFamily="18" charset="2"/>
-              <a:buChar char=""/>
-              <a:defRPr sz="1800" kern="1200">
-                <a:solidFill>
-                  <a:schemeClr val="tx1">
-                    <a:lumMod val="65000"/>
-                    <a:lumOff val="35000"/>
-                  </a:schemeClr>
-                </a:solidFill>
-                <a:latin typeface="+mn-lt"/>
-                <a:ea typeface="+mn-ea"/>
-                <a:cs typeface="+mn-cs"/>
-              </a:defRPr>
-            </a:lvl5pPr>
-            <a:lvl6pPr marL="2514600" indent="-228600" algn="l" defTabSz="914400" rtl="0" eaLnBrk="1" latinLnBrk="0" hangingPunct="1">
-              <a:spcBef>
-                <a:spcPct val="20000"/>
-              </a:spcBef>
-              <a:buFont typeface="Arial" pitchFamily="34" charset="0"/>
-              <a:buChar char="•"/>
-              <a:defRPr sz="2000" kern="1200">
-                <a:solidFill>
-                  <a:schemeClr val="tx1"/>
-                </a:solidFill>
-                <a:latin typeface="+mn-lt"/>
-                <a:ea typeface="+mn-ea"/>
-                <a:cs typeface="+mn-cs"/>
-              </a:defRPr>
-            </a:lvl6pPr>
-            <a:lvl7pPr marL="2971800" indent="-228600" algn="l" defTabSz="914400" rtl="0" eaLnBrk="1" latinLnBrk="0" hangingPunct="1">
-              <a:spcBef>
-                <a:spcPct val="20000"/>
-              </a:spcBef>
-              <a:buFont typeface="Arial" pitchFamily="34" charset="0"/>
-              <a:buChar char="•"/>
-              <a:defRPr sz="2000" kern="1200">
-                <a:solidFill>
-                  <a:schemeClr val="tx1"/>
-                </a:solidFill>
-                <a:latin typeface="+mn-lt"/>
-                <a:ea typeface="+mn-ea"/>
-                <a:cs typeface="+mn-cs"/>
-              </a:defRPr>
-            </a:lvl7pPr>
-            <a:lvl8pPr marL="3429000" indent="-228600" algn="l" defTabSz="914400" rtl="0" eaLnBrk="1" latinLnBrk="0" hangingPunct="1">
-              <a:spcBef>
-                <a:spcPct val="20000"/>
-              </a:spcBef>
-              <a:buFont typeface="Arial" pitchFamily="34" charset="0"/>
-              <a:buChar char="•"/>
-              <a:defRPr sz="2000" kern="1200">
-                <a:solidFill>
-                  <a:schemeClr val="tx1"/>
-                </a:solidFill>
-                <a:latin typeface="+mn-lt"/>
-                <a:ea typeface="+mn-ea"/>
-                <a:cs typeface="+mn-cs"/>
-              </a:defRPr>
-            </a:lvl8pPr>
-            <a:lvl9pPr marL="3886200" indent="-228600" algn="l" defTabSz="914400" rtl="0" eaLnBrk="1" latinLnBrk="0" hangingPunct="1">
-              <a:spcBef>
-                <a:spcPct val="20000"/>
-              </a:spcBef>
-              <a:buFont typeface="Arial" pitchFamily="34" charset="0"/>
-              <a:buChar char="•"/>
-              <a:defRPr sz="2000" kern="1200">
-                <a:solidFill>
-                  <a:schemeClr val="tx1"/>
-                </a:solidFill>
-                <a:latin typeface="+mn-lt"/>
-                <a:ea typeface="+mn-ea"/>
-                <a:cs typeface="+mn-cs"/>
-              </a:defRPr>
-            </a:lvl9pPr>
-          </a:lstStyle>
-          <a:p>
-            <a:r>
-              <a:rPr lang="fr-FR" dirty="0" smtClean="0"/>
-              <a:t>Tests sur la classe </a:t>
-            </a:r>
-            <a:r>
-              <a:rPr lang="fr-FR" dirty="0" err="1" smtClean="0"/>
-              <a:t>Currency</a:t>
-            </a:r>
-            <a:endParaRPr lang="fr-FR" dirty="0" smtClean="0"/>
-          </a:p>
-          <a:p>
-            <a:pPr lvl="1"/>
-            <a:r>
-              <a:rPr lang="fr-FR" dirty="0" smtClean="0"/>
-              <a:t>Récupération des valeurs contenues dans les différents cas de </a:t>
-            </a:r>
-            <a:r>
-              <a:rPr lang="fr-FR" dirty="0" err="1" smtClean="0"/>
-              <a:t>Currency</a:t>
-            </a:r>
-            <a:endParaRPr lang="fr-FR" dirty="0" smtClean="0"/>
-          </a:p>
-          <a:p>
-            <a:endParaRPr lang="fr-FR" dirty="0"/>
           </a:p>
         </p:txBody>
       </p:sp>
@@ -6780,7 +6538,7 @@
             </a:r>
             <a:r>
               <a:rPr lang="fr-FR" dirty="0" err="1" smtClean="0"/>
-              <a:t>PriceTests</a:t>
+              <a:t>BidTimerTests</a:t>
             </a:r>
             <a:endParaRPr lang="fr-FR" dirty="0"/>
           </a:p>
@@ -6796,51 +6554,50 @@
             <p:ph idx="1"/>
           </p:nvPr>
         </p:nvSpPr>
-        <p:spPr/>
-        <p:txBody>
-          <a:bodyPr/>
-          <a:lstStyle/>
-          <a:p>
-            <a:r>
-              <a:rPr lang="fr-FR" dirty="0" smtClean="0"/>
-              <a:t>Tests sur la classe Price</a:t>
-            </a:r>
+        <p:spPr>
+          <a:xfrm>
+            <a:off x="549275" y="1600201"/>
+            <a:ext cx="8042276" cy="1540767"/>
+          </a:xfrm>
+        </p:spPr>
+        <p:txBody>
+          <a:bodyPr/>
+          <a:lstStyle/>
+          <a:p>
+            <a:r>
+              <a:rPr lang="fr-FR" dirty="0" smtClean="0"/>
+              <a:t>Tests sur la classe </a:t>
+            </a:r>
+            <a:r>
+              <a:rPr lang="fr-FR" dirty="0" err="1" smtClean="0"/>
+              <a:t>BidTimer</a:t>
+            </a:r>
+            <a:r>
+              <a:rPr lang="fr-FR" dirty="0" smtClean="0"/>
+              <a:t> :</a:t>
+            </a:r>
+          </a:p>
+          <a:p>
+            <a:pPr lvl="1"/>
+            <a:r>
+              <a:rPr lang="fr-FR" dirty="0" smtClean="0"/>
+              <a:t>Construction (pour les 2 constructeurs)</a:t>
+            </a:r>
+          </a:p>
+          <a:p>
+            <a:pPr lvl="1"/>
+            <a:r>
+              <a:rPr lang="fr-FR" dirty="0" smtClean="0"/>
+              <a:t>Mise à jour de l’heure actuelle</a:t>
+            </a:r>
+          </a:p>
+          <a:p>
+            <a:pPr lvl="1"/>
             <a:endParaRPr lang="fr-FR" dirty="0"/>
           </a:p>
           <a:p>
             <a:pPr lvl="1"/>
-            <a:r>
-              <a:rPr lang="fr-FR" dirty="0" smtClean="0"/>
-              <a:t>Construction</a:t>
-            </a:r>
-          </a:p>
-          <a:p>
-            <a:pPr lvl="1"/>
-            <a:r>
-              <a:rPr lang="fr-FR" dirty="0" smtClean="0"/>
-              <a:t>Getters</a:t>
-            </a:r>
-          </a:p>
-          <a:p>
-            <a:pPr lvl="1"/>
-            <a:r>
-              <a:rPr lang="fr-FR" dirty="0" smtClean="0"/>
-              <a:t>Conversions</a:t>
-            </a:r>
-          </a:p>
-          <a:p>
-            <a:pPr lvl="1"/>
-            <a:r>
-              <a:rPr lang="fr-FR" dirty="0" smtClean="0"/>
-              <a:t>Vérification si un prix vaut plus qu’un autre</a:t>
-            </a:r>
-          </a:p>
-          <a:p>
-            <a:pPr lvl="1"/>
-            <a:r>
-              <a:rPr lang="fr-FR" dirty="0" smtClean="0"/>
-              <a:t>Ajout et Suppression d’argent</a:t>
-            </a:r>
+            <a:endParaRPr lang="fr-FR" dirty="0"/>
           </a:p>
           <a:p>
             <a:pPr lvl="1"/>
@@ -6894,6 +6651,290 @@
               <a:t>20</a:t>
             </a:fld>
             <a:endParaRPr lang="fr-FR"/>
+          </a:p>
+        </p:txBody>
+      </p:sp>
+      <p:sp>
+        <p:nvSpPr>
+          <p:cNvPr id="8" name="Titre 1"/>
+          <p:cNvSpPr txBox="1">
+            <a:spLocks/>
+          </p:cNvSpPr>
+          <p:nvPr/>
+        </p:nvSpPr>
+        <p:spPr>
+          <a:xfrm>
+            <a:off x="517858" y="2564904"/>
+            <a:ext cx="8042276" cy="1336956"/>
+          </a:xfrm>
+          <a:prstGeom prst="rect">
+            <a:avLst/>
+          </a:prstGeom>
+        </p:spPr>
+        <p:txBody>
+          <a:bodyPr vert="horz" lIns="91440" tIns="45720" rIns="91440" bIns="45720" rtlCol="0" anchor="b" anchorCtr="0">
+            <a:noAutofit/>
+          </a:bodyPr>
+          <a:lstStyle>
+            <a:lvl1pPr algn="ctr" defTabSz="914400" rtl="0" eaLnBrk="1" latinLnBrk="0" hangingPunct="1">
+              <a:spcBef>
+                <a:spcPct val="0"/>
+              </a:spcBef>
+              <a:buNone/>
+              <a:defRPr sz="4600" kern="1200">
+                <a:solidFill>
+                  <a:schemeClr val="accent1"/>
+                </a:solidFill>
+                <a:latin typeface="+mj-lt"/>
+                <a:ea typeface="+mj-ea"/>
+                <a:cs typeface="+mj-cs"/>
+              </a:defRPr>
+            </a:lvl1pPr>
+          </a:lstStyle>
+          <a:p>
+            <a:r>
+              <a:rPr lang="fr-FR" dirty="0" smtClean="0"/>
+              <a:t>Classe </a:t>
+            </a:r>
+            <a:r>
+              <a:rPr lang="fr-FR" dirty="0" err="1" smtClean="0"/>
+              <a:t>CurrencyTests</a:t>
+            </a:r>
+            <a:endParaRPr lang="fr-FR" dirty="0"/>
+          </a:p>
+        </p:txBody>
+      </p:sp>
+      <p:sp>
+        <p:nvSpPr>
+          <p:cNvPr id="9" name="Espace réservé du contenu 2"/>
+          <p:cNvSpPr txBox="1">
+            <a:spLocks/>
+          </p:cNvSpPr>
+          <p:nvPr/>
+        </p:nvSpPr>
+        <p:spPr>
+          <a:xfrm>
+            <a:off x="517858" y="4057529"/>
+            <a:ext cx="8042276" cy="1396751"/>
+          </a:xfrm>
+          <a:prstGeom prst="rect">
+            <a:avLst/>
+          </a:prstGeom>
+        </p:spPr>
+        <p:txBody>
+          <a:bodyPr vert="horz" lIns="91440" tIns="45720" rIns="91440" bIns="45720" rtlCol="0">
+            <a:normAutofit/>
+          </a:bodyPr>
+          <a:lstStyle>
+            <a:lvl1pPr marL="349250" indent="-349250" algn="l" defTabSz="914400" rtl="0" eaLnBrk="1" latinLnBrk="0" hangingPunct="1">
+              <a:spcBef>
+                <a:spcPts val="2000"/>
+              </a:spcBef>
+              <a:buClr>
+                <a:schemeClr val="accent1">
+                  <a:lumMod val="60000"/>
+                  <a:lumOff val="40000"/>
+                </a:schemeClr>
+              </a:buClr>
+              <a:buSzPct val="110000"/>
+              <a:buFont typeface="Wingdings 2" pitchFamily="18" charset="2"/>
+              <a:buChar char=""/>
+              <a:defRPr sz="2400" kern="1200">
+                <a:solidFill>
+                  <a:schemeClr val="tx1">
+                    <a:lumMod val="65000"/>
+                    <a:lumOff val="35000"/>
+                  </a:schemeClr>
+                </a:solidFill>
+                <a:latin typeface="+mn-lt"/>
+                <a:ea typeface="+mn-ea"/>
+                <a:cs typeface="+mn-cs"/>
+              </a:defRPr>
+            </a:lvl1pPr>
+            <a:lvl2pPr marL="685800" indent="-336550" algn="l" defTabSz="914400" rtl="0" eaLnBrk="1" latinLnBrk="0" hangingPunct="1">
+              <a:spcBef>
+                <a:spcPts val="600"/>
+              </a:spcBef>
+              <a:buClr>
+                <a:schemeClr val="accent1">
+                  <a:lumMod val="75000"/>
+                </a:schemeClr>
+              </a:buClr>
+              <a:buSzPct val="110000"/>
+              <a:buFont typeface="Wingdings 2" pitchFamily="18" charset="2"/>
+              <a:buChar char=""/>
+              <a:defRPr sz="2200" kern="1200">
+                <a:solidFill>
+                  <a:schemeClr val="tx1">
+                    <a:lumMod val="65000"/>
+                    <a:lumOff val="35000"/>
+                  </a:schemeClr>
+                </a:solidFill>
+                <a:latin typeface="+mn-lt"/>
+                <a:ea typeface="+mn-ea"/>
+                <a:cs typeface="+mn-cs"/>
+              </a:defRPr>
+            </a:lvl2pPr>
+            <a:lvl3pPr marL="968375" indent="-282575" algn="l" defTabSz="914400" rtl="0" eaLnBrk="1" latinLnBrk="0" hangingPunct="1">
+              <a:spcBef>
+                <a:spcPts val="600"/>
+              </a:spcBef>
+              <a:buClr>
+                <a:schemeClr val="accent1">
+                  <a:lumMod val="60000"/>
+                  <a:lumOff val="40000"/>
+                </a:schemeClr>
+              </a:buClr>
+              <a:buSzPct val="110000"/>
+              <a:buFont typeface="Wingdings 2" pitchFamily="18" charset="2"/>
+              <a:buChar char=""/>
+              <a:defRPr sz="2000" kern="1200">
+                <a:solidFill>
+                  <a:schemeClr val="tx1">
+                    <a:lumMod val="65000"/>
+                    <a:lumOff val="35000"/>
+                  </a:schemeClr>
+                </a:solidFill>
+                <a:latin typeface="+mn-lt"/>
+                <a:ea typeface="+mn-ea"/>
+                <a:cs typeface="+mn-cs"/>
+              </a:defRPr>
+            </a:lvl3pPr>
+            <a:lvl4pPr marL="1263650" indent="-295275" algn="l" defTabSz="914400" rtl="0" eaLnBrk="1" latinLnBrk="0" hangingPunct="1">
+              <a:spcBef>
+                <a:spcPts val="600"/>
+              </a:spcBef>
+              <a:buClr>
+                <a:schemeClr val="accent1">
+                  <a:lumMod val="75000"/>
+                </a:schemeClr>
+              </a:buClr>
+              <a:buSzPct val="110000"/>
+              <a:buFont typeface="Wingdings 2" pitchFamily="18" charset="2"/>
+              <a:buChar char=""/>
+              <a:defRPr sz="1800" kern="1200">
+                <a:solidFill>
+                  <a:schemeClr val="tx1">
+                    <a:lumMod val="65000"/>
+                    <a:lumOff val="35000"/>
+                  </a:schemeClr>
+                </a:solidFill>
+                <a:latin typeface="+mn-lt"/>
+                <a:ea typeface="+mn-ea"/>
+                <a:cs typeface="+mn-cs"/>
+              </a:defRPr>
+            </a:lvl4pPr>
+            <a:lvl5pPr marL="1546225" indent="-282575" algn="l" defTabSz="914400" rtl="0" eaLnBrk="1" latinLnBrk="0" hangingPunct="1">
+              <a:spcBef>
+                <a:spcPts val="600"/>
+              </a:spcBef>
+              <a:buClr>
+                <a:schemeClr val="accent1">
+                  <a:lumMod val="60000"/>
+                  <a:lumOff val="40000"/>
+                </a:schemeClr>
+              </a:buClr>
+              <a:buSzPct val="110000"/>
+              <a:buFont typeface="Wingdings 2" pitchFamily="18" charset="2"/>
+              <a:buChar char=""/>
+              <a:defRPr sz="1800" kern="1200">
+                <a:solidFill>
+                  <a:schemeClr val="tx1">
+                    <a:lumMod val="65000"/>
+                    <a:lumOff val="35000"/>
+                  </a:schemeClr>
+                </a:solidFill>
+                <a:latin typeface="+mn-lt"/>
+                <a:ea typeface="+mn-ea"/>
+                <a:cs typeface="+mn-cs"/>
+              </a:defRPr>
+            </a:lvl5pPr>
+            <a:lvl6pPr marL="2514600" indent="-228600" algn="l" defTabSz="914400" rtl="0" eaLnBrk="1" latinLnBrk="0" hangingPunct="1">
+              <a:spcBef>
+                <a:spcPct val="20000"/>
+              </a:spcBef>
+              <a:buFont typeface="Arial" pitchFamily="34" charset="0"/>
+              <a:buChar char="•"/>
+              <a:defRPr sz="2000" kern="1200">
+                <a:solidFill>
+                  <a:schemeClr val="tx1"/>
+                </a:solidFill>
+                <a:latin typeface="+mn-lt"/>
+                <a:ea typeface="+mn-ea"/>
+                <a:cs typeface="+mn-cs"/>
+              </a:defRPr>
+            </a:lvl6pPr>
+            <a:lvl7pPr marL="2971800" indent="-228600" algn="l" defTabSz="914400" rtl="0" eaLnBrk="1" latinLnBrk="0" hangingPunct="1">
+              <a:spcBef>
+                <a:spcPct val="20000"/>
+              </a:spcBef>
+              <a:buFont typeface="Arial" pitchFamily="34" charset="0"/>
+              <a:buChar char="•"/>
+              <a:defRPr sz="2000" kern="1200">
+                <a:solidFill>
+                  <a:schemeClr val="tx1"/>
+                </a:solidFill>
+                <a:latin typeface="+mn-lt"/>
+                <a:ea typeface="+mn-ea"/>
+                <a:cs typeface="+mn-cs"/>
+              </a:defRPr>
+            </a:lvl7pPr>
+            <a:lvl8pPr marL="3429000" indent="-228600" algn="l" defTabSz="914400" rtl="0" eaLnBrk="1" latinLnBrk="0" hangingPunct="1">
+              <a:spcBef>
+                <a:spcPct val="20000"/>
+              </a:spcBef>
+              <a:buFont typeface="Arial" pitchFamily="34" charset="0"/>
+              <a:buChar char="•"/>
+              <a:defRPr sz="2000" kern="1200">
+                <a:solidFill>
+                  <a:schemeClr val="tx1"/>
+                </a:solidFill>
+                <a:latin typeface="+mn-lt"/>
+                <a:ea typeface="+mn-ea"/>
+                <a:cs typeface="+mn-cs"/>
+              </a:defRPr>
+            </a:lvl8pPr>
+            <a:lvl9pPr marL="3886200" indent="-228600" algn="l" defTabSz="914400" rtl="0" eaLnBrk="1" latinLnBrk="0" hangingPunct="1">
+              <a:spcBef>
+                <a:spcPct val="20000"/>
+              </a:spcBef>
+              <a:buFont typeface="Arial" pitchFamily="34" charset="0"/>
+              <a:buChar char="•"/>
+              <a:defRPr sz="2000" kern="1200">
+                <a:solidFill>
+                  <a:schemeClr val="tx1"/>
+                </a:solidFill>
+                <a:latin typeface="+mn-lt"/>
+                <a:ea typeface="+mn-ea"/>
+                <a:cs typeface="+mn-cs"/>
+              </a:defRPr>
+            </a:lvl9pPr>
+          </a:lstStyle>
+          <a:p>
+            <a:r>
+              <a:rPr lang="fr-FR" dirty="0" smtClean="0"/>
+              <a:t>Tests sur la classe </a:t>
+            </a:r>
+            <a:r>
+              <a:rPr lang="fr-FR" dirty="0" err="1" smtClean="0"/>
+              <a:t>Currency</a:t>
+            </a:r>
+            <a:endParaRPr lang="fr-FR" dirty="0" smtClean="0"/>
+          </a:p>
+          <a:p>
+            <a:pPr lvl="1"/>
+            <a:r>
+              <a:rPr lang="fr-FR" dirty="0" smtClean="0"/>
+              <a:t>Récupération des valeurs contenues dans les différents cas de </a:t>
+            </a:r>
+            <a:r>
+              <a:rPr lang="fr-FR" dirty="0" err="1" smtClean="0"/>
+              <a:t>Currency</a:t>
+            </a:r>
+            <a:endParaRPr lang="fr-FR" dirty="0" smtClean="0"/>
+          </a:p>
+          <a:p>
+            <a:endParaRPr lang="fr-FR" dirty="0"/>
           </a:p>
         </p:txBody>
       </p:sp>
@@ -6955,7 +6996,7 @@
             </a:r>
             <a:r>
               <a:rPr lang="fr-FR" dirty="0" err="1" smtClean="0"/>
-              <a:t>ProductTests</a:t>
+              <a:t>PriceTests</a:t>
             </a:r>
             <a:endParaRPr lang="fr-FR" dirty="0"/>
           </a:p>
@@ -6978,21 +7019,21 @@
           <a:p>
             <a:r>
               <a:rPr lang="fr-FR" dirty="0" smtClean="0"/>
-              <a:t>Tests sur la classe Product</a:t>
+              <a:t>Tests sur la classe Price</a:t>
             </a:r>
             <a:endParaRPr lang="fr-FR" dirty="0"/>
           </a:p>
           <a:p>
             <a:pPr lvl="1"/>
             <a:r>
-              <a:rPr lang="fr-FR" dirty="0"/>
+              <a:rPr lang="fr-FR" dirty="0" smtClean="0"/>
               <a:t>Construction</a:t>
             </a:r>
           </a:p>
           <a:p>
             <a:pPr lvl="1"/>
             <a:r>
-              <a:rPr lang="fr-FR" dirty="0"/>
+              <a:rPr lang="fr-FR" dirty="0" smtClean="0"/>
               <a:t>Getters</a:t>
             </a:r>
           </a:p>
@@ -7000,15 +7041,25 @@
             <a:pPr lvl="1"/>
             <a:r>
               <a:rPr lang="fr-FR" dirty="0" smtClean="0"/>
-              <a:t>Emission d’une offre</a:t>
+              <a:t>Conversions</a:t>
             </a:r>
           </a:p>
           <a:p>
             <a:pPr lvl="1"/>
             <a:r>
-              <a:rPr lang="fr-FR" dirty="0" err="1" smtClean="0"/>
-              <a:t>equals</a:t>
-            </a:r>
+              <a:rPr lang="fr-FR" dirty="0" smtClean="0"/>
+              <a:t>Vérification si un prix vaut plus qu’un autre</a:t>
+            </a:r>
+          </a:p>
+          <a:p>
+            <a:pPr lvl="1"/>
+            <a:r>
+              <a:rPr lang="fr-FR" dirty="0" smtClean="0"/>
+              <a:t>Ajout et Suppression d’argent</a:t>
+            </a:r>
+          </a:p>
+          <a:p>
+            <a:pPr lvl="1"/>
             <a:endParaRPr lang="fr-FR" dirty="0" smtClean="0"/>
           </a:p>
           <a:p>
@@ -7120,7 +7171,7 @@
             </a:r>
             <a:r>
               <a:rPr lang="fr-FR" dirty="0" err="1" smtClean="0"/>
-              <a:t>UserTests</a:t>
+              <a:t>ProductTests</a:t>
             </a:r>
             <a:endParaRPr lang="fr-FR" dirty="0"/>
           </a:p>
@@ -7165,7 +7216,7 @@
             <a:pPr lvl="1"/>
             <a:r>
               <a:rPr lang="fr-FR" dirty="0" smtClean="0"/>
-              <a:t>Ajout d’un produit à la liste personnelle</a:t>
+              <a:t>Emission d’une offre</a:t>
             </a:r>
           </a:p>
           <a:p>
@@ -7177,6 +7228,171 @@
             <a:endParaRPr lang="fr-FR" dirty="0" smtClean="0"/>
           </a:p>
           <a:p>
+            <a:endParaRPr lang="fr-FR" dirty="0"/>
+          </a:p>
+        </p:txBody>
+      </p:sp>
+      <p:sp>
+        <p:nvSpPr>
+          <p:cNvPr id="4" name="Espace réservé du pied de page 3"/>
+          <p:cNvSpPr>
+            <a:spLocks noGrp="1"/>
+          </p:cNvSpPr>
+          <p:nvPr>
+            <p:ph type="ftr" sz="quarter" idx="11"/>
+          </p:nvPr>
+        </p:nvSpPr>
+        <p:spPr/>
+        <p:txBody>
+          <a:bodyPr/>
+          <a:lstStyle/>
+          <a:p>
+            <a:r>
+              <a:rPr lang="fr-FR" smtClean="0"/>
+              <a:t>Conception et architecture Orientées Objet</a:t>
+            </a:r>
+            <a:endParaRPr lang="fr-FR"/>
+          </a:p>
+        </p:txBody>
+      </p:sp>
+      <p:sp>
+        <p:nvSpPr>
+          <p:cNvPr id="5" name="Espace réservé du numéro de diapositive 4"/>
+          <p:cNvSpPr>
+            <a:spLocks noGrp="1"/>
+          </p:cNvSpPr>
+          <p:nvPr>
+            <p:ph type="sldNum" sz="quarter" idx="12"/>
+          </p:nvPr>
+        </p:nvSpPr>
+        <p:spPr/>
+        <p:txBody>
+          <a:bodyPr/>
+          <a:lstStyle/>
+          <a:p>
+            <a:fld id="{6A5E4927-E38B-CA4F-8043-983A6C4FF18B}" type="slidenum">
+              <a:rPr lang="fr-FR" smtClean="0"/>
+              <a:t>22</a:t>
+            </a:fld>
+            <a:endParaRPr lang="fr-FR"/>
+          </a:p>
+        </p:txBody>
+      </p:sp>
+    </p:spTree>
+    <p:extLst>
+      <p:ext uri="{BB962C8B-B14F-4D97-AF65-F5344CB8AC3E}">
+        <p14:creationId xmlns:p14="http://schemas.microsoft.com/office/powerpoint/2010/main" val="3046475013"/>
+      </p:ext>
+    </p:extLst>
+  </p:cSld>
+  <p:clrMapOvr>
+    <a:masterClrMapping/>
+  </p:clrMapOvr>
+  <p:timing>
+    <p:tnLst>
+      <p:par>
+        <p:cTn id="1" dur="indefinite" restart="never" nodeType="tmRoot"/>
+      </p:par>
+    </p:tnLst>
+  </p:timing>
+</p:sld>
+</file>
+
+<file path=ppt/slides/slide23.xml><?xml version="1.0" encoding="utf-8"?>
+<p:sld xmlns:a="http://schemas.openxmlformats.org/drawingml/2006/main" xmlns:r="http://schemas.openxmlformats.org/officeDocument/2006/relationships" xmlns:p="http://schemas.openxmlformats.org/presentationml/2006/main">
+  <p:cSld>
+    <p:spTree>
+      <p:nvGrpSpPr>
+        <p:cNvPr id="1" name=""/>
+        <p:cNvGrpSpPr/>
+        <p:nvPr/>
+      </p:nvGrpSpPr>
+      <p:grpSpPr>
+        <a:xfrm>
+          <a:off x="0" y="0"/>
+          <a:ext cx="0" cy="0"/>
+          <a:chOff x="0" y="0"/>
+          <a:chExt cx="0" cy="0"/>
+        </a:xfrm>
+      </p:grpSpPr>
+      <p:sp>
+        <p:nvSpPr>
+          <p:cNvPr id="2" name="Titre 1"/>
+          <p:cNvSpPr>
+            <a:spLocks noGrp="1"/>
+          </p:cNvSpPr>
+          <p:nvPr>
+            <p:ph type="title"/>
+          </p:nvPr>
+        </p:nvSpPr>
+        <p:spPr/>
+        <p:txBody>
+          <a:bodyPr/>
+          <a:lstStyle/>
+          <a:p>
+            <a:r>
+              <a:rPr lang="fr-FR" dirty="0" smtClean="0"/>
+              <a:t>Classe </a:t>
+            </a:r>
+            <a:r>
+              <a:rPr lang="fr-FR" dirty="0" err="1" smtClean="0"/>
+              <a:t>UserTests</a:t>
+            </a:r>
+            <a:endParaRPr lang="fr-FR" dirty="0"/>
+          </a:p>
+        </p:txBody>
+      </p:sp>
+      <p:sp>
+        <p:nvSpPr>
+          <p:cNvPr id="3" name="Espace réservé du contenu 2"/>
+          <p:cNvSpPr>
+            <a:spLocks noGrp="1"/>
+          </p:cNvSpPr>
+          <p:nvPr>
+            <p:ph idx="1"/>
+          </p:nvPr>
+        </p:nvSpPr>
+        <p:spPr/>
+        <p:txBody>
+          <a:bodyPr/>
+          <a:lstStyle/>
+          <a:p>
+            <a:r>
+              <a:rPr lang="fr-FR" dirty="0" smtClean="0"/>
+              <a:t>Tests sur la classe Product</a:t>
+            </a:r>
+            <a:endParaRPr lang="fr-FR" dirty="0"/>
+          </a:p>
+          <a:p>
+            <a:pPr lvl="1"/>
+            <a:r>
+              <a:rPr lang="fr-FR" dirty="0"/>
+              <a:t>Construction</a:t>
+            </a:r>
+          </a:p>
+          <a:p>
+            <a:pPr lvl="1"/>
+            <a:r>
+              <a:rPr lang="fr-FR" dirty="0"/>
+              <a:t>Getters</a:t>
+            </a:r>
+          </a:p>
+          <a:p>
+            <a:pPr lvl="1"/>
+            <a:r>
+              <a:rPr lang="fr-FR" dirty="0" smtClean="0"/>
+              <a:t>Ajout d’un produit à la liste personnelle</a:t>
+            </a:r>
+          </a:p>
+          <a:p>
+            <a:pPr lvl="1"/>
+            <a:r>
+              <a:rPr lang="fr-FR" dirty="0" err="1" smtClean="0"/>
+              <a:t>equals</a:t>
+            </a:r>
+            <a:endParaRPr lang="fr-FR" dirty="0" smtClean="0"/>
+          </a:p>
+          <a:p>
             <a:pPr lvl="1"/>
             <a:r>
               <a:rPr lang="fr-FR" dirty="0" smtClean="0"/>
@@ -7237,7 +7453,7 @@
           <a:p>
             <a:fld id="{6A5E4927-E38B-CA4F-8043-983A6C4FF18B}" type="slidenum">
               <a:rPr lang="fr-FR" smtClean="0"/>
-              <a:t>22</a:t>
+              <a:t>23</a:t>
             </a:fld>
             <a:endParaRPr lang="fr-FR"/>
           </a:p>
@@ -7686,15 +7902,7 @@
                   <a:srgbClr val="000000"/>
                 </a:solidFill>
               </a:rPr>
-              <a:t>- Création d’un nouveau </a:t>
-            </a:r>
-            <a:r>
-              <a:rPr lang="fr-FR" dirty="0" smtClean="0">
-                <a:solidFill>
-                  <a:srgbClr val="000000"/>
-                </a:solidFill>
-              </a:rPr>
-              <a:t>produit</a:t>
+              <a:t>- Création d’un nouveau produit</a:t>
             </a:r>
             <a:br>
               <a:rPr lang="fr-FR" dirty="0" smtClean="0">
@@ -7726,14 +7934,6 @@
                 </a:solidFill>
               </a:rPr>
               <a:t>enchère</a:t>
-            </a:r>
-            <a:r>
-              <a:rPr lang="fr-FR" dirty="0" smtClean="0">
-                <a:solidFill>
-                  <a:schemeClr val="tx1"/>
-                </a:solidFill>
-              </a:rPr>
-              <a:t/>
             </a:r>
             <a:br>
               <a:rPr lang="fr-FR" dirty="0" smtClean="0">
@@ -8273,7 +8473,11 @@
           <a:p>
             <a:r>
               <a:rPr lang="fr-FR" dirty="0" smtClean="0"/>
-              <a:t>Classe Price</a:t>
+              <a:t>Classe </a:t>
+            </a:r>
+            <a:r>
+              <a:rPr lang="fr-FR" dirty="0" err="1" smtClean="0"/>
+              <a:t>BidTimer</a:t>
             </a:r>
             <a:endParaRPr lang="fr-FR" dirty="0"/>
           </a:p>
@@ -8289,9 +8493,16 @@
             <p:ph idx="1"/>
           </p:nvPr>
         </p:nvSpPr>
-        <p:spPr/>
-        <p:txBody>
-          <a:bodyPr/>
+        <p:spPr>
+          <a:xfrm>
+            <a:off x="549275" y="1600200"/>
+            <a:ext cx="8042276" cy="4493095"/>
+          </a:xfrm>
+        </p:spPr>
+        <p:txBody>
+          <a:bodyPr>
+            <a:normAutofit fontScale="92500"/>
+          </a:bodyPr>
           <a:lstStyle/>
           <a:p>
             <a:pPr>
@@ -8303,15 +8514,36 @@
                   <a:schemeClr val="tx1"/>
                 </a:solidFill>
               </a:rPr>
-              <a:t>	La classe Price gère les prix venant des monnaies de l’énumération </a:t>
-            </a:r>
+              <a:t>Cette classe </a:t>
+            </a:r>
+            <a:r>
+              <a:rPr lang="fr-FR" dirty="0" smtClean="0">
+                <a:solidFill>
+                  <a:schemeClr val="tx1"/>
+                </a:solidFill>
+              </a:rPr>
+              <a:t>s’occupe de la gestion du temps de notre logiciel. Elle possède deux types instances, les instances à date fixe et les instances pour laquelle la date est mise à jour avant chaque utilisation/lecture.</a:t>
+            </a:r>
+          </a:p>
+          <a:p>
+            <a:pPr>
+              <a:buNone/>
+            </a:pPr>
             <a:r>
               <a:rPr lang="fr-FR" dirty="0" err="1" smtClean="0">
                 <a:solidFill>
                   <a:schemeClr val="tx1"/>
                 </a:solidFill>
               </a:rPr>
-              <a:t>Currency</a:t>
+              <a:t>Methodes</a:t>
+            </a:r>
+            <a:r>
+              <a:rPr lang="fr-FR" dirty="0">
+                <a:solidFill>
+                  <a:schemeClr val="tx1"/>
+                </a:solidFill>
+              </a:rPr>
+              <a:t> </a:t>
             </a:r>
             <a:r>
               <a:rPr lang="fr-FR" dirty="0" smtClean="0">
@@ -8319,7 +8551,7 @@
                   <a:schemeClr val="tx1"/>
                 </a:solidFill>
               </a:rPr>
-              <a:t>. </a:t>
+              <a:t>:</a:t>
             </a:r>
           </a:p>
           <a:p>
@@ -8327,25 +8559,44 @@
               <a:buNone/>
             </a:pPr>
             <a:r>
+              <a:rPr lang="fr-FR" dirty="0">
+                <a:solidFill>
+                  <a:schemeClr val="tx1"/>
+                </a:solidFill>
+              </a:rPr>
+              <a:t>	</a:t>
+            </a:r>
+            <a:r>
               <a:rPr lang="fr-FR" dirty="0" smtClean="0">
                 <a:solidFill>
                   <a:schemeClr val="tx1"/>
                 </a:solidFill>
               </a:rPr>
-              <a:t>Méthodes</a:t>
-            </a:r>
-          </a:p>
-          <a:p>
-            <a:pPr>
-              <a:buNone/>
-            </a:pPr>
+              <a:t>- Mise à jour (qui prend effet seulement pour </a:t>
+            </a:r>
+            <a:r>
+              <a:rPr lang="fr-FR" dirty="0">
+                <a:solidFill>
+                  <a:schemeClr val="tx1"/>
+                </a:solidFill>
+              </a:rPr>
+              <a:t>les </a:t>
+            </a:r>
+            <a:r>
+              <a:rPr lang="fr-FR">
+                <a:solidFill>
+                  <a:schemeClr val="tx1"/>
+                </a:solidFill>
+              </a:rPr>
+              <a:t>BidTime </a:t>
+            </a:r>
             <a:r>
               <a:rPr lang="fr-FR" dirty="0" smtClean="0">
                 <a:solidFill>
                   <a:schemeClr val="tx1"/>
                 </a:solidFill>
               </a:rPr>
-              <a:t>	- Ajouter ou Retirer de l’argent</a:t>
+              <a:t>non fixes)</a:t>
             </a:r>
             <a:br>
               <a:rPr lang="fr-FR" dirty="0" smtClean="0">
@@ -8360,7 +8611,7 @@
                   <a:schemeClr val="tx1"/>
                 </a:solidFill>
               </a:rPr>
-              <a:t>- Conversion d’un prix en une autre monnaie</a:t>
+              <a:t>- Récupération de l’heure de création ou de l’heure actuelle</a:t>
             </a:r>
             <a:br>
               <a:rPr lang="fr-FR" dirty="0" smtClean="0">
@@ -8375,8 +8626,70 @@
                   <a:schemeClr val="tx1"/>
                 </a:solidFill>
               </a:rPr>
-              <a:t>- Dire si le prix courant est supérieur au prix proposé</a:t>
-            </a:r>
+              <a:t>- Getter pour savoir si le </a:t>
+            </a:r>
+            <a:r>
+              <a:rPr lang="fr-FR" dirty="0" err="1" smtClean="0">
+                <a:solidFill>
+                  <a:schemeClr val="tx1"/>
+                </a:solidFill>
+              </a:rPr>
+              <a:t>BidTimer</a:t>
+            </a:r>
+            <a:r>
+              <a:rPr lang="fr-FR" dirty="0" smtClean="0">
+                <a:solidFill>
+                  <a:schemeClr val="tx1"/>
+                </a:solidFill>
+              </a:rPr>
+              <a:t> est fixe ou non</a:t>
+            </a:r>
+            <a:br>
+              <a:rPr lang="fr-FR" dirty="0" smtClean="0">
+                <a:solidFill>
+                  <a:schemeClr val="tx1"/>
+                </a:solidFill>
+              </a:rPr>
+            </a:br>
+            <a:r>
+              <a:rPr lang="fr-FR" dirty="0" smtClean="0">
+                <a:solidFill>
+                  <a:schemeClr val="tx1"/>
+                </a:solidFill>
+              </a:rPr>
+              <a:t>- Setter de date pour les </a:t>
+            </a:r>
+            <a:r>
+              <a:rPr lang="fr-FR" dirty="0" err="1" smtClean="0">
+                <a:solidFill>
+                  <a:schemeClr val="tx1"/>
+                </a:solidFill>
+              </a:rPr>
+              <a:t>BidTimer</a:t>
+            </a:r>
+            <a:r>
+              <a:rPr lang="fr-FR" dirty="0" smtClean="0">
+                <a:solidFill>
+                  <a:schemeClr val="tx1"/>
+                </a:solidFill>
+              </a:rPr>
+              <a:t> fixes</a:t>
+            </a:r>
+            <a:br>
+              <a:rPr lang="fr-FR" dirty="0" smtClean="0">
+                <a:solidFill>
+                  <a:schemeClr val="tx1"/>
+                </a:solidFill>
+              </a:rPr>
+            </a:br>
+            <a:endParaRPr lang="fr-FR" dirty="0" smtClean="0">
+              <a:solidFill>
+                <a:schemeClr val="tx1"/>
+              </a:solidFill>
+            </a:endParaRPr>
+          </a:p>
+          <a:p>
+            <a:endParaRPr lang="fr-FR" dirty="0"/>
           </a:p>
         </p:txBody>
       </p:sp>
@@ -8427,6 +8740,11 @@
         </p:txBody>
       </p:sp>
     </p:spTree>
+    <p:extLst>
+      <p:ext uri="{BB962C8B-B14F-4D97-AF65-F5344CB8AC3E}">
+        <p14:creationId xmlns:p14="http://schemas.microsoft.com/office/powerpoint/2010/main" val="480962775"/>
+      </p:ext>
+    </p:extLst>
   </p:cSld>
   <p:clrMapOvr>
     <a:masterClrMapping/>

--- a/Doc/EasyBid.pptx
+++ b/Doc/EasyBid.pptx
@@ -5,10 +5,10 @@
     <p:sldMasterId id="2147483648" r:id="rId1"/>
   </p:sldMasterIdLst>
   <p:notesMasterIdLst>
-    <p:notesMasterId r:id="rId25"/>
+    <p:notesMasterId r:id="rId26"/>
   </p:notesMasterIdLst>
   <p:handoutMasterIdLst>
-    <p:handoutMasterId r:id="rId26"/>
+    <p:handoutMasterId r:id="rId27"/>
   </p:handoutMasterIdLst>
   <p:sldIdLst>
     <p:sldId id="256" r:id="rId2"/>
@@ -26,14 +26,15 @@
     <p:sldId id="272" r:id="rId14"/>
     <p:sldId id="270" r:id="rId15"/>
     <p:sldId id="273" r:id="rId16"/>
-    <p:sldId id="275" r:id="rId17"/>
-    <p:sldId id="279" r:id="rId18"/>
-    <p:sldId id="277" r:id="rId19"/>
-    <p:sldId id="280" r:id="rId20"/>
-    <p:sldId id="281" r:id="rId21"/>
-    <p:sldId id="284" r:id="rId22"/>
-    <p:sldId id="283" r:id="rId23"/>
-    <p:sldId id="285" r:id="rId24"/>
+    <p:sldId id="287" r:id="rId17"/>
+    <p:sldId id="275" r:id="rId18"/>
+    <p:sldId id="279" r:id="rId19"/>
+    <p:sldId id="277" r:id="rId20"/>
+    <p:sldId id="280" r:id="rId21"/>
+    <p:sldId id="281" r:id="rId22"/>
+    <p:sldId id="284" r:id="rId23"/>
+    <p:sldId id="283" r:id="rId24"/>
+    <p:sldId id="285" r:id="rId25"/>
   </p:sldIdLst>
   <p:sldSz cx="9144000" cy="6858000" type="screen4x3"/>
   <p:notesSz cx="6858000" cy="9144000"/>
@@ -5496,24 +5497,48 @@
             <p:ph type="title"/>
           </p:nvPr>
         </p:nvSpPr>
+        <p:spPr/>
+        <p:txBody>
+          <a:bodyPr/>
+          <a:lstStyle/>
+          <a:p>
+            <a:r>
+              <a:rPr lang="fr-FR" dirty="0" smtClean="0"/>
+              <a:t>Diagramme UML</a:t>
+            </a:r>
+            <a:endParaRPr lang="fr-FR" dirty="0"/>
+          </a:p>
+        </p:txBody>
+      </p:sp>
+      <p:pic>
+        <p:nvPicPr>
+          <p:cNvPr id="6" name="Espace réservé du contenu 5"/>
+          <p:cNvPicPr>
+            <a:picLocks noGrp="1" noChangeAspect="1"/>
+          </p:cNvPicPr>
+          <p:nvPr>
+            <p:ph idx="1"/>
+          </p:nvPr>
+        </p:nvPicPr>
+        <p:blipFill>
+          <a:blip r:embed="rId2">
+            <a:extLst>
+              <a:ext uri="{28A0092B-C50C-407E-A947-70E740481C1C}">
+                <a14:useLocalDpi xmlns:a14="http://schemas.microsoft.com/office/drawing/2010/main" val="0"/>
+              </a:ext>
+            </a:extLst>
+          </a:blip>
+          <a:stretch>
+            <a:fillRect/>
+          </a:stretch>
+        </p:blipFill>
         <p:spPr>
           <a:xfrm>
-            <a:off x="549275" y="2819400"/>
-            <a:ext cx="8042276" cy="1336956"/>
+            <a:off x="641459" y="1600200"/>
+            <a:ext cx="7857906" cy="4343400"/>
           </a:xfrm>
         </p:spPr>
-        <p:txBody>
-          <a:bodyPr/>
-          <a:lstStyle/>
-          <a:p>
-            <a:r>
-              <a:rPr lang="fr-FR" sz="4800" dirty="0" smtClean="0"/>
-              <a:t>II) Implémentation de nos classes de tests unitaires</a:t>
-            </a:r>
-            <a:endParaRPr lang="fr-FR" dirty="0"/>
-          </a:p>
-        </p:txBody>
-      </p:sp>
+      </p:pic>
       <p:sp>
         <p:nvSpPr>
           <p:cNvPr id="4" name="Espace réservé du pied de page 3"/>
@@ -5560,44 +5585,12 @@
           </a:p>
         </p:txBody>
       </p:sp>
-      <p:sp>
-        <p:nvSpPr>
-          <p:cNvPr id="3" name="ZoneTexte 2"/>
-          <p:cNvSpPr txBox="1"/>
-          <p:nvPr/>
-        </p:nvSpPr>
-        <p:spPr>
-          <a:xfrm>
-            <a:off x="1043608" y="4941168"/>
-            <a:ext cx="7128792" cy="646331"/>
-          </a:xfrm>
-          <a:prstGeom prst="rect">
-            <a:avLst/>
-          </a:prstGeom>
-          <a:noFill/>
-        </p:spPr>
-        <p:txBody>
-          <a:bodyPr wrap="square" rtlCol="0">
-            <a:spAutoFit/>
-          </a:bodyPr>
-          <a:lstStyle/>
-          <a:p>
-            <a:r>
-              <a:rPr lang="fr-FR" dirty="0" smtClean="0"/>
-              <a:t>Pour une description détaillée de chaque méthode de test, veuillez vous référer au fichier </a:t>
-            </a:r>
-            <a:r>
-              <a:rPr lang="fr-FR" b="1" dirty="0" err="1" smtClean="0"/>
-              <a:t>EasyBid</a:t>
-            </a:r>
-            <a:r>
-              <a:rPr lang="fr-FR" b="1" dirty="0" smtClean="0"/>
-              <a:t> – test – readmeTestingInfo.txt</a:t>
-            </a:r>
-          </a:p>
-        </p:txBody>
-      </p:sp>
     </p:spTree>
+    <p:extLst>
+      <p:ext uri="{BB962C8B-B14F-4D97-AF65-F5344CB8AC3E}">
+        <p14:creationId xmlns:p14="http://schemas.microsoft.com/office/powerpoint/2010/main" val="3779990072"/>
+      </p:ext>
+    </p:extLst>
   </p:cSld>
   <p:clrMapOvr>
     <a:masterClrMapping/>
@@ -5639,141 +5632,20 @@
             <p:ph type="title"/>
           </p:nvPr>
         </p:nvSpPr>
-        <p:spPr/>
-        <p:txBody>
-          <a:bodyPr/>
-          <a:lstStyle/>
-          <a:p>
-            <a:r>
-              <a:rPr lang="fr-FR" dirty="0" smtClean="0"/>
-              <a:t>Classe </a:t>
-            </a:r>
-            <a:r>
-              <a:rPr lang="fr-FR" dirty="0" err="1" smtClean="0"/>
-              <a:t>EasyBidTests</a:t>
-            </a:r>
-            <a:endParaRPr lang="fr-FR" dirty="0"/>
-          </a:p>
-        </p:txBody>
-      </p:sp>
-      <p:sp>
-        <p:nvSpPr>
-          <p:cNvPr id="3" name="Espace réservé du contenu 2"/>
-          <p:cNvSpPr>
-            <a:spLocks noGrp="1"/>
-          </p:cNvSpPr>
-          <p:nvPr>
-            <p:ph idx="1"/>
-          </p:nvPr>
-        </p:nvSpPr>
-        <p:spPr/>
-        <p:txBody>
-          <a:bodyPr/>
-          <a:lstStyle/>
-          <a:p>
-            <a:r>
-              <a:rPr lang="fr-FR" dirty="0" smtClean="0"/>
-              <a:t>Tests sur la classe </a:t>
-            </a:r>
-            <a:r>
-              <a:rPr lang="fr-FR" dirty="0" err="1" smtClean="0"/>
-              <a:t>EasyBid</a:t>
-            </a:r>
-            <a:r>
-              <a:rPr lang="fr-FR" dirty="0" smtClean="0"/>
-              <a:t> en mettant l’entrée standard sur un fichier (prévu par un des constructeurs de </a:t>
-            </a:r>
-            <a:r>
-              <a:rPr lang="fr-FR" dirty="0" err="1" smtClean="0"/>
-              <a:t>EasyBid</a:t>
-            </a:r>
-            <a:r>
-              <a:rPr lang="fr-FR" dirty="0" smtClean="0"/>
-              <a:t>)</a:t>
-            </a:r>
-          </a:p>
-          <a:p>
-            <a:r>
-              <a:rPr lang="fr-FR" dirty="0" err="1" smtClean="0"/>
-              <a:t>Methode</a:t>
-            </a:r>
-            <a:r>
-              <a:rPr lang="fr-FR" dirty="0" smtClean="0"/>
-              <a:t> </a:t>
-            </a:r>
-            <a:r>
-              <a:rPr lang="fr-FR" dirty="0" err="1" smtClean="0"/>
-              <a:t>testRun</a:t>
-            </a:r>
-            <a:r>
-              <a:rPr lang="fr-FR" dirty="0" smtClean="0"/>
-              <a:t> :</a:t>
-            </a:r>
-          </a:p>
-          <a:p>
-            <a:pPr lvl="1"/>
-            <a:r>
-              <a:rPr lang="fr-FR" dirty="0" smtClean="0"/>
-              <a:t>Les </a:t>
-            </a:r>
-            <a:r>
-              <a:rPr lang="fr-FR" dirty="0"/>
-              <a:t>fichiers d’entrée des tests de la méthode </a:t>
-            </a:r>
-            <a:r>
-              <a:rPr lang="fr-FR" dirty="0" err="1"/>
-              <a:t>testRun</a:t>
-            </a:r>
-            <a:r>
-              <a:rPr lang="fr-FR" dirty="0"/>
-              <a:t> sont dans </a:t>
-            </a:r>
-            <a:r>
-              <a:rPr lang="fr-FR" dirty="0" err="1"/>
-              <a:t>EasyBid</a:t>
-            </a:r>
-            <a:r>
-              <a:rPr lang="fr-FR" dirty="0"/>
-              <a:t> – bin – tests</a:t>
-            </a:r>
-            <a:r>
-              <a:rPr lang="fr-FR" dirty="0" smtClean="0"/>
-              <a:t>.</a:t>
-            </a:r>
-          </a:p>
-          <a:p>
-            <a:pPr lvl="1"/>
-            <a:r>
-              <a:rPr lang="fr-FR" dirty="0" smtClean="0"/>
-              <a:t>La méthode </a:t>
-            </a:r>
-            <a:r>
-              <a:rPr lang="fr-FR" dirty="0" err="1" smtClean="0"/>
-              <a:t>testRun</a:t>
-            </a:r>
-            <a:r>
-              <a:rPr lang="fr-FR" dirty="0" smtClean="0"/>
-              <a:t> appelle </a:t>
-            </a:r>
-            <a:r>
-              <a:rPr lang="fr-FR" dirty="0" err="1" smtClean="0"/>
-              <a:t>plusieures</a:t>
-            </a:r>
-            <a:r>
-              <a:rPr lang="fr-FR" dirty="0"/>
-              <a:t> </a:t>
-            </a:r>
-            <a:r>
-              <a:rPr lang="fr-FR" dirty="0" smtClean="0"/>
-              <a:t>méthodes pour effectuer les tests sur chacun des fichiers d’entrée.</a:t>
-            </a:r>
-            <a:endParaRPr lang="fr-FR" dirty="0"/>
-          </a:p>
-          <a:p>
-            <a:pPr lvl="1"/>
-            <a:endParaRPr lang="fr-FR" dirty="0" smtClean="0"/>
-          </a:p>
-          <a:p>
+        <p:spPr>
+          <a:xfrm>
+            <a:off x="549275" y="2819400"/>
+            <a:ext cx="8042276" cy="1336956"/>
+          </a:xfrm>
+        </p:spPr>
+        <p:txBody>
+          <a:bodyPr/>
+          <a:lstStyle/>
+          <a:p>
+            <a:r>
+              <a:rPr lang="fr-FR" sz="4800" dirty="0" smtClean="0"/>
+              <a:t>II) Implémentation de nos classes de tests unitaires</a:t>
+            </a:r>
             <a:endParaRPr lang="fr-FR" dirty="0"/>
           </a:p>
         </p:txBody>
@@ -5824,12 +5696,44 @@
           </a:p>
         </p:txBody>
       </p:sp>
+      <p:sp>
+        <p:nvSpPr>
+          <p:cNvPr id="3" name="ZoneTexte 2"/>
+          <p:cNvSpPr txBox="1"/>
+          <p:nvPr/>
+        </p:nvSpPr>
+        <p:spPr>
+          <a:xfrm>
+            <a:off x="1043608" y="4941168"/>
+            <a:ext cx="7128792" cy="646331"/>
+          </a:xfrm>
+          <a:prstGeom prst="rect">
+            <a:avLst/>
+          </a:prstGeom>
+          <a:noFill/>
+        </p:spPr>
+        <p:txBody>
+          <a:bodyPr wrap="square" rtlCol="0">
+            <a:spAutoFit/>
+          </a:bodyPr>
+          <a:lstStyle/>
+          <a:p>
+            <a:r>
+              <a:rPr lang="fr-FR" dirty="0" smtClean="0"/>
+              <a:t>Pour une description détaillée de chaque méthode de test, veuillez vous référer au fichier </a:t>
+            </a:r>
+            <a:r>
+              <a:rPr lang="fr-FR" b="1" dirty="0" err="1" smtClean="0"/>
+              <a:t>EasyBid</a:t>
+            </a:r>
+            <a:r>
+              <a:rPr lang="fr-FR" b="1" dirty="0" smtClean="0"/>
+              <a:t> – test – readmeTestingInfo.txt</a:t>
+            </a:r>
+          </a:p>
+        </p:txBody>
+      </p:sp>
     </p:spTree>
-    <p:extLst>
-      <p:ext uri="{BB962C8B-B14F-4D97-AF65-F5344CB8AC3E}">
-        <p14:creationId xmlns:p14="http://schemas.microsoft.com/office/powerpoint/2010/main" val="596047069"/>
-      </p:ext>
-    </p:extLst>
   </p:cSld>
   <p:clrMapOvr>
     <a:masterClrMapping/>
@@ -5878,7 +5782,11 @@
           <a:p>
             <a:r>
               <a:rPr lang="fr-FR" dirty="0" smtClean="0"/>
-              <a:t>Package environnement</a:t>
+              <a:t>Classe </a:t>
+            </a:r>
+            <a:r>
+              <a:rPr lang="fr-FR" dirty="0" err="1" smtClean="0"/>
+              <a:t>EasyBidTests</a:t>
             </a:r>
             <a:endParaRPr lang="fr-FR" dirty="0"/>
           </a:p>
@@ -5901,7 +5809,7 @@
           <a:p>
             <a:r>
               <a:rPr lang="fr-FR" dirty="0" smtClean="0"/>
-              <a:t>Package qui regroupe les classes de fonctionnement interne de </a:t>
+              <a:t>Tests sur la classe </a:t>
             </a:r>
             <a:r>
               <a:rPr lang="fr-FR" dirty="0" err="1" smtClean="0"/>
@@ -5909,52 +5817,99 @@
             </a:r>
             <a:r>
               <a:rPr lang="fr-FR" dirty="0" smtClean="0"/>
-              <a:t>. Il permet de d’effectuer les actions d’offres et d’échanges lors que celles-ci sont demandées.</a:t>
-            </a:r>
-          </a:p>
-          <a:p>
-            <a:r>
-              <a:rPr lang="fr-FR" dirty="0" smtClean="0"/>
-              <a:t>environnement</a:t>
+              <a:t> en mettant l’entrée standard sur un fichier (prévu par un des constructeurs de </a:t>
+            </a:r>
+            <a:r>
+              <a:rPr lang="fr-FR" dirty="0" err="1" smtClean="0"/>
+              <a:t>EasyBid</a:t>
+            </a:r>
+            <a:r>
+              <a:rPr lang="fr-FR" dirty="0" smtClean="0"/>
+              <a:t>)</a:t>
+            </a:r>
+          </a:p>
+          <a:p>
+            <a:r>
+              <a:rPr lang="fr-FR" dirty="0" err="1" smtClean="0"/>
+              <a:t>Methode</a:t>
+            </a:r>
+            <a:r>
+              <a:rPr lang="fr-FR" dirty="0" smtClean="0"/>
+              <a:t> </a:t>
+            </a:r>
+            <a:r>
+              <a:rPr lang="fr-FR" dirty="0" err="1" smtClean="0"/>
+              <a:t>testRun</a:t>
+            </a:r>
+            <a:r>
+              <a:rPr lang="fr-FR" dirty="0" smtClean="0"/>
+              <a:t> :</a:t>
             </a:r>
           </a:p>
           <a:p>
             <a:pPr lvl="1"/>
             <a:r>
+              <a:rPr lang="fr-FR" dirty="0" smtClean="0"/>
+              <a:t>Les </a:t>
+            </a:r>
+            <a:r>
+              <a:rPr lang="fr-FR" dirty="0"/>
+              <a:t>fichiers d’entrée des tests de la méthode </a:t>
+            </a:r>
+            <a:r>
+              <a:rPr lang="fr-FR" dirty="0" err="1"/>
+              <a:t>testRun</a:t>
+            </a:r>
+            <a:r>
+              <a:rPr lang="fr-FR" dirty="0"/>
+              <a:t> sont dans </a:t>
+            </a:r>
+            <a:r>
+              <a:rPr lang="fr-FR" dirty="0" err="1"/>
+              <a:t>EasyBid</a:t>
+            </a:r>
+            <a:r>
+              <a:rPr lang="fr-FR" dirty="0"/>
+              <a:t> – bin – tests</a:t>
+            </a:r>
+            <a:r>
+              <a:rPr lang="fr-FR" dirty="0" smtClean="0"/>
+              <a:t>.</a:t>
+            </a:r>
+          </a:p>
+          <a:p>
+            <a:pPr lvl="1"/>
+            <a:r>
+              <a:rPr lang="fr-FR" dirty="0" smtClean="0"/>
+              <a:t>La méthode </a:t>
+            </a:r>
+            <a:r>
               <a:rPr lang="fr-FR" dirty="0" err="1" smtClean="0"/>
-              <a:t>AuctionHall</a:t>
-            </a:r>
+              <a:t>testRun</a:t>
+            </a:r>
+            <a:r>
+              <a:rPr lang="fr-FR" dirty="0" smtClean="0"/>
+              <a:t> appelle </a:t>
+            </a:r>
+            <a:r>
+              <a:rPr lang="fr-FR" dirty="0" err="1" smtClean="0"/>
+              <a:t>plusieures</a:t>
+            </a:r>
+            <a:r>
+              <a:rPr lang="fr-FR" dirty="0"/>
+              <a:t> </a:t>
+            </a:r>
+            <a:r>
+              <a:rPr lang="fr-FR" dirty="0" smtClean="0"/>
+              <a:t>méthodes pour effectuer les tests sur chacun des fichiers d’entrée.</a:t>
+            </a:r>
+            <a:endParaRPr lang="fr-FR" dirty="0"/>
+          </a:p>
+          <a:p>
+            <a:pPr lvl="1"/>
             <a:endParaRPr lang="fr-FR" dirty="0" smtClean="0"/>
           </a:p>
           <a:p>
-            <a:pPr lvl="1"/>
-            <a:r>
-              <a:rPr lang="fr-FR" dirty="0" err="1" smtClean="0"/>
-              <a:t>BidTimer</a:t>
-            </a:r>
-            <a:endParaRPr lang="fr-FR" dirty="0" smtClean="0"/>
-          </a:p>
-          <a:p>
-            <a:pPr lvl="1"/>
-            <a:r>
-              <a:rPr lang="fr-FR" dirty="0" err="1" smtClean="0"/>
-              <a:t>Currency</a:t>
-            </a:r>
-            <a:endParaRPr lang="fr-FR" dirty="0" smtClean="0"/>
-          </a:p>
-          <a:p>
-            <a:pPr lvl="1"/>
-            <a:r>
-              <a:rPr lang="fr-FR" dirty="0" smtClean="0"/>
-              <a:t>Price</a:t>
-            </a:r>
-          </a:p>
-          <a:p>
-            <a:pPr lvl="1"/>
-            <a:r>
-              <a:rPr lang="fr-FR" dirty="0" smtClean="0"/>
-              <a:t>Product </a:t>
-            </a:r>
             <a:endParaRPr lang="fr-FR" dirty="0"/>
           </a:p>
         </p:txBody>
@@ -6008,7 +5963,7 @@
     </p:spTree>
     <p:extLst>
       <p:ext uri="{BB962C8B-B14F-4D97-AF65-F5344CB8AC3E}">
-        <p14:creationId xmlns:p14="http://schemas.microsoft.com/office/powerpoint/2010/main" val="1831048503"/>
+        <p14:creationId xmlns:p14="http://schemas.microsoft.com/office/powerpoint/2010/main" val="596047069"/>
       </p:ext>
     </p:extLst>
   </p:cSld>
@@ -6059,60 +6014,67 @@
           <a:p>
             <a:r>
               <a:rPr lang="fr-FR" dirty="0" smtClean="0"/>
-              <a:t>Classe </a:t>
+              <a:t>Package environnement</a:t>
+            </a:r>
+            <a:endParaRPr lang="fr-FR" dirty="0"/>
+          </a:p>
+        </p:txBody>
+      </p:sp>
+      <p:sp>
+        <p:nvSpPr>
+          <p:cNvPr id="3" name="Espace réservé du contenu 2"/>
+          <p:cNvSpPr>
+            <a:spLocks noGrp="1"/>
+          </p:cNvSpPr>
+          <p:nvPr>
+            <p:ph idx="1"/>
+          </p:nvPr>
+        </p:nvSpPr>
+        <p:spPr/>
+        <p:txBody>
+          <a:bodyPr/>
+          <a:lstStyle/>
+          <a:p>
+            <a:r>
+              <a:rPr lang="fr-FR" dirty="0" smtClean="0"/>
+              <a:t>Package qui regroupe les classes de fonctionnement interne de </a:t>
             </a:r>
             <a:r>
               <a:rPr lang="fr-FR" dirty="0" err="1" smtClean="0"/>
-              <a:t>AuctionHallTests</a:t>
-            </a:r>
-            <a:endParaRPr lang="fr-FR" dirty="0"/>
-          </a:p>
-        </p:txBody>
-      </p:sp>
-      <p:sp>
-        <p:nvSpPr>
-          <p:cNvPr id="3" name="Espace réservé du contenu 2"/>
-          <p:cNvSpPr>
-            <a:spLocks noGrp="1"/>
-          </p:cNvSpPr>
-          <p:nvPr>
-            <p:ph idx="1"/>
-          </p:nvPr>
-        </p:nvSpPr>
-        <p:spPr/>
-        <p:txBody>
-          <a:bodyPr/>
-          <a:lstStyle/>
-          <a:p>
-            <a:r>
-              <a:rPr lang="fr-FR" dirty="0" smtClean="0"/>
-              <a:t>Tests sur les méthodes de la classe </a:t>
-            </a:r>
+              <a:t>EasyBid</a:t>
+            </a:r>
+            <a:r>
+              <a:rPr lang="fr-FR" dirty="0" smtClean="0"/>
+              <a:t>. Il permet de d’effectuer les actions d’offres et d’échanges lors que celles-ci sont demandées.</a:t>
+            </a:r>
+          </a:p>
+          <a:p>
+            <a:r>
+              <a:rPr lang="fr-FR" dirty="0" smtClean="0"/>
+              <a:t>environnement</a:t>
+            </a:r>
+          </a:p>
+          <a:p>
+            <a:pPr lvl="1"/>
             <a:r>
               <a:rPr lang="fr-FR" dirty="0" err="1" smtClean="0"/>
               <a:t>AuctionHall</a:t>
             </a:r>
-            <a:r>
-              <a:rPr lang="fr-FR" dirty="0" smtClean="0"/>
-              <a:t> :</a:t>
-            </a:r>
+            <a:endParaRPr lang="fr-FR" dirty="0" smtClean="0"/>
           </a:p>
           <a:p>
             <a:pPr lvl="1"/>
             <a:r>
-              <a:rPr lang="fr-FR" dirty="0" smtClean="0"/>
-              <a:t>Construction</a:t>
-            </a:r>
+              <a:rPr lang="fr-FR" dirty="0" err="1" smtClean="0"/>
+              <a:t>BidTimer</a:t>
+            </a:r>
+            <a:endParaRPr lang="fr-FR" dirty="0" smtClean="0"/>
           </a:p>
           <a:p>
             <a:pPr lvl="1"/>
             <a:r>
-              <a:rPr lang="fr-FR" dirty="0" smtClean="0"/>
-              <a:t>Récupération de la liste d’utilisateurs et des produits </a:t>
-            </a:r>
-            <a:r>
-              <a:rPr lang="fr-FR" dirty="0"/>
-              <a:t>en vente publique</a:t>
+              <a:rPr lang="fr-FR" dirty="0" err="1" smtClean="0"/>
+              <a:t>Currency</a:t>
             </a:r>
             <a:endParaRPr lang="fr-FR" dirty="0" smtClean="0"/>
           </a:p>
@@ -6120,64 +6082,15 @@
             <a:pPr lvl="1"/>
             <a:r>
               <a:rPr lang="fr-FR" dirty="0" smtClean="0"/>
-              <a:t>Ajout et Suppression d’utilisateurs</a:t>
+              <a:t>Price</a:t>
             </a:r>
           </a:p>
           <a:p>
             <a:pPr lvl="1"/>
             <a:r>
-              <a:rPr lang="fr-FR" dirty="0"/>
-              <a:t>Ajout et Suppression </a:t>
-            </a:r>
-            <a:r>
-              <a:rPr lang="fr-FR" dirty="0" smtClean="0"/>
-              <a:t>de produits</a:t>
-            </a:r>
-          </a:p>
-          <a:p>
-            <a:pPr lvl="1"/>
-            <a:r>
-              <a:rPr lang="fr-FR" dirty="0" smtClean="0"/>
-              <a:t>Attribution de l’Id des utilisateurs</a:t>
-            </a:r>
-          </a:p>
-          <a:p>
-            <a:pPr lvl="1"/>
-            <a:r>
-              <a:rPr lang="fr-FR" dirty="0" smtClean="0"/>
-              <a:t>Vente des </a:t>
-            </a:r>
-            <a:r>
-              <a:rPr lang="fr-FR" dirty="0" err="1" smtClean="0"/>
-              <a:t>des</a:t>
-            </a:r>
-            <a:r>
-              <a:rPr lang="fr-FR" dirty="0" smtClean="0"/>
-              <a:t> produits quand leur date d’expiration est </a:t>
-            </a:r>
-            <a:r>
-              <a:rPr lang="fr-FR" dirty="0" err="1" smtClean="0"/>
-              <a:t>arrivee</a:t>
-            </a:r>
-            <a:endParaRPr lang="fr-FR" dirty="0"/>
-          </a:p>
-          <a:p>
-            <a:pPr lvl="1"/>
-            <a:endParaRPr lang="fr-FR" dirty="0" smtClean="0"/>
-          </a:p>
-          <a:p>
-            <a:pPr lvl="1"/>
-            <a:endParaRPr lang="fr-FR" dirty="0"/>
-          </a:p>
-          <a:p>
-            <a:pPr lvl="1"/>
-            <a:endParaRPr lang="fr-FR" dirty="0" smtClean="0"/>
-          </a:p>
-          <a:p>
-            <a:pPr lvl="1"/>
-            <a:endParaRPr lang="fr-FR" dirty="0" smtClean="0"/>
-          </a:p>
-          <a:p>
+              <a:rPr lang="fr-FR" dirty="0" smtClean="0"/>
+              <a:t>Product </a:t>
+            </a:r>
             <a:endParaRPr lang="fr-FR" dirty="0"/>
           </a:p>
         </p:txBody>
@@ -6231,7 +6144,7 @@
     </p:spTree>
     <p:extLst>
       <p:ext uri="{BB962C8B-B14F-4D97-AF65-F5344CB8AC3E}">
-        <p14:creationId xmlns:p14="http://schemas.microsoft.com/office/powerpoint/2010/main" val="3046475013"/>
+        <p14:creationId xmlns:p14="http://schemas.microsoft.com/office/powerpoint/2010/main" val="1831048503"/>
       </p:ext>
     </p:extLst>
   </p:cSld>
@@ -6327,7 +6240,23 @@
                   <a:srgbClr val="18579B"/>
                 </a:solidFill>
               </a:rPr>
-              <a:t>	I) Architecture de notre systèmes d’enchères</a:t>
+              <a:t>	I) Architecture de notre </a:t>
+            </a:r>
+            <a:r>
+              <a:rPr lang="fr-FR" sz="2300" b="1" dirty="0" smtClean="0">
+                <a:solidFill>
+                  <a:srgbClr val="18579B"/>
+                </a:solidFill>
+              </a:rPr>
+              <a:t>système </a:t>
+            </a:r>
+            <a:r>
+              <a:rPr lang="fr-FR" sz="2300" b="1" dirty="0" smtClean="0">
+                <a:solidFill>
+                  <a:srgbClr val="18579B"/>
+                </a:solidFill>
+              </a:rPr>
+              <a:t>d’enchères</a:t>
             </a:r>
           </a:p>
           <a:p>
@@ -6538,7 +6467,7 @@
             </a:r>
             <a:r>
               <a:rPr lang="fr-FR" dirty="0" err="1" smtClean="0"/>
-              <a:t>BidTimerTests</a:t>
+              <a:t>AuctionHallTests</a:t>
             </a:r>
             <a:endParaRPr lang="fr-FR" dirty="0"/>
           </a:p>
@@ -6554,23 +6483,18 @@
             <p:ph idx="1"/>
           </p:nvPr>
         </p:nvSpPr>
-        <p:spPr>
-          <a:xfrm>
-            <a:off x="549275" y="1600201"/>
-            <a:ext cx="8042276" cy="1540767"/>
-          </a:xfrm>
-        </p:spPr>
-        <p:txBody>
-          <a:bodyPr/>
-          <a:lstStyle/>
-          <a:p>
-            <a:r>
-              <a:rPr lang="fr-FR" dirty="0" smtClean="0"/>
-              <a:t>Tests sur la classe </a:t>
+        <p:spPr/>
+        <p:txBody>
+          <a:bodyPr/>
+          <a:lstStyle/>
+          <a:p>
+            <a:r>
+              <a:rPr lang="fr-FR" dirty="0" smtClean="0"/>
+              <a:t>Tests sur les méthodes de la classe </a:t>
             </a:r>
             <a:r>
               <a:rPr lang="fr-FR" dirty="0" err="1" smtClean="0"/>
-              <a:t>BidTimer</a:t>
+              <a:t>AuctionHall</a:t>
             </a:r>
             <a:r>
               <a:rPr lang="fr-FR" dirty="0" smtClean="0"/>
@@ -6581,15 +6505,69 @@
             <a:pPr lvl="1"/>
             <a:r>
               <a:rPr lang="fr-FR" dirty="0" smtClean="0"/>
-              <a:t>Construction (pour les 2 constructeurs)</a:t>
+              <a:t>Construction</a:t>
             </a:r>
           </a:p>
           <a:p>
             <a:pPr lvl="1"/>
             <a:r>
               <a:rPr lang="fr-FR" dirty="0" smtClean="0"/>
-              <a:t>Mise à jour de l’heure actuelle</a:t>
-            </a:r>
+              <a:t>Récupération de la liste d’utilisateurs et des produits </a:t>
+            </a:r>
+            <a:r>
+              <a:rPr lang="fr-FR" dirty="0"/>
+              <a:t>en vente publique</a:t>
+            </a:r>
+            <a:endParaRPr lang="fr-FR" dirty="0" smtClean="0"/>
+          </a:p>
+          <a:p>
+            <a:pPr lvl="1"/>
+            <a:r>
+              <a:rPr lang="fr-FR" dirty="0" smtClean="0"/>
+              <a:t>Ajout et Suppression d’utilisateurs</a:t>
+            </a:r>
+          </a:p>
+          <a:p>
+            <a:pPr lvl="1"/>
+            <a:r>
+              <a:rPr lang="fr-FR" dirty="0"/>
+              <a:t>Ajout et Suppression </a:t>
+            </a:r>
+            <a:r>
+              <a:rPr lang="fr-FR" dirty="0" smtClean="0"/>
+              <a:t>de produits</a:t>
+            </a:r>
+          </a:p>
+          <a:p>
+            <a:pPr lvl="1"/>
+            <a:r>
+              <a:rPr lang="fr-FR" dirty="0" smtClean="0"/>
+              <a:t>Attribution de l’Id des utilisateurs</a:t>
+            </a:r>
+          </a:p>
+          <a:p>
+            <a:pPr lvl="1"/>
+            <a:r>
+              <a:rPr lang="fr-FR" dirty="0" smtClean="0"/>
+              <a:t>Vente des </a:t>
+            </a:r>
+            <a:r>
+              <a:rPr lang="fr-FR" dirty="0" err="1" smtClean="0"/>
+              <a:t>des</a:t>
+            </a:r>
+            <a:r>
+              <a:rPr lang="fr-FR" dirty="0" smtClean="0"/>
+              <a:t> produits quand leur date d’expiration est </a:t>
+            </a:r>
+            <a:r>
+              <a:rPr lang="fr-FR" dirty="0" err="1" smtClean="0"/>
+              <a:t>arrivee</a:t>
+            </a:r>
+            <a:endParaRPr lang="fr-FR" dirty="0"/>
+          </a:p>
+          <a:p>
+            <a:pPr lvl="1"/>
+            <a:endParaRPr lang="fr-FR" dirty="0" smtClean="0"/>
           </a:p>
           <a:p>
             <a:pPr lvl="1"/>
@@ -6597,7 +6575,7 @@
           </a:p>
           <a:p>
             <a:pPr lvl="1"/>
-            <a:endParaRPr lang="fr-FR" dirty="0"/>
+            <a:endParaRPr lang="fr-FR" dirty="0" smtClean="0"/>
           </a:p>
           <a:p>
             <a:pPr lvl="1"/>
@@ -6651,290 +6629,6 @@
               <a:t>20</a:t>
             </a:fld>
             <a:endParaRPr lang="fr-FR"/>
-          </a:p>
-        </p:txBody>
-      </p:sp>
-      <p:sp>
-        <p:nvSpPr>
-          <p:cNvPr id="8" name="Titre 1"/>
-          <p:cNvSpPr txBox="1">
-            <a:spLocks/>
-          </p:cNvSpPr>
-          <p:nvPr/>
-        </p:nvSpPr>
-        <p:spPr>
-          <a:xfrm>
-            <a:off x="517858" y="2564904"/>
-            <a:ext cx="8042276" cy="1336956"/>
-          </a:xfrm>
-          <a:prstGeom prst="rect">
-            <a:avLst/>
-          </a:prstGeom>
-        </p:spPr>
-        <p:txBody>
-          <a:bodyPr vert="horz" lIns="91440" tIns="45720" rIns="91440" bIns="45720" rtlCol="0" anchor="b" anchorCtr="0">
-            <a:noAutofit/>
-          </a:bodyPr>
-          <a:lstStyle>
-            <a:lvl1pPr algn="ctr" defTabSz="914400" rtl="0" eaLnBrk="1" latinLnBrk="0" hangingPunct="1">
-              <a:spcBef>
-                <a:spcPct val="0"/>
-              </a:spcBef>
-              <a:buNone/>
-              <a:defRPr sz="4600" kern="1200">
-                <a:solidFill>
-                  <a:schemeClr val="accent1"/>
-                </a:solidFill>
-                <a:latin typeface="+mj-lt"/>
-                <a:ea typeface="+mj-ea"/>
-                <a:cs typeface="+mj-cs"/>
-              </a:defRPr>
-            </a:lvl1pPr>
-          </a:lstStyle>
-          <a:p>
-            <a:r>
-              <a:rPr lang="fr-FR" dirty="0" smtClean="0"/>
-              <a:t>Classe </a:t>
-            </a:r>
-            <a:r>
-              <a:rPr lang="fr-FR" dirty="0" err="1" smtClean="0"/>
-              <a:t>CurrencyTests</a:t>
-            </a:r>
-            <a:endParaRPr lang="fr-FR" dirty="0"/>
-          </a:p>
-        </p:txBody>
-      </p:sp>
-      <p:sp>
-        <p:nvSpPr>
-          <p:cNvPr id="9" name="Espace réservé du contenu 2"/>
-          <p:cNvSpPr txBox="1">
-            <a:spLocks/>
-          </p:cNvSpPr>
-          <p:nvPr/>
-        </p:nvSpPr>
-        <p:spPr>
-          <a:xfrm>
-            <a:off x="517858" y="4057529"/>
-            <a:ext cx="8042276" cy="1396751"/>
-          </a:xfrm>
-          <a:prstGeom prst="rect">
-            <a:avLst/>
-          </a:prstGeom>
-        </p:spPr>
-        <p:txBody>
-          <a:bodyPr vert="horz" lIns="91440" tIns="45720" rIns="91440" bIns="45720" rtlCol="0">
-            <a:normAutofit/>
-          </a:bodyPr>
-          <a:lstStyle>
-            <a:lvl1pPr marL="349250" indent="-349250" algn="l" defTabSz="914400" rtl="0" eaLnBrk="1" latinLnBrk="0" hangingPunct="1">
-              <a:spcBef>
-                <a:spcPts val="2000"/>
-              </a:spcBef>
-              <a:buClr>
-                <a:schemeClr val="accent1">
-                  <a:lumMod val="60000"/>
-                  <a:lumOff val="40000"/>
-                </a:schemeClr>
-              </a:buClr>
-              <a:buSzPct val="110000"/>
-              <a:buFont typeface="Wingdings 2" pitchFamily="18" charset="2"/>
-              <a:buChar char=""/>
-              <a:defRPr sz="2400" kern="1200">
-                <a:solidFill>
-                  <a:schemeClr val="tx1">
-                    <a:lumMod val="65000"/>
-                    <a:lumOff val="35000"/>
-                  </a:schemeClr>
-                </a:solidFill>
-                <a:latin typeface="+mn-lt"/>
-                <a:ea typeface="+mn-ea"/>
-                <a:cs typeface="+mn-cs"/>
-              </a:defRPr>
-            </a:lvl1pPr>
-            <a:lvl2pPr marL="685800" indent="-336550" algn="l" defTabSz="914400" rtl="0" eaLnBrk="1" latinLnBrk="0" hangingPunct="1">
-              <a:spcBef>
-                <a:spcPts val="600"/>
-              </a:spcBef>
-              <a:buClr>
-                <a:schemeClr val="accent1">
-                  <a:lumMod val="75000"/>
-                </a:schemeClr>
-              </a:buClr>
-              <a:buSzPct val="110000"/>
-              <a:buFont typeface="Wingdings 2" pitchFamily="18" charset="2"/>
-              <a:buChar char=""/>
-              <a:defRPr sz="2200" kern="1200">
-                <a:solidFill>
-                  <a:schemeClr val="tx1">
-                    <a:lumMod val="65000"/>
-                    <a:lumOff val="35000"/>
-                  </a:schemeClr>
-                </a:solidFill>
-                <a:latin typeface="+mn-lt"/>
-                <a:ea typeface="+mn-ea"/>
-                <a:cs typeface="+mn-cs"/>
-              </a:defRPr>
-            </a:lvl2pPr>
-            <a:lvl3pPr marL="968375" indent="-282575" algn="l" defTabSz="914400" rtl="0" eaLnBrk="1" latinLnBrk="0" hangingPunct="1">
-              <a:spcBef>
-                <a:spcPts val="600"/>
-              </a:spcBef>
-              <a:buClr>
-                <a:schemeClr val="accent1">
-                  <a:lumMod val="60000"/>
-                  <a:lumOff val="40000"/>
-                </a:schemeClr>
-              </a:buClr>
-              <a:buSzPct val="110000"/>
-              <a:buFont typeface="Wingdings 2" pitchFamily="18" charset="2"/>
-              <a:buChar char=""/>
-              <a:defRPr sz="2000" kern="1200">
-                <a:solidFill>
-                  <a:schemeClr val="tx1">
-                    <a:lumMod val="65000"/>
-                    <a:lumOff val="35000"/>
-                  </a:schemeClr>
-                </a:solidFill>
-                <a:latin typeface="+mn-lt"/>
-                <a:ea typeface="+mn-ea"/>
-                <a:cs typeface="+mn-cs"/>
-              </a:defRPr>
-            </a:lvl3pPr>
-            <a:lvl4pPr marL="1263650" indent="-295275" algn="l" defTabSz="914400" rtl="0" eaLnBrk="1" latinLnBrk="0" hangingPunct="1">
-              <a:spcBef>
-                <a:spcPts val="600"/>
-              </a:spcBef>
-              <a:buClr>
-                <a:schemeClr val="accent1">
-                  <a:lumMod val="75000"/>
-                </a:schemeClr>
-              </a:buClr>
-              <a:buSzPct val="110000"/>
-              <a:buFont typeface="Wingdings 2" pitchFamily="18" charset="2"/>
-              <a:buChar char=""/>
-              <a:defRPr sz="1800" kern="1200">
-                <a:solidFill>
-                  <a:schemeClr val="tx1">
-                    <a:lumMod val="65000"/>
-                    <a:lumOff val="35000"/>
-                  </a:schemeClr>
-                </a:solidFill>
-                <a:latin typeface="+mn-lt"/>
-                <a:ea typeface="+mn-ea"/>
-                <a:cs typeface="+mn-cs"/>
-              </a:defRPr>
-            </a:lvl4pPr>
-            <a:lvl5pPr marL="1546225" indent="-282575" algn="l" defTabSz="914400" rtl="0" eaLnBrk="1" latinLnBrk="0" hangingPunct="1">
-              <a:spcBef>
-                <a:spcPts val="600"/>
-              </a:spcBef>
-              <a:buClr>
-                <a:schemeClr val="accent1">
-                  <a:lumMod val="60000"/>
-                  <a:lumOff val="40000"/>
-                </a:schemeClr>
-              </a:buClr>
-              <a:buSzPct val="110000"/>
-              <a:buFont typeface="Wingdings 2" pitchFamily="18" charset="2"/>
-              <a:buChar char=""/>
-              <a:defRPr sz="1800" kern="1200">
-                <a:solidFill>
-                  <a:schemeClr val="tx1">
-                    <a:lumMod val="65000"/>
-                    <a:lumOff val="35000"/>
-                  </a:schemeClr>
-                </a:solidFill>
-                <a:latin typeface="+mn-lt"/>
-                <a:ea typeface="+mn-ea"/>
-                <a:cs typeface="+mn-cs"/>
-              </a:defRPr>
-            </a:lvl5pPr>
-            <a:lvl6pPr marL="2514600" indent="-228600" algn="l" defTabSz="914400" rtl="0" eaLnBrk="1" latinLnBrk="0" hangingPunct="1">
-              <a:spcBef>
-                <a:spcPct val="20000"/>
-              </a:spcBef>
-              <a:buFont typeface="Arial" pitchFamily="34" charset="0"/>
-              <a:buChar char="•"/>
-              <a:defRPr sz="2000" kern="1200">
-                <a:solidFill>
-                  <a:schemeClr val="tx1"/>
-                </a:solidFill>
-                <a:latin typeface="+mn-lt"/>
-                <a:ea typeface="+mn-ea"/>
-                <a:cs typeface="+mn-cs"/>
-              </a:defRPr>
-            </a:lvl6pPr>
-            <a:lvl7pPr marL="2971800" indent="-228600" algn="l" defTabSz="914400" rtl="0" eaLnBrk="1" latinLnBrk="0" hangingPunct="1">
-              <a:spcBef>
-                <a:spcPct val="20000"/>
-              </a:spcBef>
-              <a:buFont typeface="Arial" pitchFamily="34" charset="0"/>
-              <a:buChar char="•"/>
-              <a:defRPr sz="2000" kern="1200">
-                <a:solidFill>
-                  <a:schemeClr val="tx1"/>
-                </a:solidFill>
-                <a:latin typeface="+mn-lt"/>
-                <a:ea typeface="+mn-ea"/>
-                <a:cs typeface="+mn-cs"/>
-              </a:defRPr>
-            </a:lvl7pPr>
-            <a:lvl8pPr marL="3429000" indent="-228600" algn="l" defTabSz="914400" rtl="0" eaLnBrk="1" latinLnBrk="0" hangingPunct="1">
-              <a:spcBef>
-                <a:spcPct val="20000"/>
-              </a:spcBef>
-              <a:buFont typeface="Arial" pitchFamily="34" charset="0"/>
-              <a:buChar char="•"/>
-              <a:defRPr sz="2000" kern="1200">
-                <a:solidFill>
-                  <a:schemeClr val="tx1"/>
-                </a:solidFill>
-                <a:latin typeface="+mn-lt"/>
-                <a:ea typeface="+mn-ea"/>
-                <a:cs typeface="+mn-cs"/>
-              </a:defRPr>
-            </a:lvl8pPr>
-            <a:lvl9pPr marL="3886200" indent="-228600" algn="l" defTabSz="914400" rtl="0" eaLnBrk="1" latinLnBrk="0" hangingPunct="1">
-              <a:spcBef>
-                <a:spcPct val="20000"/>
-              </a:spcBef>
-              <a:buFont typeface="Arial" pitchFamily="34" charset="0"/>
-              <a:buChar char="•"/>
-              <a:defRPr sz="2000" kern="1200">
-                <a:solidFill>
-                  <a:schemeClr val="tx1"/>
-                </a:solidFill>
-                <a:latin typeface="+mn-lt"/>
-                <a:ea typeface="+mn-ea"/>
-                <a:cs typeface="+mn-cs"/>
-              </a:defRPr>
-            </a:lvl9pPr>
-          </a:lstStyle>
-          <a:p>
-            <a:r>
-              <a:rPr lang="fr-FR" dirty="0" smtClean="0"/>
-              <a:t>Tests sur la classe </a:t>
-            </a:r>
-            <a:r>
-              <a:rPr lang="fr-FR" dirty="0" err="1" smtClean="0"/>
-              <a:t>Currency</a:t>
-            </a:r>
-            <a:endParaRPr lang="fr-FR" dirty="0" smtClean="0"/>
-          </a:p>
-          <a:p>
-            <a:pPr lvl="1"/>
-            <a:r>
-              <a:rPr lang="fr-FR" dirty="0" smtClean="0"/>
-              <a:t>Récupération des valeurs contenues dans les différents cas de </a:t>
-            </a:r>
-            <a:r>
-              <a:rPr lang="fr-FR" dirty="0" err="1" smtClean="0"/>
-              <a:t>Currency</a:t>
-            </a:r>
-            <a:endParaRPr lang="fr-FR" dirty="0" smtClean="0"/>
-          </a:p>
-          <a:p>
-            <a:endParaRPr lang="fr-FR" dirty="0"/>
           </a:p>
         </p:txBody>
       </p:sp>
@@ -6996,7 +6690,7 @@
             </a:r>
             <a:r>
               <a:rPr lang="fr-FR" dirty="0" err="1" smtClean="0"/>
-              <a:t>PriceTests</a:t>
+              <a:t>BidTimerTests</a:t>
             </a:r>
             <a:endParaRPr lang="fr-FR" dirty="0"/>
           </a:p>
@@ -7012,51 +6706,50 @@
             <p:ph idx="1"/>
           </p:nvPr>
         </p:nvSpPr>
-        <p:spPr/>
-        <p:txBody>
-          <a:bodyPr/>
-          <a:lstStyle/>
-          <a:p>
-            <a:r>
-              <a:rPr lang="fr-FR" dirty="0" smtClean="0"/>
-              <a:t>Tests sur la classe Price</a:t>
-            </a:r>
+        <p:spPr>
+          <a:xfrm>
+            <a:off x="549275" y="1600201"/>
+            <a:ext cx="8042276" cy="1540767"/>
+          </a:xfrm>
+        </p:spPr>
+        <p:txBody>
+          <a:bodyPr/>
+          <a:lstStyle/>
+          <a:p>
+            <a:r>
+              <a:rPr lang="fr-FR" dirty="0" smtClean="0"/>
+              <a:t>Tests sur la classe </a:t>
+            </a:r>
+            <a:r>
+              <a:rPr lang="fr-FR" dirty="0" err="1" smtClean="0"/>
+              <a:t>BidTimer</a:t>
+            </a:r>
+            <a:r>
+              <a:rPr lang="fr-FR" dirty="0" smtClean="0"/>
+              <a:t> :</a:t>
+            </a:r>
+          </a:p>
+          <a:p>
+            <a:pPr lvl="1"/>
+            <a:r>
+              <a:rPr lang="fr-FR" dirty="0" smtClean="0"/>
+              <a:t>Construction (pour les 2 constructeurs)</a:t>
+            </a:r>
+          </a:p>
+          <a:p>
+            <a:pPr lvl="1"/>
+            <a:r>
+              <a:rPr lang="fr-FR" dirty="0" smtClean="0"/>
+              <a:t>Mise à jour de l’heure actuelle</a:t>
+            </a:r>
+          </a:p>
+          <a:p>
+            <a:pPr lvl="1"/>
             <a:endParaRPr lang="fr-FR" dirty="0"/>
           </a:p>
           <a:p>
             <a:pPr lvl="1"/>
-            <a:r>
-              <a:rPr lang="fr-FR" dirty="0" smtClean="0"/>
-              <a:t>Construction</a:t>
-            </a:r>
-          </a:p>
-          <a:p>
-            <a:pPr lvl="1"/>
-            <a:r>
-              <a:rPr lang="fr-FR" dirty="0" smtClean="0"/>
-              <a:t>Getters</a:t>
-            </a:r>
-          </a:p>
-          <a:p>
-            <a:pPr lvl="1"/>
-            <a:r>
-              <a:rPr lang="fr-FR" dirty="0" smtClean="0"/>
-              <a:t>Conversions</a:t>
-            </a:r>
-          </a:p>
-          <a:p>
-            <a:pPr lvl="1"/>
-            <a:r>
-              <a:rPr lang="fr-FR" dirty="0" smtClean="0"/>
-              <a:t>Vérification si un prix vaut plus qu’un autre</a:t>
-            </a:r>
-          </a:p>
-          <a:p>
-            <a:pPr lvl="1"/>
-            <a:r>
-              <a:rPr lang="fr-FR" dirty="0" smtClean="0"/>
-              <a:t>Ajout et Suppression d’argent</a:t>
-            </a:r>
+            <a:endParaRPr lang="fr-FR" dirty="0"/>
           </a:p>
           <a:p>
             <a:pPr lvl="1"/>
@@ -7110,6 +6803,290 @@
               <a:t>21</a:t>
             </a:fld>
             <a:endParaRPr lang="fr-FR"/>
+          </a:p>
+        </p:txBody>
+      </p:sp>
+      <p:sp>
+        <p:nvSpPr>
+          <p:cNvPr id="8" name="Titre 1"/>
+          <p:cNvSpPr txBox="1">
+            <a:spLocks/>
+          </p:cNvSpPr>
+          <p:nvPr/>
+        </p:nvSpPr>
+        <p:spPr>
+          <a:xfrm>
+            <a:off x="517858" y="2564904"/>
+            <a:ext cx="8042276" cy="1336956"/>
+          </a:xfrm>
+          <a:prstGeom prst="rect">
+            <a:avLst/>
+          </a:prstGeom>
+        </p:spPr>
+        <p:txBody>
+          <a:bodyPr vert="horz" lIns="91440" tIns="45720" rIns="91440" bIns="45720" rtlCol="0" anchor="b" anchorCtr="0">
+            <a:noAutofit/>
+          </a:bodyPr>
+          <a:lstStyle>
+            <a:lvl1pPr algn="ctr" defTabSz="914400" rtl="0" eaLnBrk="1" latinLnBrk="0" hangingPunct="1">
+              <a:spcBef>
+                <a:spcPct val="0"/>
+              </a:spcBef>
+              <a:buNone/>
+              <a:defRPr sz="4600" kern="1200">
+                <a:solidFill>
+                  <a:schemeClr val="accent1"/>
+                </a:solidFill>
+                <a:latin typeface="+mj-lt"/>
+                <a:ea typeface="+mj-ea"/>
+                <a:cs typeface="+mj-cs"/>
+              </a:defRPr>
+            </a:lvl1pPr>
+          </a:lstStyle>
+          <a:p>
+            <a:r>
+              <a:rPr lang="fr-FR" dirty="0" smtClean="0"/>
+              <a:t>Classe </a:t>
+            </a:r>
+            <a:r>
+              <a:rPr lang="fr-FR" dirty="0" err="1" smtClean="0"/>
+              <a:t>CurrencyTests</a:t>
+            </a:r>
+            <a:endParaRPr lang="fr-FR" dirty="0"/>
+          </a:p>
+        </p:txBody>
+      </p:sp>
+      <p:sp>
+        <p:nvSpPr>
+          <p:cNvPr id="9" name="Espace réservé du contenu 2"/>
+          <p:cNvSpPr txBox="1">
+            <a:spLocks/>
+          </p:cNvSpPr>
+          <p:nvPr/>
+        </p:nvSpPr>
+        <p:spPr>
+          <a:xfrm>
+            <a:off x="517858" y="4057529"/>
+            <a:ext cx="8042276" cy="1396751"/>
+          </a:xfrm>
+          <a:prstGeom prst="rect">
+            <a:avLst/>
+          </a:prstGeom>
+        </p:spPr>
+        <p:txBody>
+          <a:bodyPr vert="horz" lIns="91440" tIns="45720" rIns="91440" bIns="45720" rtlCol="0">
+            <a:normAutofit/>
+          </a:bodyPr>
+          <a:lstStyle>
+            <a:lvl1pPr marL="349250" indent="-349250" algn="l" defTabSz="914400" rtl="0" eaLnBrk="1" latinLnBrk="0" hangingPunct="1">
+              <a:spcBef>
+                <a:spcPts val="2000"/>
+              </a:spcBef>
+              <a:buClr>
+                <a:schemeClr val="accent1">
+                  <a:lumMod val="60000"/>
+                  <a:lumOff val="40000"/>
+                </a:schemeClr>
+              </a:buClr>
+              <a:buSzPct val="110000"/>
+              <a:buFont typeface="Wingdings 2" pitchFamily="18" charset="2"/>
+              <a:buChar char=""/>
+              <a:defRPr sz="2400" kern="1200">
+                <a:solidFill>
+                  <a:schemeClr val="tx1">
+                    <a:lumMod val="65000"/>
+                    <a:lumOff val="35000"/>
+                  </a:schemeClr>
+                </a:solidFill>
+                <a:latin typeface="+mn-lt"/>
+                <a:ea typeface="+mn-ea"/>
+                <a:cs typeface="+mn-cs"/>
+              </a:defRPr>
+            </a:lvl1pPr>
+            <a:lvl2pPr marL="685800" indent="-336550" algn="l" defTabSz="914400" rtl="0" eaLnBrk="1" latinLnBrk="0" hangingPunct="1">
+              <a:spcBef>
+                <a:spcPts val="600"/>
+              </a:spcBef>
+              <a:buClr>
+                <a:schemeClr val="accent1">
+                  <a:lumMod val="75000"/>
+                </a:schemeClr>
+              </a:buClr>
+              <a:buSzPct val="110000"/>
+              <a:buFont typeface="Wingdings 2" pitchFamily="18" charset="2"/>
+              <a:buChar char=""/>
+              <a:defRPr sz="2200" kern="1200">
+                <a:solidFill>
+                  <a:schemeClr val="tx1">
+                    <a:lumMod val="65000"/>
+                    <a:lumOff val="35000"/>
+                  </a:schemeClr>
+                </a:solidFill>
+                <a:latin typeface="+mn-lt"/>
+                <a:ea typeface="+mn-ea"/>
+                <a:cs typeface="+mn-cs"/>
+              </a:defRPr>
+            </a:lvl2pPr>
+            <a:lvl3pPr marL="968375" indent="-282575" algn="l" defTabSz="914400" rtl="0" eaLnBrk="1" latinLnBrk="0" hangingPunct="1">
+              <a:spcBef>
+                <a:spcPts val="600"/>
+              </a:spcBef>
+              <a:buClr>
+                <a:schemeClr val="accent1">
+                  <a:lumMod val="60000"/>
+                  <a:lumOff val="40000"/>
+                </a:schemeClr>
+              </a:buClr>
+              <a:buSzPct val="110000"/>
+              <a:buFont typeface="Wingdings 2" pitchFamily="18" charset="2"/>
+              <a:buChar char=""/>
+              <a:defRPr sz="2000" kern="1200">
+                <a:solidFill>
+                  <a:schemeClr val="tx1">
+                    <a:lumMod val="65000"/>
+                    <a:lumOff val="35000"/>
+                  </a:schemeClr>
+                </a:solidFill>
+                <a:latin typeface="+mn-lt"/>
+                <a:ea typeface="+mn-ea"/>
+                <a:cs typeface="+mn-cs"/>
+              </a:defRPr>
+            </a:lvl3pPr>
+            <a:lvl4pPr marL="1263650" indent="-295275" algn="l" defTabSz="914400" rtl="0" eaLnBrk="1" latinLnBrk="0" hangingPunct="1">
+              <a:spcBef>
+                <a:spcPts val="600"/>
+              </a:spcBef>
+              <a:buClr>
+                <a:schemeClr val="accent1">
+                  <a:lumMod val="75000"/>
+                </a:schemeClr>
+              </a:buClr>
+              <a:buSzPct val="110000"/>
+              <a:buFont typeface="Wingdings 2" pitchFamily="18" charset="2"/>
+              <a:buChar char=""/>
+              <a:defRPr sz="1800" kern="1200">
+                <a:solidFill>
+                  <a:schemeClr val="tx1">
+                    <a:lumMod val="65000"/>
+                    <a:lumOff val="35000"/>
+                  </a:schemeClr>
+                </a:solidFill>
+                <a:latin typeface="+mn-lt"/>
+                <a:ea typeface="+mn-ea"/>
+                <a:cs typeface="+mn-cs"/>
+              </a:defRPr>
+            </a:lvl4pPr>
+            <a:lvl5pPr marL="1546225" indent="-282575" algn="l" defTabSz="914400" rtl="0" eaLnBrk="1" latinLnBrk="0" hangingPunct="1">
+              <a:spcBef>
+                <a:spcPts val="600"/>
+              </a:spcBef>
+              <a:buClr>
+                <a:schemeClr val="accent1">
+                  <a:lumMod val="60000"/>
+                  <a:lumOff val="40000"/>
+                </a:schemeClr>
+              </a:buClr>
+              <a:buSzPct val="110000"/>
+              <a:buFont typeface="Wingdings 2" pitchFamily="18" charset="2"/>
+              <a:buChar char=""/>
+              <a:defRPr sz="1800" kern="1200">
+                <a:solidFill>
+                  <a:schemeClr val="tx1">
+                    <a:lumMod val="65000"/>
+                    <a:lumOff val="35000"/>
+                  </a:schemeClr>
+                </a:solidFill>
+                <a:latin typeface="+mn-lt"/>
+                <a:ea typeface="+mn-ea"/>
+                <a:cs typeface="+mn-cs"/>
+              </a:defRPr>
+            </a:lvl5pPr>
+            <a:lvl6pPr marL="2514600" indent="-228600" algn="l" defTabSz="914400" rtl="0" eaLnBrk="1" latinLnBrk="0" hangingPunct="1">
+              <a:spcBef>
+                <a:spcPct val="20000"/>
+              </a:spcBef>
+              <a:buFont typeface="Arial" pitchFamily="34" charset="0"/>
+              <a:buChar char="•"/>
+              <a:defRPr sz="2000" kern="1200">
+                <a:solidFill>
+                  <a:schemeClr val="tx1"/>
+                </a:solidFill>
+                <a:latin typeface="+mn-lt"/>
+                <a:ea typeface="+mn-ea"/>
+                <a:cs typeface="+mn-cs"/>
+              </a:defRPr>
+            </a:lvl6pPr>
+            <a:lvl7pPr marL="2971800" indent="-228600" algn="l" defTabSz="914400" rtl="0" eaLnBrk="1" latinLnBrk="0" hangingPunct="1">
+              <a:spcBef>
+                <a:spcPct val="20000"/>
+              </a:spcBef>
+              <a:buFont typeface="Arial" pitchFamily="34" charset="0"/>
+              <a:buChar char="•"/>
+              <a:defRPr sz="2000" kern="1200">
+                <a:solidFill>
+                  <a:schemeClr val="tx1"/>
+                </a:solidFill>
+                <a:latin typeface="+mn-lt"/>
+                <a:ea typeface="+mn-ea"/>
+                <a:cs typeface="+mn-cs"/>
+              </a:defRPr>
+            </a:lvl7pPr>
+            <a:lvl8pPr marL="3429000" indent="-228600" algn="l" defTabSz="914400" rtl="0" eaLnBrk="1" latinLnBrk="0" hangingPunct="1">
+              <a:spcBef>
+                <a:spcPct val="20000"/>
+              </a:spcBef>
+              <a:buFont typeface="Arial" pitchFamily="34" charset="0"/>
+              <a:buChar char="•"/>
+              <a:defRPr sz="2000" kern="1200">
+                <a:solidFill>
+                  <a:schemeClr val="tx1"/>
+                </a:solidFill>
+                <a:latin typeface="+mn-lt"/>
+                <a:ea typeface="+mn-ea"/>
+                <a:cs typeface="+mn-cs"/>
+              </a:defRPr>
+            </a:lvl8pPr>
+            <a:lvl9pPr marL="3886200" indent="-228600" algn="l" defTabSz="914400" rtl="0" eaLnBrk="1" latinLnBrk="0" hangingPunct="1">
+              <a:spcBef>
+                <a:spcPct val="20000"/>
+              </a:spcBef>
+              <a:buFont typeface="Arial" pitchFamily="34" charset="0"/>
+              <a:buChar char="•"/>
+              <a:defRPr sz="2000" kern="1200">
+                <a:solidFill>
+                  <a:schemeClr val="tx1"/>
+                </a:solidFill>
+                <a:latin typeface="+mn-lt"/>
+                <a:ea typeface="+mn-ea"/>
+                <a:cs typeface="+mn-cs"/>
+              </a:defRPr>
+            </a:lvl9pPr>
+          </a:lstStyle>
+          <a:p>
+            <a:r>
+              <a:rPr lang="fr-FR" dirty="0" smtClean="0"/>
+              <a:t>Tests sur la classe </a:t>
+            </a:r>
+            <a:r>
+              <a:rPr lang="fr-FR" dirty="0" err="1" smtClean="0"/>
+              <a:t>Currency</a:t>
+            </a:r>
+            <a:endParaRPr lang="fr-FR" dirty="0" smtClean="0"/>
+          </a:p>
+          <a:p>
+            <a:pPr lvl="1"/>
+            <a:r>
+              <a:rPr lang="fr-FR" dirty="0" smtClean="0"/>
+              <a:t>Récupération des valeurs contenues dans les différents cas de </a:t>
+            </a:r>
+            <a:r>
+              <a:rPr lang="fr-FR" dirty="0" err="1" smtClean="0"/>
+              <a:t>Currency</a:t>
+            </a:r>
+            <a:endParaRPr lang="fr-FR" dirty="0" smtClean="0"/>
+          </a:p>
+          <a:p>
+            <a:endParaRPr lang="fr-FR" dirty="0"/>
           </a:p>
         </p:txBody>
       </p:sp>
@@ -7171,7 +7148,7 @@
             </a:r>
             <a:r>
               <a:rPr lang="fr-FR" dirty="0" err="1" smtClean="0"/>
-              <a:t>ProductTests</a:t>
+              <a:t>PriceTests</a:t>
             </a:r>
             <a:endParaRPr lang="fr-FR" dirty="0"/>
           </a:p>
@@ -7194,21 +7171,21 @@
           <a:p>
             <a:r>
               <a:rPr lang="fr-FR" dirty="0" smtClean="0"/>
-              <a:t>Tests sur la classe Product</a:t>
+              <a:t>Tests sur la classe Price</a:t>
             </a:r>
             <a:endParaRPr lang="fr-FR" dirty="0"/>
           </a:p>
           <a:p>
             <a:pPr lvl="1"/>
             <a:r>
-              <a:rPr lang="fr-FR" dirty="0"/>
+              <a:rPr lang="fr-FR" dirty="0" smtClean="0"/>
               <a:t>Construction</a:t>
             </a:r>
           </a:p>
           <a:p>
             <a:pPr lvl="1"/>
             <a:r>
-              <a:rPr lang="fr-FR" dirty="0"/>
+              <a:rPr lang="fr-FR" dirty="0" smtClean="0"/>
               <a:t>Getters</a:t>
             </a:r>
           </a:p>
@@ -7216,15 +7193,25 @@
             <a:pPr lvl="1"/>
             <a:r>
               <a:rPr lang="fr-FR" dirty="0" smtClean="0"/>
-              <a:t>Emission d’une offre</a:t>
+              <a:t>Conversions</a:t>
             </a:r>
           </a:p>
           <a:p>
             <a:pPr lvl="1"/>
             <a:r>
-              <a:rPr lang="fr-FR" dirty="0" err="1" smtClean="0"/>
-              <a:t>equals</a:t>
-            </a:r>
+              <a:rPr lang="fr-FR" dirty="0" smtClean="0"/>
+              <a:t>Vérification si un prix vaut plus qu’un autre</a:t>
+            </a:r>
+          </a:p>
+          <a:p>
+            <a:pPr lvl="1"/>
+            <a:r>
+              <a:rPr lang="fr-FR" dirty="0" smtClean="0"/>
+              <a:t>Ajout et Suppression d’argent</a:t>
+            </a:r>
+          </a:p>
+          <a:p>
+            <a:pPr lvl="1"/>
             <a:endParaRPr lang="fr-FR" dirty="0" smtClean="0"/>
           </a:p>
           <a:p>
@@ -7336,7 +7323,7 @@
             </a:r>
             <a:r>
               <a:rPr lang="fr-FR" dirty="0" err="1" smtClean="0"/>
-              <a:t>UserTests</a:t>
+              <a:t>ProductTests</a:t>
             </a:r>
             <a:endParaRPr lang="fr-FR" dirty="0"/>
           </a:p>
@@ -7381,7 +7368,7 @@
             <a:pPr lvl="1"/>
             <a:r>
               <a:rPr lang="fr-FR" dirty="0" smtClean="0"/>
-              <a:t>Ajout d’un produit à la liste personnelle</a:t>
+              <a:t>Emission d’une offre</a:t>
             </a:r>
           </a:p>
           <a:p>
@@ -7393,6 +7380,171 @@
             <a:endParaRPr lang="fr-FR" dirty="0" smtClean="0"/>
           </a:p>
           <a:p>
+            <a:endParaRPr lang="fr-FR" dirty="0"/>
+          </a:p>
+        </p:txBody>
+      </p:sp>
+      <p:sp>
+        <p:nvSpPr>
+          <p:cNvPr id="4" name="Espace réservé du pied de page 3"/>
+          <p:cNvSpPr>
+            <a:spLocks noGrp="1"/>
+          </p:cNvSpPr>
+          <p:nvPr>
+            <p:ph type="ftr" sz="quarter" idx="11"/>
+          </p:nvPr>
+        </p:nvSpPr>
+        <p:spPr/>
+        <p:txBody>
+          <a:bodyPr/>
+          <a:lstStyle/>
+          <a:p>
+            <a:r>
+              <a:rPr lang="fr-FR" smtClean="0"/>
+              <a:t>Conception et architecture Orientées Objet</a:t>
+            </a:r>
+            <a:endParaRPr lang="fr-FR"/>
+          </a:p>
+        </p:txBody>
+      </p:sp>
+      <p:sp>
+        <p:nvSpPr>
+          <p:cNvPr id="5" name="Espace réservé du numéro de diapositive 4"/>
+          <p:cNvSpPr>
+            <a:spLocks noGrp="1"/>
+          </p:cNvSpPr>
+          <p:nvPr>
+            <p:ph type="sldNum" sz="quarter" idx="12"/>
+          </p:nvPr>
+        </p:nvSpPr>
+        <p:spPr/>
+        <p:txBody>
+          <a:bodyPr/>
+          <a:lstStyle/>
+          <a:p>
+            <a:fld id="{6A5E4927-E38B-CA4F-8043-983A6C4FF18B}" type="slidenum">
+              <a:rPr lang="fr-FR" smtClean="0"/>
+              <a:t>23</a:t>
+            </a:fld>
+            <a:endParaRPr lang="fr-FR"/>
+          </a:p>
+        </p:txBody>
+      </p:sp>
+    </p:spTree>
+    <p:extLst>
+      <p:ext uri="{BB962C8B-B14F-4D97-AF65-F5344CB8AC3E}">
+        <p14:creationId xmlns:p14="http://schemas.microsoft.com/office/powerpoint/2010/main" val="3046475013"/>
+      </p:ext>
+    </p:extLst>
+  </p:cSld>
+  <p:clrMapOvr>
+    <a:masterClrMapping/>
+  </p:clrMapOvr>
+  <p:timing>
+    <p:tnLst>
+      <p:par>
+        <p:cTn id="1" dur="indefinite" restart="never" nodeType="tmRoot"/>
+      </p:par>
+    </p:tnLst>
+  </p:timing>
+</p:sld>
+</file>
+
+<file path=ppt/slides/slide24.xml><?xml version="1.0" encoding="utf-8"?>
+<p:sld xmlns:a="http://schemas.openxmlformats.org/drawingml/2006/main" xmlns:r="http://schemas.openxmlformats.org/officeDocument/2006/relationships" xmlns:p="http://schemas.openxmlformats.org/presentationml/2006/main">
+  <p:cSld>
+    <p:spTree>
+      <p:nvGrpSpPr>
+        <p:cNvPr id="1" name=""/>
+        <p:cNvGrpSpPr/>
+        <p:nvPr/>
+      </p:nvGrpSpPr>
+      <p:grpSpPr>
+        <a:xfrm>
+          <a:off x="0" y="0"/>
+          <a:ext cx="0" cy="0"/>
+          <a:chOff x="0" y="0"/>
+          <a:chExt cx="0" cy="0"/>
+        </a:xfrm>
+      </p:grpSpPr>
+      <p:sp>
+        <p:nvSpPr>
+          <p:cNvPr id="2" name="Titre 1"/>
+          <p:cNvSpPr>
+            <a:spLocks noGrp="1"/>
+          </p:cNvSpPr>
+          <p:nvPr>
+            <p:ph type="title"/>
+          </p:nvPr>
+        </p:nvSpPr>
+        <p:spPr/>
+        <p:txBody>
+          <a:bodyPr/>
+          <a:lstStyle/>
+          <a:p>
+            <a:r>
+              <a:rPr lang="fr-FR" dirty="0" smtClean="0"/>
+              <a:t>Classe </a:t>
+            </a:r>
+            <a:r>
+              <a:rPr lang="fr-FR" dirty="0" err="1" smtClean="0"/>
+              <a:t>UserTests</a:t>
+            </a:r>
+            <a:endParaRPr lang="fr-FR" dirty="0"/>
+          </a:p>
+        </p:txBody>
+      </p:sp>
+      <p:sp>
+        <p:nvSpPr>
+          <p:cNvPr id="3" name="Espace réservé du contenu 2"/>
+          <p:cNvSpPr>
+            <a:spLocks noGrp="1"/>
+          </p:cNvSpPr>
+          <p:nvPr>
+            <p:ph idx="1"/>
+          </p:nvPr>
+        </p:nvSpPr>
+        <p:spPr/>
+        <p:txBody>
+          <a:bodyPr/>
+          <a:lstStyle/>
+          <a:p>
+            <a:r>
+              <a:rPr lang="fr-FR" dirty="0" smtClean="0"/>
+              <a:t>Tests sur la classe Product</a:t>
+            </a:r>
+            <a:endParaRPr lang="fr-FR" dirty="0"/>
+          </a:p>
+          <a:p>
+            <a:pPr lvl="1"/>
+            <a:r>
+              <a:rPr lang="fr-FR" dirty="0"/>
+              <a:t>Construction</a:t>
+            </a:r>
+          </a:p>
+          <a:p>
+            <a:pPr lvl="1"/>
+            <a:r>
+              <a:rPr lang="fr-FR" dirty="0"/>
+              <a:t>Getters</a:t>
+            </a:r>
+          </a:p>
+          <a:p>
+            <a:pPr lvl="1"/>
+            <a:r>
+              <a:rPr lang="fr-FR" dirty="0" smtClean="0"/>
+              <a:t>Ajout d’un produit à la liste personnelle</a:t>
+            </a:r>
+          </a:p>
+          <a:p>
+            <a:pPr lvl="1"/>
+            <a:r>
+              <a:rPr lang="fr-FR" dirty="0" err="1" smtClean="0"/>
+              <a:t>equals</a:t>
+            </a:r>
+            <a:endParaRPr lang="fr-FR" dirty="0" smtClean="0"/>
+          </a:p>
+          <a:p>
             <a:pPr lvl="1"/>
             <a:r>
               <a:rPr lang="fr-FR" dirty="0" smtClean="0"/>
@@ -7453,7 +7605,7 @@
           <a:p>
             <a:fld id="{6A5E4927-E38B-CA4F-8043-983A6C4FF18B}" type="slidenum">
               <a:rPr lang="fr-FR" smtClean="0"/>
-              <a:t>23</a:t>
+              <a:t>24</a:t>
             </a:fld>
             <a:endParaRPr lang="fr-FR"/>
           </a:p>
@@ -7518,7 +7670,15 @@
           <a:p>
             <a:r>
               <a:rPr lang="fr-FR" sz="4000" dirty="0" smtClean="0"/>
-              <a:t>I) Architecture de notre systèmes d’enchères</a:t>
+              <a:t>I) Architecture de notre </a:t>
+            </a:r>
+            <a:r>
+              <a:rPr lang="fr-FR" sz="4000" dirty="0" smtClean="0"/>
+              <a:t>système </a:t>
+            </a:r>
+            <a:r>
+              <a:rPr lang="fr-FR" sz="4000" dirty="0" smtClean="0"/>
+              <a:t>d’enchères</a:t>
             </a:r>
             <a:endParaRPr lang="fr-FR" sz="4000" dirty="0"/>
           </a:p>
@@ -8583,12 +8743,20 @@
               <a:t>les </a:t>
             </a:r>
             <a:r>
-              <a:rPr lang="fr-FR">
+              <a:rPr lang="fr-FR" dirty="0" err="1">
                 <a:solidFill>
                   <a:schemeClr val="tx1"/>
                 </a:solidFill>
               </a:rPr>
-              <a:t>BidTime </a:t>
+              <a:t>BidTime</a:t>
+            </a:r>
+            <a:r>
+              <a:rPr lang="fr-FR" dirty="0">
+                <a:solidFill>
+                  <a:schemeClr val="tx1"/>
+                </a:solidFill>
+              </a:rPr>
+              <a:t> </a:t>
             </a:r>
             <a:r>
               <a:rPr lang="fr-FR" dirty="0" smtClean="0">

--- a/Doc/EasyBid.pptx
+++ b/Doc/EasyBid.pptx
@@ -5728,7 +5728,15 @@
             </a:r>
             <a:r>
               <a:rPr lang="fr-FR" b="1" dirty="0" smtClean="0"/>
-              <a:t> – test – readmeTestingInfo.txt</a:t>
+              <a:t> – </a:t>
+            </a:r>
+            <a:r>
+              <a:rPr lang="fr-FR" b="1" dirty="0" smtClean="0"/>
+              <a:t>test – </a:t>
+            </a:r>
+            <a:r>
+              <a:rPr lang="fr-FR" b="1" dirty="0" smtClean="0"/>
+              <a:t>readmeTestingInfo.txt</a:t>
             </a:r>
           </a:p>
         </p:txBody>
@@ -5838,31 +5846,43 @@
               <a:t> </a:t>
             </a:r>
             <a:r>
+              <a:rPr lang="fr-FR" dirty="0" err="1"/>
+              <a:t>testCreateAndShowUsers</a:t>
+            </a:r>
+            <a:r>
+              <a:rPr lang="fr-FR" dirty="0"/>
+              <a:t> </a:t>
+            </a:r>
+            <a:r>
+              <a:rPr lang="fr-FR" dirty="0" smtClean="0"/>
+              <a:t>:</a:t>
+            </a:r>
+          </a:p>
+          <a:p>
+            <a:pPr lvl="1"/>
+            <a:r>
+              <a:rPr lang="fr-FR" dirty="0" smtClean="0"/>
+              <a:t>Le fichier </a:t>
+            </a:r>
+            <a:r>
+              <a:rPr lang="fr-FR" dirty="0"/>
+              <a:t>d’entrée des tests de la méthode </a:t>
+            </a:r>
+            <a:r>
               <a:rPr lang="fr-FR" dirty="0" err="1" smtClean="0"/>
-              <a:t>testRun</a:t>
-            </a:r>
-            <a:r>
-              <a:rPr lang="fr-FR" dirty="0" smtClean="0"/>
-              <a:t> :</a:t>
-            </a:r>
-          </a:p>
-          <a:p>
-            <a:pPr lvl="1"/>
-            <a:r>
-              <a:rPr lang="fr-FR" dirty="0" smtClean="0"/>
-              <a:t>Les </a:t>
+              <a:t>testCreateAndShowUsers</a:t>
+            </a:r>
+            <a:r>
+              <a:rPr lang="fr-FR" dirty="0" smtClean="0"/>
+              <a:t> est</a:t>
+            </a:r>
+            <a:r>
+              <a:rPr lang="fr-FR" dirty="0" smtClean="0"/>
+              <a:t> </a:t>
             </a:r>
             <a:r>
               <a:rPr lang="fr-FR" dirty="0"/>
-              <a:t>fichiers d’entrée des tests de la méthode </a:t>
-            </a:r>
-            <a:r>
-              <a:rPr lang="fr-FR" dirty="0" err="1"/>
-              <a:t>testRun</a:t>
-            </a:r>
-            <a:r>
-              <a:rPr lang="fr-FR" dirty="0"/>
-              <a:t> sont dans </a:t>
+              <a:t>dans </a:t>
             </a:r>
             <a:r>
               <a:rPr lang="fr-FR" dirty="0" err="1"/>
@@ -5870,40 +5890,32 @@
             </a:r>
             <a:r>
               <a:rPr lang="fr-FR" dirty="0"/>
-              <a:t> – bin – tests</a:t>
+              <a:t> – </a:t>
+            </a:r>
+            <a:r>
+              <a:rPr lang="fr-FR" dirty="0" err="1" smtClean="0"/>
+              <a:t>src</a:t>
+            </a:r>
+            <a:r>
+              <a:rPr lang="fr-FR" dirty="0" smtClean="0"/>
+              <a:t> – </a:t>
+            </a:r>
+            <a:r>
+              <a:rPr lang="fr-FR" dirty="0" err="1" smtClean="0"/>
+              <a:t>easybid</a:t>
+            </a:r>
+            <a:r>
+              <a:rPr lang="fr-FR" dirty="0" smtClean="0"/>
+              <a:t> </a:t>
+            </a:r>
+            <a:r>
+              <a:rPr lang="fr-FR" dirty="0"/>
+              <a:t>– tests</a:t>
             </a:r>
             <a:r>
               <a:rPr lang="fr-FR" dirty="0" smtClean="0"/>
               <a:t>.</a:t>
             </a:r>
-          </a:p>
-          <a:p>
-            <a:pPr lvl="1"/>
-            <a:r>
-              <a:rPr lang="fr-FR" dirty="0" smtClean="0"/>
-              <a:t>La méthode </a:t>
-            </a:r>
-            <a:r>
-              <a:rPr lang="fr-FR" dirty="0" err="1" smtClean="0"/>
-              <a:t>testRun</a:t>
-            </a:r>
-            <a:r>
-              <a:rPr lang="fr-FR" dirty="0" smtClean="0"/>
-              <a:t> appelle </a:t>
-            </a:r>
-            <a:r>
-              <a:rPr lang="fr-FR" dirty="0" err="1" smtClean="0"/>
-              <a:t>plusieures</a:t>
-            </a:r>
-            <a:r>
-              <a:rPr lang="fr-FR" dirty="0"/>
-              <a:t> </a:t>
-            </a:r>
-            <a:r>
-              <a:rPr lang="fr-FR" dirty="0" smtClean="0"/>
-              <a:t>méthodes pour effectuer les tests sur chacun des fichiers d’entrée.</a:t>
-            </a:r>
-            <a:endParaRPr lang="fr-FR" dirty="0"/>
           </a:p>
           <a:p>
             <a:pPr lvl="1"/>
@@ -6240,23 +6252,7 @@
                   <a:srgbClr val="18579B"/>
                 </a:solidFill>
               </a:rPr>
-              <a:t>	I) Architecture de notre </a:t>
-            </a:r>
-            <a:r>
-              <a:rPr lang="fr-FR" sz="2300" b="1" dirty="0" smtClean="0">
-                <a:solidFill>
-                  <a:srgbClr val="18579B"/>
-                </a:solidFill>
-              </a:rPr>
-              <a:t>système </a:t>
-            </a:r>
-            <a:r>
-              <a:rPr lang="fr-FR" sz="2300" b="1" dirty="0" smtClean="0">
-                <a:solidFill>
-                  <a:srgbClr val="18579B"/>
-                </a:solidFill>
-              </a:rPr>
-              <a:t>d’enchères</a:t>
+              <a:t>	I) Architecture de notre système d’enchères</a:t>
             </a:r>
           </a:p>
           <a:p>
@@ -7670,15 +7666,7 @@
           <a:p>
             <a:r>
               <a:rPr lang="fr-FR" sz="4000" dirty="0" smtClean="0"/>
-              <a:t>I) Architecture de notre </a:t>
-            </a:r>
-            <a:r>
-              <a:rPr lang="fr-FR" sz="4000" dirty="0" smtClean="0"/>
-              <a:t>système </a:t>
-            </a:r>
-            <a:r>
-              <a:rPr lang="fr-FR" sz="4000" dirty="0" smtClean="0"/>
-              <a:t>d’enchères</a:t>
+              <a:t>I) Architecture de notre système d’enchères</a:t>
             </a:r>
             <a:endParaRPr lang="fr-FR" sz="4000" dirty="0"/>
           </a:p>
@@ -8674,15 +8662,7 @@
                   <a:schemeClr val="tx1"/>
                 </a:solidFill>
               </a:rPr>
-              <a:t>Cette classe </a:t>
-            </a:r>
-            <a:r>
-              <a:rPr lang="fr-FR" dirty="0" smtClean="0">
-                <a:solidFill>
-                  <a:schemeClr val="tx1"/>
-                </a:solidFill>
-              </a:rPr>
-              <a:t>s’occupe de la gestion du temps de notre logiciel. Elle possède deux types instances, les instances à date fixe et les instances pour laquelle la date est mise à jour avant chaque utilisation/lecture.</a:t>
+              <a:t>Cette classe s’occupe de la gestion du temps de notre logiciel. Elle possède deux types instances, les instances à date fixe et les instances pour laquelle la date est mise à jour avant chaque utilisation/lecture.</a:t>
             </a:r>
           </a:p>
           <a:p>
